--- a/results/Figures/results_format.pptx
+++ b/results/Figures/results_format.pptx
@@ -5,7 +5,7 @@
     <p:sldMasterId id="2147483648" r:id="rId1"/>
   </p:sldMasterIdLst>
   <p:notesMasterIdLst>
-    <p:notesMasterId r:id="rId10"/>
+    <p:notesMasterId r:id="rId15"/>
   </p:notesMasterIdLst>
   <p:sldIdLst>
     <p:sldId id="259" r:id="rId2"/>
@@ -14,8 +14,13 @@
     <p:sldId id="260" r:id="rId5"/>
     <p:sldId id="258" r:id="rId6"/>
     <p:sldId id="261" r:id="rId7"/>
-    <p:sldId id="262" r:id="rId8"/>
-    <p:sldId id="263" r:id="rId9"/>
+    <p:sldId id="264" r:id="rId8"/>
+    <p:sldId id="265" r:id="rId9"/>
+    <p:sldId id="267" r:id="rId10"/>
+    <p:sldId id="266" r:id="rId11"/>
+    <p:sldId id="268" r:id="rId12"/>
+    <p:sldId id="269" r:id="rId13"/>
+    <p:sldId id="270" r:id="rId14"/>
   </p:sldIdLst>
   <p:sldSz cx="12192000" cy="6858000"/>
   <p:notesSz cx="6858000" cy="9144000"/>
@@ -204,7 +209,7 @@
           <a:p>
             <a:fld id="{CAB5FB69-3406-4C59-AD22-64EA1F9E83ED}" type="datetimeFigureOut">
               <a:rPr lang="en-US" smtClean="0"/>
-              <a:t>3/29/2022</a:t>
+              <a:t>4/7/2022</a:t>
             </a:fld>
             <a:endParaRPr lang="en-US"/>
           </a:p>
@@ -556,6 +561,688 @@
 </p:notes>
 </file>
 
+<file path=ppt/notesSlides/notesSlide2.xml><?xml version="1.0" encoding="utf-8"?>
+<p:notes xmlns:a="http://schemas.openxmlformats.org/drawingml/2006/main" xmlns:r="http://schemas.openxmlformats.org/officeDocument/2006/relationships" xmlns:p="http://schemas.openxmlformats.org/presentationml/2006/main">
+  <p:cSld>
+    <p:spTree>
+      <p:nvGrpSpPr>
+        <p:cNvPr id="1" name=""/>
+        <p:cNvGrpSpPr/>
+        <p:nvPr/>
+      </p:nvGrpSpPr>
+      <p:grpSpPr>
+        <a:xfrm>
+          <a:off x="0" y="0"/>
+          <a:ext cx="0" cy="0"/>
+          <a:chOff x="0" y="0"/>
+          <a:chExt cx="0" cy="0"/>
+        </a:xfrm>
+      </p:grpSpPr>
+      <p:sp>
+        <p:nvSpPr>
+          <p:cNvPr id="2" name="Folienbildplatzhalter 1"/>
+          <p:cNvSpPr>
+            <a:spLocks noGrp="1" noRot="1" noChangeAspect="1"/>
+          </p:cNvSpPr>
+          <p:nvPr>
+            <p:ph type="sldImg"/>
+          </p:nvPr>
+        </p:nvSpPr>
+        <p:spPr/>
+      </p:sp>
+      <p:sp>
+        <p:nvSpPr>
+          <p:cNvPr id="3" name="Notizenplatzhalter 2"/>
+          <p:cNvSpPr>
+            <a:spLocks noGrp="1"/>
+          </p:cNvSpPr>
+          <p:nvPr>
+            <p:ph type="body" idx="1"/>
+          </p:nvPr>
+        </p:nvSpPr>
+        <p:spPr/>
+        <p:txBody>
+          <a:bodyPr/>
+          <a:lstStyle/>
+          <a:p>
+            <a:r>
+              <a:rPr lang="en-US" dirty="0" smtClean="0"/>
+              <a:t>Model 1 CN</a:t>
+            </a:r>
+          </a:p>
+          <a:p>
+            <a:pPr marL="0" marR="0" lvl="0" indent="0" algn="l" defTabSz="914400" rtl="0" eaLnBrk="1" fontAlgn="auto" latinLnBrk="0" hangingPunct="1">
+              <a:lnSpc>
+                <a:spcPct val="100000"/>
+              </a:lnSpc>
+              <a:spcBef>
+                <a:spcPts val="0"/>
+              </a:spcBef>
+              <a:spcAft>
+                <a:spcPts val="0"/>
+              </a:spcAft>
+              <a:buClrTx/>
+              <a:buSzTx/>
+              <a:buFontTx/>
+              <a:buNone/>
+              <a:tabLst/>
+              <a:defRPr/>
+            </a:pPr>
+            <a:r>
+              <a:rPr lang="en-US" dirty="0" smtClean="0"/>
+              <a:t>Y = 0.5 </a:t>
+            </a:r>
+            <a:r>
+              <a:rPr lang="en-US" dirty="0" smtClean="0">
+                <a:sym typeface="Wingdings" panose="05000000000000000000" pitchFamily="2" charset="2"/>
+              </a:rPr>
+              <a:t> x ~ </a:t>
+            </a:r>
+            <a:r>
+              <a:rPr lang="en-US" dirty="0" smtClean="0">
+                <a:sym typeface="Wingdings" panose="05000000000000000000" pitchFamily="2" charset="2"/>
+              </a:rPr>
+              <a:t>0.17 </a:t>
+            </a:r>
+            <a:r>
+              <a:rPr lang="en-US" dirty="0" smtClean="0">
+                <a:sym typeface="Wingdings" panose="05000000000000000000" pitchFamily="2" charset="2"/>
+              </a:rPr>
+              <a:t>years</a:t>
+            </a:r>
+          </a:p>
+          <a:p>
+            <a:endParaRPr lang="en-US" dirty="0"/>
+          </a:p>
+        </p:txBody>
+      </p:sp>
+      <p:sp>
+        <p:nvSpPr>
+          <p:cNvPr id="4" name="Foliennummernplatzhalter 3"/>
+          <p:cNvSpPr>
+            <a:spLocks noGrp="1"/>
+          </p:cNvSpPr>
+          <p:nvPr>
+            <p:ph type="sldNum" sz="quarter" idx="10"/>
+          </p:nvPr>
+        </p:nvSpPr>
+        <p:spPr/>
+        <p:txBody>
+          <a:bodyPr/>
+          <a:lstStyle/>
+          <a:p>
+            <a:fld id="{AB957F89-DF45-4F58-B738-F3AE54386E9B}" type="slidenum">
+              <a:rPr lang="en-US" smtClean="0"/>
+              <a:t>7</a:t>
+            </a:fld>
+            <a:endParaRPr lang="en-US"/>
+          </a:p>
+        </p:txBody>
+      </p:sp>
+    </p:spTree>
+    <p:extLst>
+      <p:ext uri="{BB962C8B-B14F-4D97-AF65-F5344CB8AC3E}">
+        <p14:creationId xmlns:p14="http://schemas.microsoft.com/office/powerpoint/2010/main" val="3818027890"/>
+      </p:ext>
+    </p:extLst>
+  </p:cSld>
+  <p:clrMapOvr>
+    <a:masterClrMapping/>
+  </p:clrMapOvr>
+</p:notes>
+</file>
+
+<file path=ppt/notesSlides/notesSlide3.xml><?xml version="1.0" encoding="utf-8"?>
+<p:notes xmlns:a="http://schemas.openxmlformats.org/drawingml/2006/main" xmlns:r="http://schemas.openxmlformats.org/officeDocument/2006/relationships" xmlns:p="http://schemas.openxmlformats.org/presentationml/2006/main">
+  <p:cSld>
+    <p:spTree>
+      <p:nvGrpSpPr>
+        <p:cNvPr id="1" name=""/>
+        <p:cNvGrpSpPr/>
+        <p:nvPr/>
+      </p:nvGrpSpPr>
+      <p:grpSpPr>
+        <a:xfrm>
+          <a:off x="0" y="0"/>
+          <a:ext cx="0" cy="0"/>
+          <a:chOff x="0" y="0"/>
+          <a:chExt cx="0" cy="0"/>
+        </a:xfrm>
+      </p:grpSpPr>
+      <p:sp>
+        <p:nvSpPr>
+          <p:cNvPr id="2" name="Folienbildplatzhalter 1"/>
+          <p:cNvSpPr>
+            <a:spLocks noGrp="1" noRot="1" noChangeAspect="1"/>
+          </p:cNvSpPr>
+          <p:nvPr>
+            <p:ph type="sldImg"/>
+          </p:nvPr>
+        </p:nvSpPr>
+        <p:spPr/>
+      </p:sp>
+      <p:sp>
+        <p:nvSpPr>
+          <p:cNvPr id="3" name="Notizenplatzhalter 2"/>
+          <p:cNvSpPr>
+            <a:spLocks noGrp="1"/>
+          </p:cNvSpPr>
+          <p:nvPr>
+            <p:ph type="body" idx="1"/>
+          </p:nvPr>
+        </p:nvSpPr>
+        <p:spPr/>
+        <p:txBody>
+          <a:bodyPr/>
+          <a:lstStyle/>
+          <a:p>
+            <a:r>
+              <a:rPr lang="en-US" dirty="0" smtClean="0"/>
+              <a:t>Sample 2 CN</a:t>
+            </a:r>
+          </a:p>
+          <a:p>
+            <a:pPr marL="0" marR="0" lvl="0" indent="0" algn="l" defTabSz="914400" rtl="0" eaLnBrk="1" fontAlgn="auto" latinLnBrk="0" hangingPunct="1">
+              <a:lnSpc>
+                <a:spcPct val="100000"/>
+              </a:lnSpc>
+              <a:spcBef>
+                <a:spcPts val="0"/>
+              </a:spcBef>
+              <a:spcAft>
+                <a:spcPts val="0"/>
+              </a:spcAft>
+              <a:buClrTx/>
+              <a:buSzTx/>
+              <a:buFontTx/>
+              <a:buNone/>
+              <a:tabLst/>
+              <a:defRPr/>
+            </a:pPr>
+            <a:r>
+              <a:rPr lang="en-US" dirty="0" smtClean="0"/>
+              <a:t>Y = 0.5 </a:t>
+            </a:r>
+            <a:r>
+              <a:rPr lang="en-US" dirty="0" smtClean="0">
+                <a:sym typeface="Wingdings" panose="05000000000000000000" pitchFamily="2" charset="2"/>
+              </a:rPr>
+              <a:t> x ~ </a:t>
+            </a:r>
+            <a:r>
+              <a:rPr lang="en-US" dirty="0" smtClean="0">
+                <a:sym typeface="Wingdings" panose="05000000000000000000" pitchFamily="2" charset="2"/>
+              </a:rPr>
+              <a:t>0.86 </a:t>
+            </a:r>
+            <a:r>
+              <a:rPr lang="en-US" dirty="0" smtClean="0">
+                <a:sym typeface="Wingdings" panose="05000000000000000000" pitchFamily="2" charset="2"/>
+              </a:rPr>
+              <a:t>years</a:t>
+            </a:r>
+          </a:p>
+          <a:p>
+            <a:endParaRPr lang="en-US" dirty="0"/>
+          </a:p>
+        </p:txBody>
+      </p:sp>
+      <p:sp>
+        <p:nvSpPr>
+          <p:cNvPr id="4" name="Foliennummernplatzhalter 3"/>
+          <p:cNvSpPr>
+            <a:spLocks noGrp="1"/>
+          </p:cNvSpPr>
+          <p:nvPr>
+            <p:ph type="sldNum" sz="quarter" idx="10"/>
+          </p:nvPr>
+        </p:nvSpPr>
+        <p:spPr/>
+        <p:txBody>
+          <a:bodyPr/>
+          <a:lstStyle/>
+          <a:p>
+            <a:fld id="{AB957F89-DF45-4F58-B738-F3AE54386E9B}" type="slidenum">
+              <a:rPr lang="en-US" smtClean="0"/>
+              <a:t>8</a:t>
+            </a:fld>
+            <a:endParaRPr lang="en-US"/>
+          </a:p>
+        </p:txBody>
+      </p:sp>
+    </p:spTree>
+    <p:extLst>
+      <p:ext uri="{BB962C8B-B14F-4D97-AF65-F5344CB8AC3E}">
+        <p14:creationId xmlns:p14="http://schemas.microsoft.com/office/powerpoint/2010/main" val="2672047363"/>
+      </p:ext>
+    </p:extLst>
+  </p:cSld>
+  <p:clrMapOvr>
+    <a:masterClrMapping/>
+  </p:clrMapOvr>
+</p:notes>
+</file>
+
+<file path=ppt/notesSlides/notesSlide4.xml><?xml version="1.0" encoding="utf-8"?>
+<p:notes xmlns:a="http://schemas.openxmlformats.org/drawingml/2006/main" xmlns:r="http://schemas.openxmlformats.org/officeDocument/2006/relationships" xmlns:p="http://schemas.openxmlformats.org/presentationml/2006/main">
+  <p:cSld>
+    <p:spTree>
+      <p:nvGrpSpPr>
+        <p:cNvPr id="1" name=""/>
+        <p:cNvGrpSpPr/>
+        <p:nvPr/>
+      </p:nvGrpSpPr>
+      <p:grpSpPr>
+        <a:xfrm>
+          <a:off x="0" y="0"/>
+          <a:ext cx="0" cy="0"/>
+          <a:chOff x="0" y="0"/>
+          <a:chExt cx="0" cy="0"/>
+        </a:xfrm>
+      </p:grpSpPr>
+      <p:sp>
+        <p:nvSpPr>
+          <p:cNvPr id="2" name="Folienbildplatzhalter 1"/>
+          <p:cNvSpPr>
+            <a:spLocks noGrp="1" noRot="1" noChangeAspect="1"/>
+          </p:cNvSpPr>
+          <p:nvPr>
+            <p:ph type="sldImg"/>
+          </p:nvPr>
+        </p:nvSpPr>
+        <p:spPr/>
+      </p:sp>
+      <p:sp>
+        <p:nvSpPr>
+          <p:cNvPr id="3" name="Notizenplatzhalter 2"/>
+          <p:cNvSpPr>
+            <a:spLocks noGrp="1"/>
+          </p:cNvSpPr>
+          <p:nvPr>
+            <p:ph type="body" idx="1"/>
+          </p:nvPr>
+        </p:nvSpPr>
+        <p:spPr/>
+        <p:txBody>
+          <a:bodyPr/>
+          <a:lstStyle/>
+          <a:p>
+            <a:r>
+              <a:rPr lang="en-US" b="1" dirty="0" smtClean="0"/>
+              <a:t>Figure X. Cross-validated</a:t>
+            </a:r>
+            <a:r>
+              <a:rPr lang="en-US" b="1" baseline="0" dirty="0" smtClean="0"/>
+              <a:t> p</a:t>
+            </a:r>
+            <a:r>
+              <a:rPr lang="en-US" b="1" dirty="0" smtClean="0"/>
+              <a:t>robability of cognitive impairment at Year</a:t>
+            </a:r>
+            <a:r>
+              <a:rPr lang="en-US" b="1" baseline="0" dirty="0" smtClean="0"/>
+              <a:t> 2 with a baseline diagnosis of CN by PET-BPAD. </a:t>
+            </a:r>
+            <a:r>
+              <a:rPr lang="en-US" baseline="0" dirty="0" smtClean="0"/>
+              <a:t>PET-BPAD marginally (p = 0.05; a)) to significantly (p &lt; 0.05; b)) predicted progression to cognitive impairment after two years. a) APOE-e4 carriership-predominant prediction was observed in sample 1, given that all but one APOE-e4 carriers in this sample showed cognitive impairment at year 2. The PET-BPAD-derived decision boundary in sample 1 (50% probability of disease progression; dotted line) was 0.33 years. b) PET-BPAD-predominant prediction was observed in sample 2. The PET-BPAD-derived decision boundary in sample 2 was 0.44 years. DX = diagnosis.</a:t>
+            </a:r>
+            <a:endParaRPr lang="en-US" dirty="0"/>
+          </a:p>
+        </p:txBody>
+      </p:sp>
+      <p:sp>
+        <p:nvSpPr>
+          <p:cNvPr id="4" name="Foliennummernplatzhalter 3"/>
+          <p:cNvSpPr>
+            <a:spLocks noGrp="1"/>
+          </p:cNvSpPr>
+          <p:nvPr>
+            <p:ph type="sldNum" sz="quarter" idx="10"/>
+          </p:nvPr>
+        </p:nvSpPr>
+        <p:spPr/>
+        <p:txBody>
+          <a:bodyPr/>
+          <a:lstStyle/>
+          <a:p>
+            <a:fld id="{AB957F89-DF45-4F58-B738-F3AE54386E9B}" type="slidenum">
+              <a:rPr lang="en-US" smtClean="0"/>
+              <a:t>9</a:t>
+            </a:fld>
+            <a:endParaRPr lang="en-US"/>
+          </a:p>
+        </p:txBody>
+      </p:sp>
+    </p:spTree>
+    <p:extLst>
+      <p:ext uri="{BB962C8B-B14F-4D97-AF65-F5344CB8AC3E}">
+        <p14:creationId xmlns:p14="http://schemas.microsoft.com/office/powerpoint/2010/main" val="1059661908"/>
+      </p:ext>
+    </p:extLst>
+  </p:cSld>
+  <p:clrMapOvr>
+    <a:masterClrMapping/>
+  </p:clrMapOvr>
+</p:notes>
+</file>
+
+<file path=ppt/notesSlides/notesSlide5.xml><?xml version="1.0" encoding="utf-8"?>
+<p:notes xmlns:a="http://schemas.openxmlformats.org/drawingml/2006/main" xmlns:r="http://schemas.openxmlformats.org/officeDocument/2006/relationships" xmlns:p="http://schemas.openxmlformats.org/presentationml/2006/main">
+  <p:cSld>
+    <p:spTree>
+      <p:nvGrpSpPr>
+        <p:cNvPr id="1" name=""/>
+        <p:cNvGrpSpPr/>
+        <p:nvPr/>
+      </p:nvGrpSpPr>
+      <p:grpSpPr>
+        <a:xfrm>
+          <a:off x="0" y="0"/>
+          <a:ext cx="0" cy="0"/>
+          <a:chOff x="0" y="0"/>
+          <a:chExt cx="0" cy="0"/>
+        </a:xfrm>
+      </p:grpSpPr>
+      <p:sp>
+        <p:nvSpPr>
+          <p:cNvPr id="2" name="Folienbildplatzhalter 1"/>
+          <p:cNvSpPr>
+            <a:spLocks noGrp="1" noRot="1" noChangeAspect="1"/>
+          </p:cNvSpPr>
+          <p:nvPr>
+            <p:ph type="sldImg"/>
+          </p:nvPr>
+        </p:nvSpPr>
+        <p:spPr/>
+      </p:sp>
+      <p:sp>
+        <p:nvSpPr>
+          <p:cNvPr id="3" name="Notizenplatzhalter 2"/>
+          <p:cNvSpPr>
+            <a:spLocks noGrp="1"/>
+          </p:cNvSpPr>
+          <p:nvPr>
+            <p:ph type="body" idx="1"/>
+          </p:nvPr>
+        </p:nvSpPr>
+        <p:spPr/>
+        <p:txBody>
+          <a:bodyPr/>
+          <a:lstStyle/>
+          <a:p>
+            <a:r>
+              <a:rPr lang="en-US" dirty="0" smtClean="0"/>
+              <a:t>Sample 1 MCI</a:t>
+            </a:r>
+          </a:p>
+          <a:p>
+            <a:r>
+              <a:rPr lang="en-US" dirty="0" smtClean="0"/>
+              <a:t>2.1 years</a:t>
+            </a:r>
+            <a:endParaRPr lang="en-US" dirty="0"/>
+          </a:p>
+        </p:txBody>
+      </p:sp>
+      <p:sp>
+        <p:nvSpPr>
+          <p:cNvPr id="4" name="Foliennummernplatzhalter 3"/>
+          <p:cNvSpPr>
+            <a:spLocks noGrp="1"/>
+          </p:cNvSpPr>
+          <p:nvPr>
+            <p:ph type="sldNum" sz="quarter" idx="10"/>
+          </p:nvPr>
+        </p:nvSpPr>
+        <p:spPr/>
+        <p:txBody>
+          <a:bodyPr/>
+          <a:lstStyle/>
+          <a:p>
+            <a:fld id="{AB957F89-DF45-4F58-B738-F3AE54386E9B}" type="slidenum">
+              <a:rPr lang="en-US" smtClean="0"/>
+              <a:t>10</a:t>
+            </a:fld>
+            <a:endParaRPr lang="en-US"/>
+          </a:p>
+        </p:txBody>
+      </p:sp>
+    </p:spTree>
+    <p:extLst>
+      <p:ext uri="{BB962C8B-B14F-4D97-AF65-F5344CB8AC3E}">
+        <p14:creationId xmlns:p14="http://schemas.microsoft.com/office/powerpoint/2010/main" val="21426919"/>
+      </p:ext>
+    </p:extLst>
+  </p:cSld>
+  <p:clrMapOvr>
+    <a:masterClrMapping/>
+  </p:clrMapOvr>
+</p:notes>
+</file>
+
+<file path=ppt/notesSlides/notesSlide6.xml><?xml version="1.0" encoding="utf-8"?>
+<p:notes xmlns:a="http://schemas.openxmlformats.org/drawingml/2006/main" xmlns:r="http://schemas.openxmlformats.org/officeDocument/2006/relationships" xmlns:p="http://schemas.openxmlformats.org/presentationml/2006/main">
+  <p:cSld>
+    <p:spTree>
+      <p:nvGrpSpPr>
+        <p:cNvPr id="1" name=""/>
+        <p:cNvGrpSpPr/>
+        <p:nvPr/>
+      </p:nvGrpSpPr>
+      <p:grpSpPr>
+        <a:xfrm>
+          <a:off x="0" y="0"/>
+          <a:ext cx="0" cy="0"/>
+          <a:chOff x="0" y="0"/>
+          <a:chExt cx="0" cy="0"/>
+        </a:xfrm>
+      </p:grpSpPr>
+      <p:sp>
+        <p:nvSpPr>
+          <p:cNvPr id="2" name="Folienbildplatzhalter 1"/>
+          <p:cNvSpPr>
+            <a:spLocks noGrp="1" noRot="1" noChangeAspect="1"/>
+          </p:cNvSpPr>
+          <p:nvPr>
+            <p:ph type="sldImg"/>
+          </p:nvPr>
+        </p:nvSpPr>
+        <p:spPr/>
+      </p:sp>
+      <p:sp>
+        <p:nvSpPr>
+          <p:cNvPr id="3" name="Notizenplatzhalter 2"/>
+          <p:cNvSpPr>
+            <a:spLocks noGrp="1"/>
+          </p:cNvSpPr>
+          <p:nvPr>
+            <p:ph type="body" idx="1"/>
+          </p:nvPr>
+        </p:nvSpPr>
+        <p:spPr/>
+        <p:txBody>
+          <a:bodyPr/>
+          <a:lstStyle/>
+          <a:p>
+            <a:r>
+              <a:rPr lang="en-US" dirty="0" smtClean="0"/>
+              <a:t>Sample 2 MCI</a:t>
+            </a:r>
+          </a:p>
+          <a:p>
+            <a:r>
+              <a:rPr lang="en-US" dirty="0" smtClean="0"/>
+              <a:t>2.2 years</a:t>
+            </a:r>
+            <a:endParaRPr lang="en-US" dirty="0"/>
+          </a:p>
+        </p:txBody>
+      </p:sp>
+      <p:sp>
+        <p:nvSpPr>
+          <p:cNvPr id="4" name="Foliennummernplatzhalter 3"/>
+          <p:cNvSpPr>
+            <a:spLocks noGrp="1"/>
+          </p:cNvSpPr>
+          <p:nvPr>
+            <p:ph type="sldNum" sz="quarter" idx="10"/>
+          </p:nvPr>
+        </p:nvSpPr>
+        <p:spPr/>
+        <p:txBody>
+          <a:bodyPr/>
+          <a:lstStyle/>
+          <a:p>
+            <a:fld id="{AB957F89-DF45-4F58-B738-F3AE54386E9B}" type="slidenum">
+              <a:rPr lang="en-US" smtClean="0"/>
+              <a:t>11</a:t>
+            </a:fld>
+            <a:endParaRPr lang="en-US"/>
+          </a:p>
+        </p:txBody>
+      </p:sp>
+    </p:spTree>
+    <p:extLst>
+      <p:ext uri="{BB962C8B-B14F-4D97-AF65-F5344CB8AC3E}">
+        <p14:creationId xmlns:p14="http://schemas.microsoft.com/office/powerpoint/2010/main" val="3265492071"/>
+      </p:ext>
+    </p:extLst>
+  </p:cSld>
+  <p:clrMapOvr>
+    <a:masterClrMapping/>
+  </p:clrMapOvr>
+</p:notes>
+</file>
+
+<file path=ppt/notesSlides/notesSlide7.xml><?xml version="1.0" encoding="utf-8"?>
+<p:notes xmlns:a="http://schemas.openxmlformats.org/drawingml/2006/main" xmlns:r="http://schemas.openxmlformats.org/officeDocument/2006/relationships" xmlns:p="http://schemas.openxmlformats.org/presentationml/2006/main">
+  <p:cSld>
+    <p:spTree>
+      <p:nvGrpSpPr>
+        <p:cNvPr id="1" name=""/>
+        <p:cNvGrpSpPr/>
+        <p:nvPr/>
+      </p:nvGrpSpPr>
+      <p:grpSpPr>
+        <a:xfrm>
+          <a:off x="0" y="0"/>
+          <a:ext cx="0" cy="0"/>
+          <a:chOff x="0" y="0"/>
+          <a:chExt cx="0" cy="0"/>
+        </a:xfrm>
+      </p:grpSpPr>
+      <p:sp>
+        <p:nvSpPr>
+          <p:cNvPr id="2" name="Folienbildplatzhalter 1"/>
+          <p:cNvSpPr>
+            <a:spLocks noGrp="1" noRot="1" noChangeAspect="1"/>
+          </p:cNvSpPr>
+          <p:nvPr>
+            <p:ph type="sldImg"/>
+          </p:nvPr>
+        </p:nvSpPr>
+        <p:spPr/>
+      </p:sp>
+      <p:sp>
+        <p:nvSpPr>
+          <p:cNvPr id="3" name="Notizenplatzhalter 2"/>
+          <p:cNvSpPr>
+            <a:spLocks noGrp="1"/>
+          </p:cNvSpPr>
+          <p:nvPr>
+            <p:ph type="body" idx="1"/>
+          </p:nvPr>
+        </p:nvSpPr>
+        <p:spPr/>
+        <p:txBody>
+          <a:bodyPr/>
+          <a:lstStyle/>
+          <a:p>
+            <a:pPr marL="0" marR="0" lvl="0" indent="0" algn="l" defTabSz="914400" rtl="0" eaLnBrk="1" fontAlgn="auto" latinLnBrk="0" hangingPunct="1">
+              <a:lnSpc>
+                <a:spcPct val="100000"/>
+              </a:lnSpc>
+              <a:spcBef>
+                <a:spcPts val="0"/>
+              </a:spcBef>
+              <a:spcAft>
+                <a:spcPts val="0"/>
+              </a:spcAft>
+              <a:buClrTx/>
+              <a:buSzTx/>
+              <a:buFontTx/>
+              <a:buNone/>
+              <a:tabLst/>
+              <a:defRPr/>
+            </a:pPr>
+            <a:r>
+              <a:rPr lang="en-US" b="1" dirty="0" smtClean="0"/>
+              <a:t>Figure X. Cross-validated</a:t>
+            </a:r>
+            <a:r>
+              <a:rPr lang="en-US" b="1" baseline="0" dirty="0" smtClean="0"/>
+              <a:t> p</a:t>
+            </a:r>
+            <a:r>
+              <a:rPr lang="en-US" b="1" dirty="0" smtClean="0"/>
+              <a:t>robability of AD at Year</a:t>
+            </a:r>
+            <a:r>
+              <a:rPr lang="en-US" b="1" baseline="0" dirty="0" smtClean="0"/>
+              <a:t> 2 with a baseline diagnosis of MCI by MRI-BPAD. </a:t>
+            </a:r>
+            <a:r>
+              <a:rPr lang="en-US" b="0" baseline="0" dirty="0" smtClean="0"/>
+              <a:t>MRI</a:t>
+            </a:r>
+            <a:r>
+              <a:rPr lang="en-US" baseline="0" dirty="0" smtClean="0"/>
+              <a:t>-BPAD very significantly (p &lt; 0.001) predicted AD at Year 2 in both samples, beyond other AD-associated risk factors, such as APOE-e4 carriership. The MRI-BPAD-derived decision boundary in sample 1 and 2 (50% probability of disease progression; dotted line) was 2.3 (a)) and 2.6 years (b)), respectively. DX = diagnosis.</a:t>
+            </a:r>
+            <a:endParaRPr lang="en-US" dirty="0" smtClean="0"/>
+          </a:p>
+          <a:p>
+            <a:endParaRPr lang="en-US" dirty="0"/>
+          </a:p>
+        </p:txBody>
+      </p:sp>
+      <p:sp>
+        <p:nvSpPr>
+          <p:cNvPr id="4" name="Foliennummernplatzhalter 3"/>
+          <p:cNvSpPr>
+            <a:spLocks noGrp="1"/>
+          </p:cNvSpPr>
+          <p:nvPr>
+            <p:ph type="sldNum" sz="quarter" idx="10"/>
+          </p:nvPr>
+        </p:nvSpPr>
+        <p:spPr/>
+        <p:txBody>
+          <a:bodyPr/>
+          <a:lstStyle/>
+          <a:p>
+            <a:fld id="{AB957F89-DF45-4F58-B738-F3AE54386E9B}" type="slidenum">
+              <a:rPr lang="en-US" smtClean="0"/>
+              <a:t>12</a:t>
+            </a:fld>
+            <a:endParaRPr lang="en-US"/>
+          </a:p>
+        </p:txBody>
+      </p:sp>
+    </p:spTree>
+    <p:extLst>
+      <p:ext uri="{BB962C8B-B14F-4D97-AF65-F5344CB8AC3E}">
+        <p14:creationId xmlns:p14="http://schemas.microsoft.com/office/powerpoint/2010/main" val="805872826"/>
+      </p:ext>
+    </p:extLst>
+  </p:cSld>
+  <p:clrMapOvr>
+    <a:masterClrMapping/>
+  </p:clrMapOvr>
+</p:notes>
+</file>
+
 <file path=ppt/slideLayouts/slideLayout1.xml><?xml version="1.0" encoding="utf-8"?>
 <p:sldLayout xmlns:a="http://schemas.openxmlformats.org/drawingml/2006/main" xmlns:r="http://schemas.openxmlformats.org/officeDocument/2006/relationships" xmlns:p="http://schemas.openxmlformats.org/presentationml/2006/main" type="title" preserve="1">
   <p:cSld name="Titelfolie">
@@ -687,7 +1374,7 @@
           <a:p>
             <a:fld id="{4D29E9A3-64E3-4154-A93F-C3B5A9613051}" type="datetimeFigureOut">
               <a:rPr lang="en-US" smtClean="0"/>
-              <a:t>3/29/2022</a:t>
+              <a:t>4/7/2022</a:t>
             </a:fld>
             <a:endParaRPr lang="en-US"/>
           </a:p>
@@ -857,7 +1544,7 @@
           <a:p>
             <a:fld id="{4D29E9A3-64E3-4154-A93F-C3B5A9613051}" type="datetimeFigureOut">
               <a:rPr lang="en-US" smtClean="0"/>
-              <a:t>3/29/2022</a:t>
+              <a:t>4/7/2022</a:t>
             </a:fld>
             <a:endParaRPr lang="en-US"/>
           </a:p>
@@ -1037,7 +1724,7 @@
           <a:p>
             <a:fld id="{4D29E9A3-64E3-4154-A93F-C3B5A9613051}" type="datetimeFigureOut">
               <a:rPr lang="en-US" smtClean="0"/>
-              <a:t>3/29/2022</a:t>
+              <a:t>4/7/2022</a:t>
             </a:fld>
             <a:endParaRPr lang="en-US"/>
           </a:p>
@@ -1207,7 +1894,7 @@
           <a:p>
             <a:fld id="{4D29E9A3-64E3-4154-A93F-C3B5A9613051}" type="datetimeFigureOut">
               <a:rPr lang="en-US" smtClean="0"/>
-              <a:t>3/29/2022</a:t>
+              <a:t>4/7/2022</a:t>
             </a:fld>
             <a:endParaRPr lang="en-US"/>
           </a:p>
@@ -1453,7 +2140,7 @@
           <a:p>
             <a:fld id="{4D29E9A3-64E3-4154-A93F-C3B5A9613051}" type="datetimeFigureOut">
               <a:rPr lang="en-US" smtClean="0"/>
-              <a:t>3/29/2022</a:t>
+              <a:t>4/7/2022</a:t>
             </a:fld>
             <a:endParaRPr lang="en-US"/>
           </a:p>
@@ -1685,7 +2372,7 @@
           <a:p>
             <a:fld id="{4D29E9A3-64E3-4154-A93F-C3B5A9613051}" type="datetimeFigureOut">
               <a:rPr lang="en-US" smtClean="0"/>
-              <a:t>3/29/2022</a:t>
+              <a:t>4/7/2022</a:t>
             </a:fld>
             <a:endParaRPr lang="en-US"/>
           </a:p>
@@ -2052,7 +2739,7 @@
           <a:p>
             <a:fld id="{4D29E9A3-64E3-4154-A93F-C3B5A9613051}" type="datetimeFigureOut">
               <a:rPr lang="en-US" smtClean="0"/>
-              <a:t>3/29/2022</a:t>
+              <a:t>4/7/2022</a:t>
             </a:fld>
             <a:endParaRPr lang="en-US"/>
           </a:p>
@@ -2170,7 +2857,7 @@
           <a:p>
             <a:fld id="{4D29E9A3-64E3-4154-A93F-C3B5A9613051}" type="datetimeFigureOut">
               <a:rPr lang="en-US" smtClean="0"/>
-              <a:t>3/29/2022</a:t>
+              <a:t>4/7/2022</a:t>
             </a:fld>
             <a:endParaRPr lang="en-US"/>
           </a:p>
@@ -2265,7 +2952,7 @@
           <a:p>
             <a:fld id="{4D29E9A3-64E3-4154-A93F-C3B5A9613051}" type="datetimeFigureOut">
               <a:rPr lang="en-US" smtClean="0"/>
-              <a:t>3/29/2022</a:t>
+              <a:t>4/7/2022</a:t>
             </a:fld>
             <a:endParaRPr lang="en-US"/>
           </a:p>
@@ -2542,7 +3229,7 @@
           <a:p>
             <a:fld id="{4D29E9A3-64E3-4154-A93F-C3B5A9613051}" type="datetimeFigureOut">
               <a:rPr lang="en-US" smtClean="0"/>
-              <a:t>3/29/2022</a:t>
+              <a:t>4/7/2022</a:t>
             </a:fld>
             <a:endParaRPr lang="en-US"/>
           </a:p>
@@ -2795,7 +3482,7 @@
           <a:p>
             <a:fld id="{4D29E9A3-64E3-4154-A93F-C3B5A9613051}" type="datetimeFigureOut">
               <a:rPr lang="en-US" smtClean="0"/>
-              <a:t>3/29/2022</a:t>
+              <a:t>4/7/2022</a:t>
             </a:fld>
             <a:endParaRPr lang="en-US"/>
           </a:p>
@@ -3008,7 +3695,7 @@
           <a:p>
             <a:fld id="{4D29E9A3-64E3-4154-A93F-C3B5A9613051}" type="datetimeFigureOut">
               <a:rPr lang="en-US" smtClean="0"/>
-              <a:t>3/29/2022</a:t>
+              <a:t>4/7/2022</a:t>
             </a:fld>
             <a:endParaRPr lang="en-US"/>
           </a:p>
@@ -3468,6 +4155,2874 @@
 </p:sld>
 </file>
 
+<file path=ppt/slides/slide10.xml><?xml version="1.0" encoding="utf-8"?>
+<p:sld xmlns:a="http://schemas.openxmlformats.org/drawingml/2006/main" xmlns:r="http://schemas.openxmlformats.org/officeDocument/2006/relationships" xmlns:p="http://schemas.openxmlformats.org/presentationml/2006/main">
+  <p:cSld>
+    <p:spTree>
+      <p:nvGrpSpPr>
+        <p:cNvPr id="1" name=""/>
+        <p:cNvGrpSpPr/>
+        <p:nvPr/>
+      </p:nvGrpSpPr>
+      <p:grpSpPr>
+        <a:xfrm>
+          <a:off x="0" y="0"/>
+          <a:ext cx="0" cy="0"/>
+          <a:chOff x="0" y="0"/>
+          <a:chExt cx="0" cy="0"/>
+        </a:xfrm>
+      </p:grpSpPr>
+      <p:sp>
+        <p:nvSpPr>
+          <p:cNvPr id="5" name="Textfeld 4"/>
+          <p:cNvSpPr txBox="1"/>
+          <p:nvPr/>
+        </p:nvSpPr>
+        <p:spPr>
+          <a:xfrm rot="16200000">
+            <a:off x="973259" y="2808809"/>
+            <a:ext cx="5469060" cy="284693"/>
+          </a:xfrm>
+          <a:prstGeom prst="rect">
+            <a:avLst/>
+          </a:prstGeom>
+          <a:solidFill>
+            <a:schemeClr val="bg1"/>
+          </a:solidFill>
+        </p:spPr>
+        <p:txBody>
+          <a:bodyPr wrap="square" rtlCol="0">
+            <a:spAutoFit/>
+          </a:bodyPr>
+          <a:lstStyle/>
+          <a:p>
+            <a:pPr algn="ctr">
+              <a:lnSpc>
+                <a:spcPts val="1500"/>
+              </a:lnSpc>
+            </a:pPr>
+            <a:r>
+              <a:rPr lang="de-DE" sz="1200" dirty="0" err="1" smtClean="0">
+                <a:latin typeface="Helvetica" pitchFamily="2" charset="0"/>
+              </a:rPr>
+              <a:t>Probability</a:t>
+            </a:r>
+            <a:r>
+              <a:rPr lang="de-DE" sz="1200" dirty="0" smtClean="0">
+                <a:latin typeface="Helvetica" pitchFamily="2" charset="0"/>
+              </a:rPr>
+              <a:t> </a:t>
+            </a:r>
+            <a:r>
+              <a:rPr lang="de-DE" sz="1200" dirty="0" err="1" smtClean="0">
+                <a:latin typeface="Helvetica" pitchFamily="2" charset="0"/>
+              </a:rPr>
+              <a:t>of</a:t>
+            </a:r>
+            <a:r>
+              <a:rPr lang="de-DE" sz="1200" dirty="0" smtClean="0">
+                <a:latin typeface="Helvetica" pitchFamily="2" charset="0"/>
+              </a:rPr>
+              <a:t> </a:t>
+            </a:r>
+            <a:r>
+              <a:rPr lang="de-DE" sz="1200" dirty="0" err="1" smtClean="0">
+                <a:latin typeface="Helvetica" pitchFamily="2" charset="0"/>
+              </a:rPr>
+              <a:t>Disease</a:t>
+            </a:r>
+            <a:r>
+              <a:rPr lang="de-DE" sz="1200" dirty="0" smtClean="0">
+                <a:latin typeface="Helvetica" pitchFamily="2" charset="0"/>
+              </a:rPr>
+              <a:t> Progression </a:t>
+            </a:r>
+            <a:r>
+              <a:rPr lang="de-DE" sz="1200" dirty="0" smtClean="0">
+                <a:latin typeface="Helvetica" pitchFamily="2" charset="0"/>
+              </a:rPr>
+              <a:t>[%]</a:t>
+            </a:r>
+            <a:endParaRPr lang="en-US" sz="1200" baseline="-25000" dirty="0">
+              <a:latin typeface="Helvetica" pitchFamily="2" charset="0"/>
+            </a:endParaRPr>
+          </a:p>
+        </p:txBody>
+      </p:sp>
+      <p:sp>
+        <p:nvSpPr>
+          <p:cNvPr id="6" name="Textfeld 5"/>
+          <p:cNvSpPr txBox="1"/>
+          <p:nvPr/>
+        </p:nvSpPr>
+        <p:spPr>
+          <a:xfrm>
+            <a:off x="4226100" y="5726265"/>
+            <a:ext cx="4295519" cy="284693"/>
+          </a:xfrm>
+          <a:prstGeom prst="rect">
+            <a:avLst/>
+          </a:prstGeom>
+          <a:solidFill>
+            <a:schemeClr val="bg1"/>
+          </a:solidFill>
+        </p:spPr>
+        <p:txBody>
+          <a:bodyPr wrap="square" rtlCol="0">
+            <a:spAutoFit/>
+          </a:bodyPr>
+          <a:lstStyle/>
+          <a:p>
+            <a:pPr algn="ctr">
+              <a:lnSpc>
+                <a:spcPts val="1500"/>
+              </a:lnSpc>
+            </a:pPr>
+            <a:r>
+              <a:rPr lang="en-US" sz="1200" dirty="0" smtClean="0">
+                <a:latin typeface="Helvetica" pitchFamily="2" charset="0"/>
+              </a:rPr>
+              <a:t>BPAD [years]</a:t>
+            </a:r>
+            <a:endParaRPr lang="en-US" sz="1200" dirty="0">
+              <a:latin typeface="Helvetica" pitchFamily="2" charset="0"/>
+            </a:endParaRPr>
+          </a:p>
+        </p:txBody>
+      </p:sp>
+      <p:grpSp>
+        <p:nvGrpSpPr>
+          <p:cNvPr id="20" name="Gruppieren 19"/>
+          <p:cNvGrpSpPr/>
+          <p:nvPr/>
+        </p:nvGrpSpPr>
+        <p:grpSpPr>
+          <a:xfrm>
+            <a:off x="4226100" y="6083671"/>
+            <a:ext cx="4548969" cy="669414"/>
+            <a:chOff x="4226100" y="6083671"/>
+            <a:chExt cx="4548969" cy="669414"/>
+          </a:xfrm>
+        </p:grpSpPr>
+        <p:grpSp>
+          <p:nvGrpSpPr>
+            <p:cNvPr id="7" name="Gruppieren 6"/>
+            <p:cNvGrpSpPr/>
+            <p:nvPr/>
+          </p:nvGrpSpPr>
+          <p:grpSpPr>
+            <a:xfrm>
+              <a:off x="4226100" y="6083671"/>
+              <a:ext cx="4548969" cy="669414"/>
+              <a:chOff x="3830958" y="6119603"/>
+              <a:chExt cx="4548969" cy="669414"/>
+            </a:xfrm>
+          </p:grpSpPr>
+          <p:grpSp>
+            <p:nvGrpSpPr>
+              <p:cNvPr id="8" name="Gruppieren 7"/>
+              <p:cNvGrpSpPr/>
+              <p:nvPr/>
+            </p:nvGrpSpPr>
+            <p:grpSpPr>
+              <a:xfrm>
+                <a:off x="3830958" y="6214196"/>
+                <a:ext cx="2379620" cy="477054"/>
+                <a:chOff x="3103141" y="6208184"/>
+                <a:chExt cx="2379620" cy="477054"/>
+              </a:xfrm>
+            </p:grpSpPr>
+            <p:sp>
+              <p:nvSpPr>
+                <p:cNvPr id="17" name="Textfeld 16"/>
+                <p:cNvSpPr txBox="1"/>
+                <p:nvPr/>
+              </p:nvSpPr>
+              <p:spPr>
+                <a:xfrm>
+                  <a:off x="4587582" y="6208184"/>
+                  <a:ext cx="895179" cy="477054"/>
+                </a:xfrm>
+                <a:prstGeom prst="rect">
+                  <a:avLst/>
+                </a:prstGeom>
+                <a:solidFill>
+                  <a:schemeClr val="bg1"/>
+                </a:solidFill>
+              </p:spPr>
+              <p:txBody>
+                <a:bodyPr wrap="square" rtlCol="0">
+                  <a:spAutoFit/>
+                </a:bodyPr>
+                <a:lstStyle/>
+                <a:p>
+                  <a:pPr>
+                    <a:lnSpc>
+                      <a:spcPts val="1500"/>
+                    </a:lnSpc>
+                  </a:pPr>
+                  <a:r>
+                    <a:rPr lang="en-US" sz="1200" dirty="0" smtClean="0">
+                      <a:latin typeface="Helvetica" pitchFamily="2" charset="0"/>
+                    </a:rPr>
+                    <a:t>MCI</a:t>
+                  </a:r>
+                  <a:endParaRPr lang="en-US" sz="1200" dirty="0" smtClean="0">
+                    <a:latin typeface="Helvetica" pitchFamily="2" charset="0"/>
+                  </a:endParaRPr>
+                </a:p>
+                <a:p>
+                  <a:pPr>
+                    <a:lnSpc>
+                      <a:spcPts val="1500"/>
+                    </a:lnSpc>
+                  </a:pPr>
+                  <a:r>
+                    <a:rPr lang="en-US" sz="1200" dirty="0" smtClean="0">
+                      <a:latin typeface="Helvetica" pitchFamily="2" charset="0"/>
+                    </a:rPr>
+                    <a:t>AD</a:t>
+                  </a:r>
+                </a:p>
+              </p:txBody>
+            </p:sp>
+            <p:sp>
+              <p:nvSpPr>
+                <p:cNvPr id="18" name="Textfeld 17"/>
+                <p:cNvSpPr txBox="1"/>
+                <p:nvPr/>
+              </p:nvSpPr>
+              <p:spPr>
+                <a:xfrm>
+                  <a:off x="3103141" y="6311563"/>
+                  <a:ext cx="1370579" cy="297517"/>
+                </a:xfrm>
+                <a:prstGeom prst="rect">
+                  <a:avLst/>
+                </a:prstGeom>
+                <a:solidFill>
+                  <a:schemeClr val="bg1"/>
+                </a:solidFill>
+              </p:spPr>
+              <p:txBody>
+                <a:bodyPr wrap="square" rtlCol="0">
+                  <a:spAutoFit/>
+                </a:bodyPr>
+                <a:lstStyle/>
+                <a:p>
+                  <a:pPr algn="r">
+                    <a:lnSpc>
+                      <a:spcPts val="1600"/>
+                    </a:lnSpc>
+                  </a:pPr>
+                  <a:r>
+                    <a:rPr lang="en-US" sz="1200" dirty="0" smtClean="0">
+                      <a:latin typeface="Helvetica" pitchFamily="2" charset="0"/>
+                    </a:rPr>
+                    <a:t>DX after 2 years</a:t>
+                  </a:r>
+                  <a:endParaRPr lang="en-US" sz="1200" dirty="0">
+                    <a:latin typeface="Helvetica" pitchFamily="2" charset="0"/>
+                  </a:endParaRPr>
+                </a:p>
+              </p:txBody>
+            </p:sp>
+          </p:grpSp>
+          <p:sp>
+            <p:nvSpPr>
+              <p:cNvPr id="11" name="Rechteck 10"/>
+              <p:cNvSpPr/>
+              <p:nvPr/>
+            </p:nvSpPr>
+            <p:spPr>
+              <a:xfrm>
+                <a:off x="5223309" y="6304061"/>
+                <a:ext cx="93983" cy="88455"/>
+              </a:xfrm>
+              <a:prstGeom prst="rect">
+                <a:avLst/>
+              </a:prstGeom>
+              <a:solidFill>
+                <a:srgbClr val="CCD3CC"/>
+              </a:solidFill>
+              <a:ln>
+                <a:noFill/>
+              </a:ln>
+            </p:spPr>
+            <p:style>
+              <a:lnRef idx="2">
+                <a:schemeClr val="accent1">
+                  <a:shade val="50000"/>
+                </a:schemeClr>
+              </a:lnRef>
+              <a:fillRef idx="1">
+                <a:schemeClr val="accent1"/>
+              </a:fillRef>
+              <a:effectRef idx="0">
+                <a:schemeClr val="accent1"/>
+              </a:effectRef>
+              <a:fontRef idx="minor">
+                <a:schemeClr val="lt1"/>
+              </a:fontRef>
+            </p:style>
+            <p:txBody>
+              <a:bodyPr rtlCol="0" anchor="ctr"/>
+              <a:lstStyle/>
+              <a:p>
+                <a:pPr algn="ctr"/>
+                <a:endParaRPr lang="en-US"/>
+              </a:p>
+            </p:txBody>
+          </p:sp>
+          <p:sp>
+            <p:nvSpPr>
+              <p:cNvPr id="12" name="Ellipse 11"/>
+              <p:cNvSpPr/>
+              <p:nvPr/>
+            </p:nvSpPr>
+            <p:spPr>
+              <a:xfrm>
+                <a:off x="7402202" y="6214673"/>
+                <a:ext cx="82550" cy="82550"/>
+              </a:xfrm>
+              <a:prstGeom prst="ellipse">
+                <a:avLst/>
+              </a:prstGeom>
+              <a:solidFill>
+                <a:srgbClr val="87CEFA"/>
+              </a:solidFill>
+              <a:ln>
+                <a:noFill/>
+              </a:ln>
+            </p:spPr>
+            <p:style>
+              <a:lnRef idx="2">
+                <a:schemeClr val="accent1">
+                  <a:shade val="50000"/>
+                </a:schemeClr>
+              </a:lnRef>
+              <a:fillRef idx="1">
+                <a:schemeClr val="accent1"/>
+              </a:fillRef>
+              <a:effectRef idx="0">
+                <a:schemeClr val="accent1"/>
+              </a:effectRef>
+              <a:fontRef idx="minor">
+                <a:schemeClr val="lt1"/>
+              </a:fontRef>
+            </p:style>
+            <p:txBody>
+              <a:bodyPr rtlCol="0" anchor="ctr"/>
+              <a:lstStyle/>
+              <a:p>
+                <a:pPr algn="ctr"/>
+                <a:endParaRPr lang="en-US"/>
+              </a:p>
+            </p:txBody>
+          </p:sp>
+          <p:sp>
+            <p:nvSpPr>
+              <p:cNvPr id="13" name="Ellipse 12"/>
+              <p:cNvSpPr/>
+              <p:nvPr/>
+            </p:nvSpPr>
+            <p:spPr>
+              <a:xfrm>
+                <a:off x="7402198" y="6385597"/>
+                <a:ext cx="82550" cy="82550"/>
+              </a:xfrm>
+              <a:prstGeom prst="ellipse">
+                <a:avLst/>
+              </a:prstGeom>
+              <a:solidFill>
+                <a:srgbClr val="FFAE60"/>
+              </a:solidFill>
+              <a:ln>
+                <a:noFill/>
+              </a:ln>
+            </p:spPr>
+            <p:style>
+              <a:lnRef idx="2">
+                <a:schemeClr val="accent1">
+                  <a:shade val="50000"/>
+                </a:schemeClr>
+              </a:lnRef>
+              <a:fillRef idx="1">
+                <a:schemeClr val="accent1"/>
+              </a:fillRef>
+              <a:effectRef idx="0">
+                <a:schemeClr val="accent1"/>
+              </a:effectRef>
+              <a:fontRef idx="minor">
+                <a:schemeClr val="lt1"/>
+              </a:fontRef>
+            </p:style>
+            <p:txBody>
+              <a:bodyPr rtlCol="0" anchor="ctr"/>
+              <a:lstStyle/>
+              <a:p>
+                <a:pPr algn="ctr"/>
+                <a:endParaRPr lang="en-US"/>
+              </a:p>
+            </p:txBody>
+          </p:sp>
+          <p:sp>
+            <p:nvSpPr>
+              <p:cNvPr id="14" name="Ellipse 13"/>
+              <p:cNvSpPr/>
+              <p:nvPr/>
+            </p:nvSpPr>
+            <p:spPr>
+              <a:xfrm>
+                <a:off x="7402198" y="6556521"/>
+                <a:ext cx="82550" cy="82550"/>
+              </a:xfrm>
+              <a:prstGeom prst="ellipse">
+                <a:avLst/>
+              </a:prstGeom>
+              <a:solidFill>
+                <a:srgbClr val="945517"/>
+              </a:solidFill>
+              <a:ln>
+                <a:noFill/>
+              </a:ln>
+            </p:spPr>
+            <p:style>
+              <a:lnRef idx="2">
+                <a:schemeClr val="accent1">
+                  <a:shade val="50000"/>
+                </a:schemeClr>
+              </a:lnRef>
+              <a:fillRef idx="1">
+                <a:schemeClr val="accent1"/>
+              </a:fillRef>
+              <a:effectRef idx="0">
+                <a:schemeClr val="accent1"/>
+              </a:effectRef>
+              <a:fontRef idx="minor">
+                <a:schemeClr val="lt1"/>
+              </a:fontRef>
+            </p:style>
+            <p:txBody>
+              <a:bodyPr rtlCol="0" anchor="ctr"/>
+              <a:lstStyle/>
+              <a:p>
+                <a:pPr algn="ctr"/>
+                <a:endParaRPr lang="en-US"/>
+              </a:p>
+            </p:txBody>
+          </p:sp>
+          <p:sp>
+            <p:nvSpPr>
+              <p:cNvPr id="15" name="Textfeld 14"/>
+              <p:cNvSpPr txBox="1"/>
+              <p:nvPr/>
+            </p:nvSpPr>
+            <p:spPr>
+              <a:xfrm>
+                <a:off x="5916485" y="6323018"/>
+                <a:ext cx="1370579" cy="281552"/>
+              </a:xfrm>
+              <a:prstGeom prst="rect">
+                <a:avLst/>
+              </a:prstGeom>
+              <a:solidFill>
+                <a:schemeClr val="bg1"/>
+              </a:solidFill>
+            </p:spPr>
+            <p:txBody>
+              <a:bodyPr wrap="square" rtlCol="0">
+                <a:spAutoFit/>
+              </a:bodyPr>
+              <a:lstStyle/>
+              <a:p>
+                <a:pPr algn="r">
+                  <a:lnSpc>
+                    <a:spcPts val="1600"/>
+                  </a:lnSpc>
+                </a:pPr>
+                <a:r>
+                  <a:rPr lang="en-US" sz="1200" dirty="0" smtClean="0">
+                    <a:latin typeface="Helvetica" pitchFamily="2" charset="0"/>
+                  </a:rPr>
+                  <a:t>APOE-</a:t>
+                </a:r>
+                <a:r>
+                  <a:rPr lang="el-GR" sz="1200" dirty="0" smtClean="0">
+                    <a:latin typeface="Helvetica" pitchFamily="2" charset="0"/>
+                  </a:rPr>
+                  <a:t>ε</a:t>
+                </a:r>
+                <a:r>
+                  <a:rPr lang="de-DE" sz="1200" dirty="0" smtClean="0">
+                    <a:latin typeface="Helvetica" pitchFamily="2" charset="0"/>
+                  </a:rPr>
+                  <a:t>4 alleles</a:t>
+                </a:r>
+                <a:endParaRPr lang="en-US" sz="1200" dirty="0">
+                  <a:latin typeface="Helvetica" pitchFamily="2" charset="0"/>
+                </a:endParaRPr>
+              </a:p>
+            </p:txBody>
+          </p:sp>
+          <p:sp>
+            <p:nvSpPr>
+              <p:cNvPr id="16" name="Textfeld 15"/>
+              <p:cNvSpPr txBox="1"/>
+              <p:nvPr/>
+            </p:nvSpPr>
+            <p:spPr>
+              <a:xfrm>
+                <a:off x="7484748" y="6119603"/>
+                <a:ext cx="895179" cy="669414"/>
+              </a:xfrm>
+              <a:prstGeom prst="rect">
+                <a:avLst/>
+              </a:prstGeom>
+              <a:solidFill>
+                <a:schemeClr val="bg1"/>
+              </a:solidFill>
+            </p:spPr>
+            <p:txBody>
+              <a:bodyPr wrap="square" rtlCol="0">
+                <a:spAutoFit/>
+              </a:bodyPr>
+              <a:lstStyle/>
+              <a:p>
+                <a:pPr>
+                  <a:lnSpc>
+                    <a:spcPts val="1500"/>
+                  </a:lnSpc>
+                </a:pPr>
+                <a:r>
+                  <a:rPr lang="en-US" sz="1200" dirty="0" smtClean="0">
+                    <a:latin typeface="Helvetica" pitchFamily="2" charset="0"/>
+                  </a:rPr>
+                  <a:t>0</a:t>
+                </a:r>
+              </a:p>
+              <a:p>
+                <a:pPr>
+                  <a:lnSpc>
+                    <a:spcPts val="1500"/>
+                  </a:lnSpc>
+                </a:pPr>
+                <a:r>
+                  <a:rPr lang="en-US" sz="1200" dirty="0" smtClean="0">
+                    <a:latin typeface="Helvetica" pitchFamily="2" charset="0"/>
+                  </a:rPr>
+                  <a:t>1</a:t>
+                </a:r>
+              </a:p>
+              <a:p>
+                <a:pPr>
+                  <a:lnSpc>
+                    <a:spcPts val="1500"/>
+                  </a:lnSpc>
+                </a:pPr>
+                <a:r>
+                  <a:rPr lang="en-US" sz="1200" dirty="0" smtClean="0">
+                    <a:latin typeface="Helvetica" pitchFamily="2" charset="0"/>
+                  </a:rPr>
+                  <a:t>2</a:t>
+                </a:r>
+              </a:p>
+            </p:txBody>
+          </p:sp>
+        </p:grpSp>
+        <p:sp>
+          <p:nvSpPr>
+            <p:cNvPr id="19" name="Rechteck 18"/>
+            <p:cNvSpPr/>
+            <p:nvPr/>
+          </p:nvSpPr>
+          <p:spPr>
+            <a:xfrm rot="18900000">
+              <a:off x="5623858" y="6459060"/>
+              <a:ext cx="82522" cy="82522"/>
+            </a:xfrm>
+            <a:prstGeom prst="rect">
+              <a:avLst/>
+            </a:prstGeom>
+            <a:solidFill>
+              <a:srgbClr val="CCD3CC"/>
+            </a:solidFill>
+            <a:ln>
+              <a:noFill/>
+            </a:ln>
+          </p:spPr>
+          <p:style>
+            <a:lnRef idx="2">
+              <a:schemeClr val="accent1">
+                <a:shade val="50000"/>
+              </a:schemeClr>
+            </a:lnRef>
+            <a:fillRef idx="1">
+              <a:schemeClr val="accent1"/>
+            </a:fillRef>
+            <a:effectRef idx="0">
+              <a:schemeClr val="accent1"/>
+            </a:effectRef>
+            <a:fontRef idx="minor">
+              <a:schemeClr val="lt1"/>
+            </a:fontRef>
+          </p:style>
+          <p:txBody>
+            <a:bodyPr rtlCol="0" anchor="ctr"/>
+            <a:lstStyle/>
+            <a:p>
+              <a:pPr algn="ctr"/>
+              <a:endParaRPr lang="en-US"/>
+            </a:p>
+          </p:txBody>
+        </p:sp>
+      </p:grpSp>
+      <p:sp>
+        <p:nvSpPr>
+          <p:cNvPr id="22" name="Textfeld 21"/>
+          <p:cNvSpPr txBox="1"/>
+          <p:nvPr/>
+        </p:nvSpPr>
+        <p:spPr>
+          <a:xfrm>
+            <a:off x="4397829" y="555171"/>
+            <a:ext cx="1632857" cy="461665"/>
+          </a:xfrm>
+          <a:prstGeom prst="rect">
+            <a:avLst/>
+          </a:prstGeom>
+          <a:noFill/>
+        </p:spPr>
+        <p:txBody>
+          <a:bodyPr wrap="square" rtlCol="0">
+            <a:spAutoFit/>
+          </a:bodyPr>
+          <a:lstStyle/>
+          <a:p>
+            <a:r>
+              <a:rPr lang="en-US" sz="2400" b="1" dirty="0" smtClean="0">
+                <a:solidFill>
+                  <a:srgbClr val="E0E0E0"/>
+                </a:solidFill>
+              </a:rPr>
+              <a:t>Sample </a:t>
+            </a:r>
+            <a:r>
+              <a:rPr lang="en-US" sz="2400" b="1" dirty="0" smtClean="0">
+                <a:solidFill>
+                  <a:srgbClr val="E0E0E0"/>
+                </a:solidFill>
+              </a:rPr>
+              <a:t>1</a:t>
+            </a:r>
+            <a:endParaRPr lang="en-US" sz="2400" b="1" dirty="0">
+              <a:solidFill>
+                <a:srgbClr val="E0E0E0"/>
+              </a:solidFill>
+            </a:endParaRPr>
+          </a:p>
+        </p:txBody>
+      </p:sp>
+      <p:cxnSp>
+        <p:nvCxnSpPr>
+          <p:cNvPr id="23" name="Gerader Verbinder 22"/>
+          <p:cNvCxnSpPr/>
+          <p:nvPr/>
+        </p:nvCxnSpPr>
+        <p:spPr>
+          <a:xfrm>
+            <a:off x="4172844" y="2900674"/>
+            <a:ext cx="2186925" cy="0"/>
+          </a:xfrm>
+          <a:prstGeom prst="line">
+            <a:avLst/>
+          </a:prstGeom>
+          <a:ln w="25400">
+            <a:solidFill>
+              <a:schemeClr val="tx1"/>
+            </a:solidFill>
+            <a:prstDash val="sysDot"/>
+          </a:ln>
+        </p:spPr>
+        <p:style>
+          <a:lnRef idx="1">
+            <a:schemeClr val="accent1"/>
+          </a:lnRef>
+          <a:fillRef idx="0">
+            <a:schemeClr val="accent1"/>
+          </a:fillRef>
+          <a:effectRef idx="0">
+            <a:schemeClr val="accent1"/>
+          </a:effectRef>
+          <a:fontRef idx="minor">
+            <a:schemeClr val="tx1"/>
+          </a:fontRef>
+        </p:style>
+      </p:cxnSp>
+      <p:cxnSp>
+        <p:nvCxnSpPr>
+          <p:cNvPr id="24" name="Gerader Verbinder 23"/>
+          <p:cNvCxnSpPr/>
+          <p:nvPr/>
+        </p:nvCxnSpPr>
+        <p:spPr>
+          <a:xfrm>
+            <a:off x="6359769" y="2900674"/>
+            <a:ext cx="0" cy="2685372"/>
+          </a:xfrm>
+          <a:prstGeom prst="line">
+            <a:avLst/>
+          </a:prstGeom>
+          <a:ln w="19050">
+            <a:prstDash val="sysDot"/>
+          </a:ln>
+        </p:spPr>
+        <p:style>
+          <a:lnRef idx="1">
+            <a:schemeClr val="dk1"/>
+          </a:lnRef>
+          <a:fillRef idx="0">
+            <a:schemeClr val="dk1"/>
+          </a:fillRef>
+          <a:effectRef idx="0">
+            <a:schemeClr val="dk1"/>
+          </a:effectRef>
+          <a:fontRef idx="minor">
+            <a:schemeClr val="tx1"/>
+          </a:fontRef>
+        </p:style>
+      </p:cxnSp>
+    </p:spTree>
+    <p:extLst>
+      <p:ext uri="{BB962C8B-B14F-4D97-AF65-F5344CB8AC3E}">
+        <p14:creationId xmlns:p14="http://schemas.microsoft.com/office/powerpoint/2010/main" val="3271293175"/>
+      </p:ext>
+    </p:extLst>
+  </p:cSld>
+  <p:clrMapOvr>
+    <a:masterClrMapping/>
+  </p:clrMapOvr>
+</p:sld>
+</file>
+
+<file path=ppt/slides/slide11.xml><?xml version="1.0" encoding="utf-8"?>
+<p:sld xmlns:a="http://schemas.openxmlformats.org/drawingml/2006/main" xmlns:r="http://schemas.openxmlformats.org/officeDocument/2006/relationships" xmlns:p="http://schemas.openxmlformats.org/presentationml/2006/main">
+  <p:cSld>
+    <p:spTree>
+      <p:nvGrpSpPr>
+        <p:cNvPr id="1" name=""/>
+        <p:cNvGrpSpPr/>
+        <p:nvPr/>
+      </p:nvGrpSpPr>
+      <p:grpSpPr>
+        <a:xfrm>
+          <a:off x="0" y="0"/>
+          <a:ext cx="0" cy="0"/>
+          <a:chOff x="0" y="0"/>
+          <a:chExt cx="0" cy="0"/>
+        </a:xfrm>
+      </p:grpSpPr>
+      <p:sp>
+        <p:nvSpPr>
+          <p:cNvPr id="24" name="Textfeld 23"/>
+          <p:cNvSpPr txBox="1"/>
+          <p:nvPr/>
+        </p:nvSpPr>
+        <p:spPr>
+          <a:xfrm rot="16200000">
+            <a:off x="973259" y="2808809"/>
+            <a:ext cx="5469060" cy="284693"/>
+          </a:xfrm>
+          <a:prstGeom prst="rect">
+            <a:avLst/>
+          </a:prstGeom>
+          <a:solidFill>
+            <a:schemeClr val="bg1"/>
+          </a:solidFill>
+        </p:spPr>
+        <p:txBody>
+          <a:bodyPr wrap="square" rtlCol="0">
+            <a:spAutoFit/>
+          </a:bodyPr>
+          <a:lstStyle/>
+          <a:p>
+            <a:pPr algn="ctr">
+              <a:lnSpc>
+                <a:spcPts val="1500"/>
+              </a:lnSpc>
+            </a:pPr>
+            <a:r>
+              <a:rPr lang="de-DE" sz="1200" dirty="0" err="1" smtClean="0">
+                <a:latin typeface="Helvetica" pitchFamily="2" charset="0"/>
+              </a:rPr>
+              <a:t>Probability</a:t>
+            </a:r>
+            <a:r>
+              <a:rPr lang="de-DE" sz="1200" dirty="0" smtClean="0">
+                <a:latin typeface="Helvetica" pitchFamily="2" charset="0"/>
+              </a:rPr>
+              <a:t> </a:t>
+            </a:r>
+            <a:r>
+              <a:rPr lang="de-DE" sz="1200" dirty="0" err="1" smtClean="0">
+                <a:latin typeface="Helvetica" pitchFamily="2" charset="0"/>
+              </a:rPr>
+              <a:t>of</a:t>
+            </a:r>
+            <a:r>
+              <a:rPr lang="de-DE" sz="1200" dirty="0" smtClean="0">
+                <a:latin typeface="Helvetica" pitchFamily="2" charset="0"/>
+              </a:rPr>
+              <a:t> </a:t>
+            </a:r>
+            <a:r>
+              <a:rPr lang="de-DE" sz="1200" dirty="0" err="1" smtClean="0">
+                <a:latin typeface="Helvetica" pitchFamily="2" charset="0"/>
+              </a:rPr>
+              <a:t>Disease</a:t>
+            </a:r>
+            <a:r>
+              <a:rPr lang="de-DE" sz="1200" dirty="0" smtClean="0">
+                <a:latin typeface="Helvetica" pitchFamily="2" charset="0"/>
+              </a:rPr>
+              <a:t> Progression </a:t>
+            </a:r>
+            <a:r>
+              <a:rPr lang="de-DE" sz="1200" dirty="0" smtClean="0">
+                <a:latin typeface="Helvetica" pitchFamily="2" charset="0"/>
+              </a:rPr>
+              <a:t>[%]</a:t>
+            </a:r>
+            <a:endParaRPr lang="en-US" sz="1200" baseline="-25000" dirty="0">
+              <a:latin typeface="Helvetica" pitchFamily="2" charset="0"/>
+            </a:endParaRPr>
+          </a:p>
+        </p:txBody>
+      </p:sp>
+      <p:sp>
+        <p:nvSpPr>
+          <p:cNvPr id="25" name="Textfeld 24"/>
+          <p:cNvSpPr txBox="1"/>
+          <p:nvPr/>
+        </p:nvSpPr>
+        <p:spPr>
+          <a:xfrm>
+            <a:off x="4226100" y="5726265"/>
+            <a:ext cx="4295519" cy="284693"/>
+          </a:xfrm>
+          <a:prstGeom prst="rect">
+            <a:avLst/>
+          </a:prstGeom>
+          <a:solidFill>
+            <a:schemeClr val="bg1"/>
+          </a:solidFill>
+        </p:spPr>
+        <p:txBody>
+          <a:bodyPr wrap="square" rtlCol="0">
+            <a:spAutoFit/>
+          </a:bodyPr>
+          <a:lstStyle/>
+          <a:p>
+            <a:pPr algn="ctr">
+              <a:lnSpc>
+                <a:spcPts val="1500"/>
+              </a:lnSpc>
+            </a:pPr>
+            <a:r>
+              <a:rPr lang="en-US" sz="1200" dirty="0" smtClean="0">
+                <a:latin typeface="Helvetica" pitchFamily="2" charset="0"/>
+              </a:rPr>
+              <a:t>BPAD [years]</a:t>
+            </a:r>
+            <a:endParaRPr lang="en-US" sz="1200" dirty="0">
+              <a:latin typeface="Helvetica" pitchFamily="2" charset="0"/>
+            </a:endParaRPr>
+          </a:p>
+        </p:txBody>
+      </p:sp>
+      <p:grpSp>
+        <p:nvGrpSpPr>
+          <p:cNvPr id="26" name="Gruppieren 25"/>
+          <p:cNvGrpSpPr/>
+          <p:nvPr/>
+        </p:nvGrpSpPr>
+        <p:grpSpPr>
+          <a:xfrm>
+            <a:off x="4226100" y="6083671"/>
+            <a:ext cx="4548969" cy="669414"/>
+            <a:chOff x="4226100" y="6083671"/>
+            <a:chExt cx="4548969" cy="669414"/>
+          </a:xfrm>
+        </p:grpSpPr>
+        <p:grpSp>
+          <p:nvGrpSpPr>
+            <p:cNvPr id="27" name="Gruppieren 26"/>
+            <p:cNvGrpSpPr/>
+            <p:nvPr/>
+          </p:nvGrpSpPr>
+          <p:grpSpPr>
+            <a:xfrm>
+              <a:off x="4226100" y="6083671"/>
+              <a:ext cx="4548969" cy="669414"/>
+              <a:chOff x="3830958" y="6119603"/>
+              <a:chExt cx="4548969" cy="669414"/>
+            </a:xfrm>
+          </p:grpSpPr>
+          <p:grpSp>
+            <p:nvGrpSpPr>
+              <p:cNvPr id="29" name="Gruppieren 28"/>
+              <p:cNvGrpSpPr/>
+              <p:nvPr/>
+            </p:nvGrpSpPr>
+            <p:grpSpPr>
+              <a:xfrm>
+                <a:off x="3830958" y="6214196"/>
+                <a:ext cx="2379620" cy="477054"/>
+                <a:chOff x="3103141" y="6208184"/>
+                <a:chExt cx="2379620" cy="477054"/>
+              </a:xfrm>
+            </p:grpSpPr>
+            <p:sp>
+              <p:nvSpPr>
+                <p:cNvPr id="36" name="Textfeld 35"/>
+                <p:cNvSpPr txBox="1"/>
+                <p:nvPr/>
+              </p:nvSpPr>
+              <p:spPr>
+                <a:xfrm>
+                  <a:off x="4587582" y="6208184"/>
+                  <a:ext cx="895179" cy="477054"/>
+                </a:xfrm>
+                <a:prstGeom prst="rect">
+                  <a:avLst/>
+                </a:prstGeom>
+                <a:solidFill>
+                  <a:schemeClr val="bg1"/>
+                </a:solidFill>
+              </p:spPr>
+              <p:txBody>
+                <a:bodyPr wrap="square" rtlCol="0">
+                  <a:spAutoFit/>
+                </a:bodyPr>
+                <a:lstStyle/>
+                <a:p>
+                  <a:pPr>
+                    <a:lnSpc>
+                      <a:spcPts val="1500"/>
+                    </a:lnSpc>
+                  </a:pPr>
+                  <a:r>
+                    <a:rPr lang="en-US" sz="1200" dirty="0" smtClean="0">
+                      <a:latin typeface="Helvetica" pitchFamily="2" charset="0"/>
+                    </a:rPr>
+                    <a:t>MCI</a:t>
+                  </a:r>
+                  <a:endParaRPr lang="en-US" sz="1200" dirty="0" smtClean="0">
+                    <a:latin typeface="Helvetica" pitchFamily="2" charset="0"/>
+                  </a:endParaRPr>
+                </a:p>
+                <a:p>
+                  <a:pPr>
+                    <a:lnSpc>
+                      <a:spcPts val="1500"/>
+                    </a:lnSpc>
+                  </a:pPr>
+                  <a:r>
+                    <a:rPr lang="en-US" sz="1200" dirty="0" smtClean="0">
+                      <a:latin typeface="Helvetica" pitchFamily="2" charset="0"/>
+                    </a:rPr>
+                    <a:t>AD</a:t>
+                  </a:r>
+                </a:p>
+              </p:txBody>
+            </p:sp>
+            <p:sp>
+              <p:nvSpPr>
+                <p:cNvPr id="37" name="Textfeld 36"/>
+                <p:cNvSpPr txBox="1"/>
+                <p:nvPr/>
+              </p:nvSpPr>
+              <p:spPr>
+                <a:xfrm>
+                  <a:off x="3103141" y="6311563"/>
+                  <a:ext cx="1370579" cy="297517"/>
+                </a:xfrm>
+                <a:prstGeom prst="rect">
+                  <a:avLst/>
+                </a:prstGeom>
+                <a:solidFill>
+                  <a:schemeClr val="bg1"/>
+                </a:solidFill>
+              </p:spPr>
+              <p:txBody>
+                <a:bodyPr wrap="square" rtlCol="0">
+                  <a:spAutoFit/>
+                </a:bodyPr>
+                <a:lstStyle/>
+                <a:p>
+                  <a:pPr algn="r">
+                    <a:lnSpc>
+                      <a:spcPts val="1600"/>
+                    </a:lnSpc>
+                  </a:pPr>
+                  <a:r>
+                    <a:rPr lang="en-US" sz="1200" dirty="0" smtClean="0">
+                      <a:latin typeface="Helvetica" pitchFamily="2" charset="0"/>
+                    </a:rPr>
+                    <a:t>DX after 2 years</a:t>
+                  </a:r>
+                  <a:endParaRPr lang="en-US" sz="1200" dirty="0">
+                    <a:latin typeface="Helvetica" pitchFamily="2" charset="0"/>
+                  </a:endParaRPr>
+                </a:p>
+              </p:txBody>
+            </p:sp>
+          </p:grpSp>
+          <p:sp>
+            <p:nvSpPr>
+              <p:cNvPr id="30" name="Rechteck 29"/>
+              <p:cNvSpPr/>
+              <p:nvPr/>
+            </p:nvSpPr>
+            <p:spPr>
+              <a:xfrm>
+                <a:off x="5223309" y="6304061"/>
+                <a:ext cx="93983" cy="88455"/>
+              </a:xfrm>
+              <a:prstGeom prst="rect">
+                <a:avLst/>
+              </a:prstGeom>
+              <a:solidFill>
+                <a:srgbClr val="CCD3CC"/>
+              </a:solidFill>
+              <a:ln>
+                <a:noFill/>
+              </a:ln>
+            </p:spPr>
+            <p:style>
+              <a:lnRef idx="2">
+                <a:schemeClr val="accent1">
+                  <a:shade val="50000"/>
+                </a:schemeClr>
+              </a:lnRef>
+              <a:fillRef idx="1">
+                <a:schemeClr val="accent1"/>
+              </a:fillRef>
+              <a:effectRef idx="0">
+                <a:schemeClr val="accent1"/>
+              </a:effectRef>
+              <a:fontRef idx="minor">
+                <a:schemeClr val="lt1"/>
+              </a:fontRef>
+            </p:style>
+            <p:txBody>
+              <a:bodyPr rtlCol="0" anchor="ctr"/>
+              <a:lstStyle/>
+              <a:p>
+                <a:pPr algn="ctr"/>
+                <a:endParaRPr lang="en-US"/>
+              </a:p>
+            </p:txBody>
+          </p:sp>
+          <p:sp>
+            <p:nvSpPr>
+              <p:cNvPr id="31" name="Ellipse 30"/>
+              <p:cNvSpPr/>
+              <p:nvPr/>
+            </p:nvSpPr>
+            <p:spPr>
+              <a:xfrm>
+                <a:off x="7402202" y="6214673"/>
+                <a:ext cx="82550" cy="82550"/>
+              </a:xfrm>
+              <a:prstGeom prst="ellipse">
+                <a:avLst/>
+              </a:prstGeom>
+              <a:solidFill>
+                <a:srgbClr val="87CEFA"/>
+              </a:solidFill>
+              <a:ln>
+                <a:noFill/>
+              </a:ln>
+            </p:spPr>
+            <p:style>
+              <a:lnRef idx="2">
+                <a:schemeClr val="accent1">
+                  <a:shade val="50000"/>
+                </a:schemeClr>
+              </a:lnRef>
+              <a:fillRef idx="1">
+                <a:schemeClr val="accent1"/>
+              </a:fillRef>
+              <a:effectRef idx="0">
+                <a:schemeClr val="accent1"/>
+              </a:effectRef>
+              <a:fontRef idx="minor">
+                <a:schemeClr val="lt1"/>
+              </a:fontRef>
+            </p:style>
+            <p:txBody>
+              <a:bodyPr rtlCol="0" anchor="ctr"/>
+              <a:lstStyle/>
+              <a:p>
+                <a:pPr algn="ctr"/>
+                <a:endParaRPr lang="en-US"/>
+              </a:p>
+            </p:txBody>
+          </p:sp>
+          <p:sp>
+            <p:nvSpPr>
+              <p:cNvPr id="32" name="Ellipse 31"/>
+              <p:cNvSpPr/>
+              <p:nvPr/>
+            </p:nvSpPr>
+            <p:spPr>
+              <a:xfrm>
+                <a:off x="7402198" y="6385597"/>
+                <a:ext cx="82550" cy="82550"/>
+              </a:xfrm>
+              <a:prstGeom prst="ellipse">
+                <a:avLst/>
+              </a:prstGeom>
+              <a:solidFill>
+                <a:srgbClr val="FFAE60"/>
+              </a:solidFill>
+              <a:ln>
+                <a:noFill/>
+              </a:ln>
+            </p:spPr>
+            <p:style>
+              <a:lnRef idx="2">
+                <a:schemeClr val="accent1">
+                  <a:shade val="50000"/>
+                </a:schemeClr>
+              </a:lnRef>
+              <a:fillRef idx="1">
+                <a:schemeClr val="accent1"/>
+              </a:fillRef>
+              <a:effectRef idx="0">
+                <a:schemeClr val="accent1"/>
+              </a:effectRef>
+              <a:fontRef idx="minor">
+                <a:schemeClr val="lt1"/>
+              </a:fontRef>
+            </p:style>
+            <p:txBody>
+              <a:bodyPr rtlCol="0" anchor="ctr"/>
+              <a:lstStyle/>
+              <a:p>
+                <a:pPr algn="ctr"/>
+                <a:endParaRPr lang="en-US"/>
+              </a:p>
+            </p:txBody>
+          </p:sp>
+          <p:sp>
+            <p:nvSpPr>
+              <p:cNvPr id="33" name="Ellipse 32"/>
+              <p:cNvSpPr/>
+              <p:nvPr/>
+            </p:nvSpPr>
+            <p:spPr>
+              <a:xfrm>
+                <a:off x="7402198" y="6556521"/>
+                <a:ext cx="82550" cy="82550"/>
+              </a:xfrm>
+              <a:prstGeom prst="ellipse">
+                <a:avLst/>
+              </a:prstGeom>
+              <a:solidFill>
+                <a:srgbClr val="945517"/>
+              </a:solidFill>
+              <a:ln>
+                <a:noFill/>
+              </a:ln>
+            </p:spPr>
+            <p:style>
+              <a:lnRef idx="2">
+                <a:schemeClr val="accent1">
+                  <a:shade val="50000"/>
+                </a:schemeClr>
+              </a:lnRef>
+              <a:fillRef idx="1">
+                <a:schemeClr val="accent1"/>
+              </a:fillRef>
+              <a:effectRef idx="0">
+                <a:schemeClr val="accent1"/>
+              </a:effectRef>
+              <a:fontRef idx="minor">
+                <a:schemeClr val="lt1"/>
+              </a:fontRef>
+            </p:style>
+            <p:txBody>
+              <a:bodyPr rtlCol="0" anchor="ctr"/>
+              <a:lstStyle/>
+              <a:p>
+                <a:pPr algn="ctr"/>
+                <a:endParaRPr lang="en-US"/>
+              </a:p>
+            </p:txBody>
+          </p:sp>
+          <p:sp>
+            <p:nvSpPr>
+              <p:cNvPr id="34" name="Textfeld 33"/>
+              <p:cNvSpPr txBox="1"/>
+              <p:nvPr/>
+            </p:nvSpPr>
+            <p:spPr>
+              <a:xfrm>
+                <a:off x="5916485" y="6323018"/>
+                <a:ext cx="1370579" cy="281552"/>
+              </a:xfrm>
+              <a:prstGeom prst="rect">
+                <a:avLst/>
+              </a:prstGeom>
+              <a:solidFill>
+                <a:schemeClr val="bg1"/>
+              </a:solidFill>
+            </p:spPr>
+            <p:txBody>
+              <a:bodyPr wrap="square" rtlCol="0">
+                <a:spAutoFit/>
+              </a:bodyPr>
+              <a:lstStyle/>
+              <a:p>
+                <a:pPr algn="r">
+                  <a:lnSpc>
+                    <a:spcPts val="1600"/>
+                  </a:lnSpc>
+                </a:pPr>
+                <a:r>
+                  <a:rPr lang="en-US" sz="1200" dirty="0" smtClean="0">
+                    <a:latin typeface="Helvetica" pitchFamily="2" charset="0"/>
+                  </a:rPr>
+                  <a:t>APOE-</a:t>
+                </a:r>
+                <a:r>
+                  <a:rPr lang="el-GR" sz="1200" dirty="0" smtClean="0">
+                    <a:latin typeface="Helvetica" pitchFamily="2" charset="0"/>
+                  </a:rPr>
+                  <a:t>ε</a:t>
+                </a:r>
+                <a:r>
+                  <a:rPr lang="de-DE" sz="1200" dirty="0" smtClean="0">
+                    <a:latin typeface="Helvetica" pitchFamily="2" charset="0"/>
+                  </a:rPr>
+                  <a:t>4 alleles</a:t>
+                </a:r>
+                <a:endParaRPr lang="en-US" sz="1200" dirty="0">
+                  <a:latin typeface="Helvetica" pitchFamily="2" charset="0"/>
+                </a:endParaRPr>
+              </a:p>
+            </p:txBody>
+          </p:sp>
+          <p:sp>
+            <p:nvSpPr>
+              <p:cNvPr id="35" name="Textfeld 34"/>
+              <p:cNvSpPr txBox="1"/>
+              <p:nvPr/>
+            </p:nvSpPr>
+            <p:spPr>
+              <a:xfrm>
+                <a:off x="7484748" y="6119603"/>
+                <a:ext cx="895179" cy="669414"/>
+              </a:xfrm>
+              <a:prstGeom prst="rect">
+                <a:avLst/>
+              </a:prstGeom>
+              <a:solidFill>
+                <a:schemeClr val="bg1"/>
+              </a:solidFill>
+            </p:spPr>
+            <p:txBody>
+              <a:bodyPr wrap="square" rtlCol="0">
+                <a:spAutoFit/>
+              </a:bodyPr>
+              <a:lstStyle/>
+              <a:p>
+                <a:pPr>
+                  <a:lnSpc>
+                    <a:spcPts val="1500"/>
+                  </a:lnSpc>
+                </a:pPr>
+                <a:r>
+                  <a:rPr lang="en-US" sz="1200" dirty="0" smtClean="0">
+                    <a:latin typeface="Helvetica" pitchFamily="2" charset="0"/>
+                  </a:rPr>
+                  <a:t>0</a:t>
+                </a:r>
+              </a:p>
+              <a:p>
+                <a:pPr>
+                  <a:lnSpc>
+                    <a:spcPts val="1500"/>
+                  </a:lnSpc>
+                </a:pPr>
+                <a:r>
+                  <a:rPr lang="en-US" sz="1200" dirty="0" smtClean="0">
+                    <a:latin typeface="Helvetica" pitchFamily="2" charset="0"/>
+                  </a:rPr>
+                  <a:t>1</a:t>
+                </a:r>
+              </a:p>
+              <a:p>
+                <a:pPr>
+                  <a:lnSpc>
+                    <a:spcPts val="1500"/>
+                  </a:lnSpc>
+                </a:pPr>
+                <a:r>
+                  <a:rPr lang="en-US" sz="1200" dirty="0" smtClean="0">
+                    <a:latin typeface="Helvetica" pitchFamily="2" charset="0"/>
+                  </a:rPr>
+                  <a:t>2</a:t>
+                </a:r>
+              </a:p>
+            </p:txBody>
+          </p:sp>
+        </p:grpSp>
+        <p:sp>
+          <p:nvSpPr>
+            <p:cNvPr id="28" name="Rechteck 27"/>
+            <p:cNvSpPr/>
+            <p:nvPr/>
+          </p:nvSpPr>
+          <p:spPr>
+            <a:xfrm rot="18900000">
+              <a:off x="5623858" y="6459060"/>
+              <a:ext cx="82522" cy="82522"/>
+            </a:xfrm>
+            <a:prstGeom prst="rect">
+              <a:avLst/>
+            </a:prstGeom>
+            <a:solidFill>
+              <a:srgbClr val="CCD3CC"/>
+            </a:solidFill>
+            <a:ln>
+              <a:noFill/>
+            </a:ln>
+          </p:spPr>
+          <p:style>
+            <a:lnRef idx="2">
+              <a:schemeClr val="accent1">
+                <a:shade val="50000"/>
+              </a:schemeClr>
+            </a:lnRef>
+            <a:fillRef idx="1">
+              <a:schemeClr val="accent1"/>
+            </a:fillRef>
+            <a:effectRef idx="0">
+              <a:schemeClr val="accent1"/>
+            </a:effectRef>
+            <a:fontRef idx="minor">
+              <a:schemeClr val="lt1"/>
+            </a:fontRef>
+          </p:style>
+          <p:txBody>
+            <a:bodyPr rtlCol="0" anchor="ctr"/>
+            <a:lstStyle/>
+            <a:p>
+              <a:pPr algn="ctr"/>
+              <a:endParaRPr lang="en-US"/>
+            </a:p>
+          </p:txBody>
+        </p:sp>
+      </p:grpSp>
+      <p:sp>
+        <p:nvSpPr>
+          <p:cNvPr id="38" name="Textfeld 37"/>
+          <p:cNvSpPr txBox="1"/>
+          <p:nvPr/>
+        </p:nvSpPr>
+        <p:spPr>
+          <a:xfrm>
+            <a:off x="4397829" y="555171"/>
+            <a:ext cx="1632857" cy="461665"/>
+          </a:xfrm>
+          <a:prstGeom prst="rect">
+            <a:avLst/>
+          </a:prstGeom>
+          <a:noFill/>
+        </p:spPr>
+        <p:txBody>
+          <a:bodyPr wrap="square" rtlCol="0">
+            <a:spAutoFit/>
+          </a:bodyPr>
+          <a:lstStyle/>
+          <a:p>
+            <a:r>
+              <a:rPr lang="en-US" sz="2400" b="1" dirty="0" smtClean="0">
+                <a:solidFill>
+                  <a:srgbClr val="E0E0E0"/>
+                </a:solidFill>
+              </a:rPr>
+              <a:t>Sample 2</a:t>
+            </a:r>
+            <a:endParaRPr lang="en-US" sz="2400" b="1" dirty="0">
+              <a:solidFill>
+                <a:srgbClr val="E0E0E0"/>
+              </a:solidFill>
+            </a:endParaRPr>
+          </a:p>
+        </p:txBody>
+      </p:sp>
+      <p:cxnSp>
+        <p:nvCxnSpPr>
+          <p:cNvPr id="39" name="Gerader Verbinder 38"/>
+          <p:cNvCxnSpPr/>
+          <p:nvPr/>
+        </p:nvCxnSpPr>
+        <p:spPr>
+          <a:xfrm>
+            <a:off x="4149396" y="2900674"/>
+            <a:ext cx="2385139" cy="0"/>
+          </a:xfrm>
+          <a:prstGeom prst="line">
+            <a:avLst/>
+          </a:prstGeom>
+          <a:ln w="25400">
+            <a:solidFill>
+              <a:schemeClr val="tx1"/>
+            </a:solidFill>
+            <a:prstDash val="sysDot"/>
+          </a:ln>
+        </p:spPr>
+        <p:style>
+          <a:lnRef idx="1">
+            <a:schemeClr val="accent1"/>
+          </a:lnRef>
+          <a:fillRef idx="0">
+            <a:schemeClr val="accent1"/>
+          </a:fillRef>
+          <a:effectRef idx="0">
+            <a:schemeClr val="accent1"/>
+          </a:effectRef>
+          <a:fontRef idx="minor">
+            <a:schemeClr val="tx1"/>
+          </a:fontRef>
+        </p:style>
+      </p:cxnSp>
+      <p:cxnSp>
+        <p:nvCxnSpPr>
+          <p:cNvPr id="40" name="Gerader Verbinder 39"/>
+          <p:cNvCxnSpPr/>
+          <p:nvPr/>
+        </p:nvCxnSpPr>
+        <p:spPr>
+          <a:xfrm>
+            <a:off x="6534535" y="2900674"/>
+            <a:ext cx="0" cy="2691234"/>
+          </a:xfrm>
+          <a:prstGeom prst="line">
+            <a:avLst/>
+          </a:prstGeom>
+          <a:ln w="19050">
+            <a:prstDash val="sysDot"/>
+          </a:ln>
+        </p:spPr>
+        <p:style>
+          <a:lnRef idx="1">
+            <a:schemeClr val="dk1"/>
+          </a:lnRef>
+          <a:fillRef idx="0">
+            <a:schemeClr val="dk1"/>
+          </a:fillRef>
+          <a:effectRef idx="0">
+            <a:schemeClr val="dk1"/>
+          </a:effectRef>
+          <a:fontRef idx="minor">
+            <a:schemeClr val="tx1"/>
+          </a:fontRef>
+        </p:style>
+      </p:cxnSp>
+    </p:spTree>
+    <p:extLst>
+      <p:ext uri="{BB962C8B-B14F-4D97-AF65-F5344CB8AC3E}">
+        <p14:creationId xmlns:p14="http://schemas.microsoft.com/office/powerpoint/2010/main" val="3024888035"/>
+      </p:ext>
+    </p:extLst>
+  </p:cSld>
+  <p:clrMapOvr>
+    <a:masterClrMapping/>
+  </p:clrMapOvr>
+</p:sld>
+</file>
+
+<file path=ppt/slides/slide12.xml><?xml version="1.0" encoding="utf-8"?>
+<p:sld xmlns:a="http://schemas.openxmlformats.org/drawingml/2006/main" xmlns:r="http://schemas.openxmlformats.org/officeDocument/2006/relationships" xmlns:p="http://schemas.openxmlformats.org/presentationml/2006/main">
+  <p:cSld>
+    <p:spTree>
+      <p:nvGrpSpPr>
+        <p:cNvPr id="1" name=""/>
+        <p:cNvGrpSpPr/>
+        <p:nvPr/>
+      </p:nvGrpSpPr>
+      <p:grpSpPr>
+        <a:xfrm>
+          <a:off x="0" y="0"/>
+          <a:ext cx="0" cy="0"/>
+          <a:chOff x="0" y="0"/>
+          <a:chExt cx="0" cy="0"/>
+        </a:xfrm>
+      </p:grpSpPr>
+      <p:grpSp>
+        <p:nvGrpSpPr>
+          <p:cNvPr id="5" name="Gruppieren 4"/>
+          <p:cNvGrpSpPr/>
+          <p:nvPr/>
+        </p:nvGrpSpPr>
+        <p:grpSpPr>
+          <a:xfrm>
+            <a:off x="3930102" y="6080675"/>
+            <a:ext cx="4548969" cy="669414"/>
+            <a:chOff x="4226100" y="6055096"/>
+            <a:chExt cx="4548969" cy="669414"/>
+          </a:xfrm>
+        </p:grpSpPr>
+        <p:grpSp>
+          <p:nvGrpSpPr>
+            <p:cNvPr id="6" name="Gruppieren 5"/>
+            <p:cNvGrpSpPr/>
+            <p:nvPr/>
+          </p:nvGrpSpPr>
+          <p:grpSpPr>
+            <a:xfrm>
+              <a:off x="4226100" y="6055096"/>
+              <a:ext cx="4548969" cy="669414"/>
+              <a:chOff x="3830958" y="6091028"/>
+              <a:chExt cx="4548969" cy="669414"/>
+            </a:xfrm>
+          </p:grpSpPr>
+          <p:grpSp>
+            <p:nvGrpSpPr>
+              <p:cNvPr id="8" name="Gruppieren 7"/>
+              <p:cNvGrpSpPr/>
+              <p:nvPr/>
+            </p:nvGrpSpPr>
+            <p:grpSpPr>
+              <a:xfrm>
+                <a:off x="3830958" y="6214196"/>
+                <a:ext cx="2379620" cy="477054"/>
+                <a:chOff x="3103141" y="6208184"/>
+                <a:chExt cx="2379620" cy="477054"/>
+              </a:xfrm>
+            </p:grpSpPr>
+            <p:sp>
+              <p:nvSpPr>
+                <p:cNvPr id="15" name="Textfeld 14"/>
+                <p:cNvSpPr txBox="1"/>
+                <p:nvPr/>
+              </p:nvSpPr>
+              <p:spPr>
+                <a:xfrm>
+                  <a:off x="4587582" y="6208184"/>
+                  <a:ext cx="895179" cy="477054"/>
+                </a:xfrm>
+                <a:prstGeom prst="rect">
+                  <a:avLst/>
+                </a:prstGeom>
+                <a:solidFill>
+                  <a:schemeClr val="bg1"/>
+                </a:solidFill>
+              </p:spPr>
+              <p:txBody>
+                <a:bodyPr wrap="square" rtlCol="0">
+                  <a:spAutoFit/>
+                </a:bodyPr>
+                <a:lstStyle/>
+                <a:p>
+                  <a:pPr>
+                    <a:lnSpc>
+                      <a:spcPts val="1500"/>
+                    </a:lnSpc>
+                  </a:pPr>
+                  <a:r>
+                    <a:rPr lang="en-US" sz="1200" dirty="0" smtClean="0">
+                      <a:latin typeface="Helvetica" pitchFamily="2" charset="0"/>
+                    </a:rPr>
+                    <a:t>MCI</a:t>
+                  </a:r>
+                  <a:endParaRPr lang="en-US" sz="1200" dirty="0" smtClean="0">
+                    <a:latin typeface="Helvetica" pitchFamily="2" charset="0"/>
+                  </a:endParaRPr>
+                </a:p>
+                <a:p>
+                  <a:pPr>
+                    <a:lnSpc>
+                      <a:spcPts val="1500"/>
+                    </a:lnSpc>
+                  </a:pPr>
+                  <a:r>
+                    <a:rPr lang="en-US" sz="1200" dirty="0" smtClean="0">
+                      <a:latin typeface="Helvetica" pitchFamily="2" charset="0"/>
+                    </a:rPr>
+                    <a:t>AD</a:t>
+                  </a:r>
+                </a:p>
+              </p:txBody>
+            </p:sp>
+            <p:sp>
+              <p:nvSpPr>
+                <p:cNvPr id="16" name="Textfeld 15"/>
+                <p:cNvSpPr txBox="1"/>
+                <p:nvPr/>
+              </p:nvSpPr>
+              <p:spPr>
+                <a:xfrm>
+                  <a:off x="3103141" y="6311563"/>
+                  <a:ext cx="1370579" cy="297517"/>
+                </a:xfrm>
+                <a:prstGeom prst="rect">
+                  <a:avLst/>
+                </a:prstGeom>
+                <a:solidFill>
+                  <a:schemeClr val="bg1"/>
+                </a:solidFill>
+              </p:spPr>
+              <p:txBody>
+                <a:bodyPr wrap="square" rtlCol="0">
+                  <a:spAutoFit/>
+                </a:bodyPr>
+                <a:lstStyle/>
+                <a:p>
+                  <a:pPr algn="r">
+                    <a:lnSpc>
+                      <a:spcPts val="1600"/>
+                    </a:lnSpc>
+                  </a:pPr>
+                  <a:r>
+                    <a:rPr lang="en-US" sz="1200" dirty="0" smtClean="0">
+                      <a:latin typeface="Helvetica" pitchFamily="2" charset="0"/>
+                    </a:rPr>
+                    <a:t>DX after 2 years</a:t>
+                  </a:r>
+                  <a:endParaRPr lang="en-US" sz="1200" dirty="0">
+                    <a:latin typeface="Helvetica" pitchFamily="2" charset="0"/>
+                  </a:endParaRPr>
+                </a:p>
+              </p:txBody>
+            </p:sp>
+          </p:grpSp>
+          <p:sp>
+            <p:nvSpPr>
+              <p:cNvPr id="9" name="Rechteck 8"/>
+              <p:cNvSpPr/>
+              <p:nvPr/>
+            </p:nvSpPr>
+            <p:spPr>
+              <a:xfrm>
+                <a:off x="5223309" y="6304061"/>
+                <a:ext cx="93983" cy="88455"/>
+              </a:xfrm>
+              <a:prstGeom prst="rect">
+                <a:avLst/>
+              </a:prstGeom>
+              <a:solidFill>
+                <a:srgbClr val="CCD3CC"/>
+              </a:solidFill>
+              <a:ln>
+                <a:noFill/>
+              </a:ln>
+            </p:spPr>
+            <p:style>
+              <a:lnRef idx="2">
+                <a:schemeClr val="accent1">
+                  <a:shade val="50000"/>
+                </a:schemeClr>
+              </a:lnRef>
+              <a:fillRef idx="1">
+                <a:schemeClr val="accent1"/>
+              </a:fillRef>
+              <a:effectRef idx="0">
+                <a:schemeClr val="accent1"/>
+              </a:effectRef>
+              <a:fontRef idx="minor">
+                <a:schemeClr val="lt1"/>
+              </a:fontRef>
+            </p:style>
+            <p:txBody>
+              <a:bodyPr rtlCol="0" anchor="ctr"/>
+              <a:lstStyle/>
+              <a:p>
+                <a:pPr algn="ctr"/>
+                <a:endParaRPr lang="en-US"/>
+              </a:p>
+            </p:txBody>
+          </p:sp>
+          <p:sp>
+            <p:nvSpPr>
+              <p:cNvPr id="10" name="Ellipse 9"/>
+              <p:cNvSpPr/>
+              <p:nvPr/>
+            </p:nvSpPr>
+            <p:spPr>
+              <a:xfrm>
+                <a:off x="7402202" y="6214673"/>
+                <a:ext cx="82550" cy="82550"/>
+              </a:xfrm>
+              <a:prstGeom prst="ellipse">
+                <a:avLst/>
+              </a:prstGeom>
+              <a:solidFill>
+                <a:srgbClr val="87CEFA"/>
+              </a:solidFill>
+              <a:ln>
+                <a:noFill/>
+              </a:ln>
+            </p:spPr>
+            <p:style>
+              <a:lnRef idx="2">
+                <a:schemeClr val="accent1">
+                  <a:shade val="50000"/>
+                </a:schemeClr>
+              </a:lnRef>
+              <a:fillRef idx="1">
+                <a:schemeClr val="accent1"/>
+              </a:fillRef>
+              <a:effectRef idx="0">
+                <a:schemeClr val="accent1"/>
+              </a:effectRef>
+              <a:fontRef idx="minor">
+                <a:schemeClr val="lt1"/>
+              </a:fontRef>
+            </p:style>
+            <p:txBody>
+              <a:bodyPr rtlCol="0" anchor="ctr"/>
+              <a:lstStyle/>
+              <a:p>
+                <a:pPr algn="ctr"/>
+                <a:endParaRPr lang="en-US"/>
+              </a:p>
+            </p:txBody>
+          </p:sp>
+          <p:sp>
+            <p:nvSpPr>
+              <p:cNvPr id="11" name="Ellipse 10"/>
+              <p:cNvSpPr/>
+              <p:nvPr/>
+            </p:nvSpPr>
+            <p:spPr>
+              <a:xfrm>
+                <a:off x="7402198" y="6385597"/>
+                <a:ext cx="82550" cy="82550"/>
+              </a:xfrm>
+              <a:prstGeom prst="ellipse">
+                <a:avLst/>
+              </a:prstGeom>
+              <a:solidFill>
+                <a:srgbClr val="CCD3CC"/>
+              </a:solidFill>
+              <a:ln>
+                <a:noFill/>
+              </a:ln>
+            </p:spPr>
+            <p:style>
+              <a:lnRef idx="2">
+                <a:schemeClr val="accent1">
+                  <a:shade val="50000"/>
+                </a:schemeClr>
+              </a:lnRef>
+              <a:fillRef idx="1">
+                <a:schemeClr val="accent1"/>
+              </a:fillRef>
+              <a:effectRef idx="0">
+                <a:schemeClr val="accent1"/>
+              </a:effectRef>
+              <a:fontRef idx="minor">
+                <a:schemeClr val="lt1"/>
+              </a:fontRef>
+            </p:style>
+            <p:txBody>
+              <a:bodyPr rtlCol="0" anchor="ctr"/>
+              <a:lstStyle/>
+              <a:p>
+                <a:pPr algn="ctr"/>
+                <a:endParaRPr lang="en-US"/>
+              </a:p>
+            </p:txBody>
+          </p:sp>
+          <p:sp>
+            <p:nvSpPr>
+              <p:cNvPr id="12" name="Ellipse 11"/>
+              <p:cNvSpPr/>
+              <p:nvPr/>
+            </p:nvSpPr>
+            <p:spPr>
+              <a:xfrm>
+                <a:off x="7402198" y="6556521"/>
+                <a:ext cx="82550" cy="82550"/>
+              </a:xfrm>
+              <a:prstGeom prst="ellipse">
+                <a:avLst/>
+              </a:prstGeom>
+              <a:solidFill>
+                <a:srgbClr val="FFAE60"/>
+              </a:solidFill>
+              <a:ln>
+                <a:noFill/>
+              </a:ln>
+            </p:spPr>
+            <p:style>
+              <a:lnRef idx="2">
+                <a:schemeClr val="accent1">
+                  <a:shade val="50000"/>
+                </a:schemeClr>
+              </a:lnRef>
+              <a:fillRef idx="1">
+                <a:schemeClr val="accent1"/>
+              </a:fillRef>
+              <a:effectRef idx="0">
+                <a:schemeClr val="accent1"/>
+              </a:effectRef>
+              <a:fontRef idx="minor">
+                <a:schemeClr val="lt1"/>
+              </a:fontRef>
+            </p:style>
+            <p:txBody>
+              <a:bodyPr rtlCol="0" anchor="ctr"/>
+              <a:lstStyle/>
+              <a:p>
+                <a:pPr algn="ctr"/>
+                <a:endParaRPr lang="en-US"/>
+              </a:p>
+            </p:txBody>
+          </p:sp>
+          <p:sp>
+            <p:nvSpPr>
+              <p:cNvPr id="13" name="Textfeld 12"/>
+              <p:cNvSpPr txBox="1"/>
+              <p:nvPr/>
+            </p:nvSpPr>
+            <p:spPr>
+              <a:xfrm>
+                <a:off x="5916485" y="6323018"/>
+                <a:ext cx="1370579" cy="281552"/>
+              </a:xfrm>
+              <a:prstGeom prst="rect">
+                <a:avLst/>
+              </a:prstGeom>
+              <a:solidFill>
+                <a:schemeClr val="bg1"/>
+              </a:solidFill>
+            </p:spPr>
+            <p:txBody>
+              <a:bodyPr wrap="square" rtlCol="0">
+                <a:spAutoFit/>
+              </a:bodyPr>
+              <a:lstStyle/>
+              <a:p>
+                <a:pPr algn="r">
+                  <a:lnSpc>
+                    <a:spcPts val="1600"/>
+                  </a:lnSpc>
+                </a:pPr>
+                <a:r>
+                  <a:rPr lang="de-DE" sz="1200" dirty="0" smtClean="0">
+                    <a:latin typeface="Helvetica" pitchFamily="2" charset="0"/>
+                  </a:rPr>
+                  <a:t>A</a:t>
+                </a:r>
+                <a:r>
+                  <a:rPr lang="el-GR" sz="1200" dirty="0" smtClean="0">
+                    <a:latin typeface="Helvetica" pitchFamily="2" charset="0"/>
+                  </a:rPr>
+                  <a:t>β</a:t>
+                </a:r>
+                <a:r>
+                  <a:rPr lang="de-DE" sz="1200" dirty="0" smtClean="0">
+                    <a:latin typeface="Helvetica" pitchFamily="2" charset="0"/>
+                  </a:rPr>
+                  <a:t> </a:t>
+                </a:r>
+                <a:r>
+                  <a:rPr lang="de-DE" sz="1200" dirty="0" err="1" smtClean="0">
+                    <a:latin typeface="Helvetica" pitchFamily="2" charset="0"/>
+                  </a:rPr>
+                  <a:t>status</a:t>
+                </a:r>
+                <a:endParaRPr lang="en-US" sz="1200" dirty="0">
+                  <a:latin typeface="Helvetica" pitchFamily="2" charset="0"/>
+                </a:endParaRPr>
+              </a:p>
+            </p:txBody>
+          </p:sp>
+          <p:sp>
+            <p:nvSpPr>
+              <p:cNvPr id="14" name="Textfeld 13"/>
+              <p:cNvSpPr txBox="1"/>
+              <p:nvPr/>
+            </p:nvSpPr>
+            <p:spPr>
+              <a:xfrm>
+                <a:off x="7484748" y="6091028"/>
+                <a:ext cx="895179" cy="669414"/>
+              </a:xfrm>
+              <a:prstGeom prst="rect">
+                <a:avLst/>
+              </a:prstGeom>
+              <a:solidFill>
+                <a:schemeClr val="bg1"/>
+              </a:solidFill>
+            </p:spPr>
+            <p:txBody>
+              <a:bodyPr wrap="square" rtlCol="0">
+                <a:spAutoFit/>
+              </a:bodyPr>
+              <a:lstStyle/>
+              <a:p>
+                <a:pPr>
+                  <a:lnSpc>
+                    <a:spcPts val="1500"/>
+                  </a:lnSpc>
+                </a:pPr>
+                <a:r>
+                  <a:rPr lang="en-US" sz="1200" dirty="0" smtClean="0">
+                    <a:latin typeface="Helvetica" pitchFamily="2" charset="0"/>
+                  </a:rPr>
+                  <a:t>-</a:t>
+                </a:r>
+                <a:endParaRPr lang="en-US" sz="1200" dirty="0" smtClean="0">
+                  <a:latin typeface="Helvetica" pitchFamily="2" charset="0"/>
+                </a:endParaRPr>
+              </a:p>
+              <a:p>
+                <a:pPr>
+                  <a:lnSpc>
+                    <a:spcPts val="1500"/>
+                  </a:lnSpc>
+                </a:pPr>
+                <a:r>
+                  <a:rPr lang="en-US" sz="1200" dirty="0" smtClean="0">
+                    <a:latin typeface="Helvetica" pitchFamily="2" charset="0"/>
+                  </a:rPr>
+                  <a:t>NA</a:t>
+                </a:r>
+                <a:endParaRPr lang="en-US" sz="1200" dirty="0" smtClean="0">
+                  <a:latin typeface="Helvetica" pitchFamily="2" charset="0"/>
+                </a:endParaRPr>
+              </a:p>
+              <a:p>
+                <a:pPr>
+                  <a:lnSpc>
+                    <a:spcPts val="1500"/>
+                  </a:lnSpc>
+                </a:pPr>
+                <a:r>
+                  <a:rPr lang="en-US" sz="1200" dirty="0">
+                    <a:latin typeface="Helvetica" pitchFamily="2" charset="0"/>
+                  </a:rPr>
+                  <a:t>+</a:t>
+                </a:r>
+                <a:endParaRPr lang="en-US" sz="1200" dirty="0" smtClean="0">
+                  <a:latin typeface="Helvetica" pitchFamily="2" charset="0"/>
+                </a:endParaRPr>
+              </a:p>
+            </p:txBody>
+          </p:sp>
+        </p:grpSp>
+        <p:sp>
+          <p:nvSpPr>
+            <p:cNvPr id="7" name="Rechteck 6"/>
+            <p:cNvSpPr/>
+            <p:nvPr/>
+          </p:nvSpPr>
+          <p:spPr>
+            <a:xfrm rot="18900000">
+              <a:off x="5623858" y="6459060"/>
+              <a:ext cx="82522" cy="82522"/>
+            </a:xfrm>
+            <a:prstGeom prst="rect">
+              <a:avLst/>
+            </a:prstGeom>
+            <a:solidFill>
+              <a:srgbClr val="CCD3CC"/>
+            </a:solidFill>
+            <a:ln>
+              <a:noFill/>
+            </a:ln>
+          </p:spPr>
+          <p:style>
+            <a:lnRef idx="2">
+              <a:schemeClr val="accent1">
+                <a:shade val="50000"/>
+              </a:schemeClr>
+            </a:lnRef>
+            <a:fillRef idx="1">
+              <a:schemeClr val="accent1"/>
+            </a:fillRef>
+            <a:effectRef idx="0">
+              <a:schemeClr val="accent1"/>
+            </a:effectRef>
+            <a:fontRef idx="minor">
+              <a:schemeClr val="lt1"/>
+            </a:fontRef>
+          </p:style>
+          <p:txBody>
+            <a:bodyPr rtlCol="0" anchor="ctr"/>
+            <a:lstStyle/>
+            <a:p>
+              <a:pPr algn="ctr"/>
+              <a:endParaRPr lang="en-US"/>
+            </a:p>
+          </p:txBody>
+        </p:sp>
+      </p:grpSp>
+      <p:sp>
+        <p:nvSpPr>
+          <p:cNvPr id="40" name="Textfeld 39"/>
+          <p:cNvSpPr txBox="1"/>
+          <p:nvPr/>
+        </p:nvSpPr>
+        <p:spPr>
+          <a:xfrm>
+            <a:off x="-245076" y="5707426"/>
+            <a:ext cx="1437336" cy="284693"/>
+          </a:xfrm>
+          <a:prstGeom prst="rect">
+            <a:avLst/>
+          </a:prstGeom>
+          <a:noFill/>
+        </p:spPr>
+        <p:txBody>
+          <a:bodyPr wrap="square" rtlCol="0">
+            <a:spAutoFit/>
+          </a:bodyPr>
+          <a:lstStyle/>
+          <a:p>
+            <a:pPr algn="ctr">
+              <a:lnSpc>
+                <a:spcPts val="1500"/>
+              </a:lnSpc>
+            </a:pPr>
+            <a:r>
+              <a:rPr lang="en-US" dirty="0" smtClean="0">
+                <a:latin typeface="Helvetica" pitchFamily="2" charset="0"/>
+              </a:rPr>
+              <a:t>a)</a:t>
+            </a:r>
+            <a:endParaRPr lang="en-US" dirty="0">
+              <a:latin typeface="Helvetica" pitchFamily="2" charset="0"/>
+            </a:endParaRPr>
+          </a:p>
+        </p:txBody>
+      </p:sp>
+      <p:sp>
+        <p:nvSpPr>
+          <p:cNvPr id="41" name="Textfeld 40"/>
+          <p:cNvSpPr txBox="1"/>
+          <p:nvPr/>
+        </p:nvSpPr>
+        <p:spPr>
+          <a:xfrm>
+            <a:off x="5325013" y="5707426"/>
+            <a:ext cx="1183774" cy="284693"/>
+          </a:xfrm>
+          <a:prstGeom prst="rect">
+            <a:avLst/>
+          </a:prstGeom>
+          <a:noFill/>
+        </p:spPr>
+        <p:txBody>
+          <a:bodyPr wrap="square" rtlCol="0">
+            <a:spAutoFit/>
+          </a:bodyPr>
+          <a:lstStyle/>
+          <a:p>
+            <a:pPr algn="ctr">
+              <a:lnSpc>
+                <a:spcPts val="1500"/>
+              </a:lnSpc>
+            </a:pPr>
+            <a:r>
+              <a:rPr lang="en-US" dirty="0">
+                <a:latin typeface="Helvetica" pitchFamily="2" charset="0"/>
+              </a:rPr>
+              <a:t>b</a:t>
+            </a:r>
+            <a:r>
+              <a:rPr lang="en-US" dirty="0" smtClean="0">
+                <a:latin typeface="Helvetica" pitchFamily="2" charset="0"/>
+              </a:rPr>
+              <a:t>)</a:t>
+            </a:r>
+            <a:endParaRPr lang="en-US" dirty="0">
+              <a:latin typeface="Helvetica" pitchFamily="2" charset="0"/>
+            </a:endParaRPr>
+          </a:p>
+        </p:txBody>
+      </p:sp>
+    </p:spTree>
+    <p:extLst>
+      <p:ext uri="{BB962C8B-B14F-4D97-AF65-F5344CB8AC3E}">
+        <p14:creationId xmlns:p14="http://schemas.microsoft.com/office/powerpoint/2010/main" val="3918167771"/>
+      </p:ext>
+    </p:extLst>
+  </p:cSld>
+  <p:clrMapOvr>
+    <a:masterClrMapping/>
+  </p:clrMapOvr>
+</p:sld>
+</file>
+
+<file path=ppt/slides/slide13.xml><?xml version="1.0" encoding="utf-8"?>
+<p:sld xmlns:a="http://schemas.openxmlformats.org/drawingml/2006/main" xmlns:r="http://schemas.openxmlformats.org/officeDocument/2006/relationships" xmlns:p="http://schemas.openxmlformats.org/presentationml/2006/main">
+  <p:cSld>
+    <p:spTree>
+      <p:nvGrpSpPr>
+        <p:cNvPr id="1" name=""/>
+        <p:cNvGrpSpPr/>
+        <p:nvPr/>
+      </p:nvGrpSpPr>
+      <p:grpSpPr>
+        <a:xfrm>
+          <a:off x="0" y="0"/>
+          <a:ext cx="0" cy="0"/>
+          <a:chOff x="0" y="0"/>
+          <a:chExt cx="0" cy="0"/>
+        </a:xfrm>
+      </p:grpSpPr>
+      <p:pic>
+        <p:nvPicPr>
+          <p:cNvPr id="15" name="Grafik 14"/>
+          <p:cNvPicPr>
+            <a:picLocks noChangeAspect="1"/>
+          </p:cNvPicPr>
+          <p:nvPr/>
+        </p:nvPicPr>
+        <p:blipFill>
+          <a:blip r:embed="rId2" cstate="print">
+            <a:extLst>
+              <a:ext uri="{28A0092B-C50C-407E-A947-70E740481C1C}">
+                <a14:useLocalDpi xmlns:a14="http://schemas.microsoft.com/office/drawing/2010/main" val="0"/>
+              </a:ext>
+            </a:extLst>
+          </a:blip>
+          <a:stretch>
+            <a:fillRect/>
+          </a:stretch>
+        </p:blipFill>
+        <p:spPr>
+          <a:xfrm>
+            <a:off x="1259670" y="548274"/>
+            <a:ext cx="5248274" cy="5248274"/>
+          </a:xfrm>
+          <a:prstGeom prst="rect">
+            <a:avLst/>
+          </a:prstGeom>
+        </p:spPr>
+      </p:pic>
+      <p:sp>
+        <p:nvSpPr>
+          <p:cNvPr id="7" name="Rechteck 6"/>
+          <p:cNvSpPr/>
+          <p:nvPr/>
+        </p:nvSpPr>
+        <p:spPr>
+          <a:xfrm>
+            <a:off x="1313852" y="5603420"/>
+            <a:ext cx="5029200" cy="379414"/>
+          </a:xfrm>
+          <a:prstGeom prst="rect">
+            <a:avLst/>
+          </a:prstGeom>
+          <a:solidFill>
+            <a:schemeClr val="bg1"/>
+          </a:solidFill>
+          <a:ln>
+            <a:noFill/>
+          </a:ln>
+        </p:spPr>
+        <p:style>
+          <a:lnRef idx="2">
+            <a:schemeClr val="accent1">
+              <a:shade val="50000"/>
+            </a:schemeClr>
+          </a:lnRef>
+          <a:fillRef idx="1">
+            <a:schemeClr val="accent1"/>
+          </a:fillRef>
+          <a:effectRef idx="0">
+            <a:schemeClr val="accent1"/>
+          </a:effectRef>
+          <a:fontRef idx="minor">
+            <a:schemeClr val="lt1"/>
+          </a:fontRef>
+        </p:style>
+        <p:txBody>
+          <a:bodyPr rtlCol="0" anchor="ctr"/>
+          <a:lstStyle/>
+          <a:p>
+            <a:pPr algn="ctr"/>
+            <a:endParaRPr lang="en-US"/>
+          </a:p>
+        </p:txBody>
+      </p:sp>
+      <p:sp>
+        <p:nvSpPr>
+          <p:cNvPr id="6" name="Textfeld 5"/>
+          <p:cNvSpPr txBox="1"/>
+          <p:nvPr/>
+        </p:nvSpPr>
+        <p:spPr>
+          <a:xfrm>
+            <a:off x="848324" y="5522934"/>
+            <a:ext cx="5504253" cy="263149"/>
+          </a:xfrm>
+          <a:prstGeom prst="rect">
+            <a:avLst/>
+          </a:prstGeom>
+          <a:noFill/>
+        </p:spPr>
+        <p:txBody>
+          <a:bodyPr wrap="square" rtlCol="0">
+            <a:spAutoFit/>
+          </a:bodyPr>
+          <a:lstStyle/>
+          <a:p>
+            <a:pPr algn="ctr">
+              <a:lnSpc>
+                <a:spcPts val="1500"/>
+              </a:lnSpc>
+            </a:pPr>
+            <a:r>
+              <a:rPr lang="en-US" sz="900" dirty="0" smtClean="0">
+                <a:latin typeface="Helvetica" pitchFamily="2" charset="0"/>
+              </a:rPr>
+              <a:t>0	                     5	                                         10</a:t>
+            </a:r>
+            <a:endParaRPr lang="en-US" sz="900" dirty="0">
+              <a:latin typeface="Helvetica" pitchFamily="2" charset="0"/>
+            </a:endParaRPr>
+          </a:p>
+        </p:txBody>
+      </p:sp>
+      <p:sp>
+        <p:nvSpPr>
+          <p:cNvPr id="4" name="Textfeld 3"/>
+          <p:cNvSpPr txBox="1"/>
+          <p:nvPr/>
+        </p:nvSpPr>
+        <p:spPr>
+          <a:xfrm>
+            <a:off x="1259670" y="5801508"/>
+            <a:ext cx="5504253" cy="284693"/>
+          </a:xfrm>
+          <a:prstGeom prst="rect">
+            <a:avLst/>
+          </a:prstGeom>
+          <a:noFill/>
+        </p:spPr>
+        <p:txBody>
+          <a:bodyPr wrap="square" rtlCol="0">
+            <a:spAutoFit/>
+          </a:bodyPr>
+          <a:lstStyle/>
+          <a:p>
+            <a:pPr algn="ctr">
+              <a:lnSpc>
+                <a:spcPts val="1500"/>
+              </a:lnSpc>
+            </a:pPr>
+            <a:r>
+              <a:rPr lang="en-US" sz="1200" dirty="0" smtClean="0">
+                <a:latin typeface="Helvetica" pitchFamily="2" charset="0"/>
+              </a:rPr>
+              <a:t>Odds ratio</a:t>
+            </a:r>
+            <a:endParaRPr lang="en-US" sz="1200" dirty="0">
+              <a:latin typeface="Helvetica" pitchFamily="2" charset="0"/>
+            </a:endParaRPr>
+          </a:p>
+        </p:txBody>
+      </p:sp>
+      <p:grpSp>
+        <p:nvGrpSpPr>
+          <p:cNvPr id="19" name="Gruppieren 18"/>
+          <p:cNvGrpSpPr/>
+          <p:nvPr/>
+        </p:nvGrpSpPr>
+        <p:grpSpPr>
+          <a:xfrm>
+            <a:off x="6332928" y="548274"/>
+            <a:ext cx="5133975" cy="5427516"/>
+            <a:chOff x="6685353" y="548274"/>
+            <a:chExt cx="5133975" cy="5427516"/>
+          </a:xfrm>
+        </p:grpSpPr>
+        <p:pic>
+          <p:nvPicPr>
+            <p:cNvPr id="16" name="Grafik 15"/>
+            <p:cNvPicPr>
+              <a:picLocks noChangeAspect="1"/>
+            </p:cNvPicPr>
+            <p:nvPr/>
+          </p:nvPicPr>
+          <p:blipFill rotWithShape="1">
+            <a:blip r:embed="rId3" cstate="print">
+              <a:extLst>
+                <a:ext uri="{28A0092B-C50C-407E-A947-70E740481C1C}">
+                  <a14:useLocalDpi xmlns:a14="http://schemas.microsoft.com/office/drawing/2010/main" val="0"/>
+                </a:ext>
+              </a:extLst>
+            </a:blip>
+            <a:srcRect l="9295"/>
+            <a:stretch/>
+          </p:blipFill>
+          <p:spPr>
+            <a:xfrm>
+              <a:off x="7067550" y="548274"/>
+              <a:ext cx="4751778" cy="5238749"/>
+            </a:xfrm>
+            <a:prstGeom prst="rect">
+              <a:avLst/>
+            </a:prstGeom>
+          </p:spPr>
+        </p:pic>
+        <p:sp>
+          <p:nvSpPr>
+            <p:cNvPr id="12" name="Rechteck 11"/>
+            <p:cNvSpPr/>
+            <p:nvPr/>
+          </p:nvSpPr>
+          <p:spPr>
+            <a:xfrm>
+              <a:off x="6685353" y="5596376"/>
+              <a:ext cx="5029200" cy="379414"/>
+            </a:xfrm>
+            <a:prstGeom prst="rect">
+              <a:avLst/>
+            </a:prstGeom>
+            <a:solidFill>
+              <a:schemeClr val="bg1"/>
+            </a:solidFill>
+            <a:ln>
+              <a:noFill/>
+            </a:ln>
+          </p:spPr>
+          <p:style>
+            <a:lnRef idx="2">
+              <a:schemeClr val="accent1">
+                <a:shade val="50000"/>
+              </a:schemeClr>
+            </a:lnRef>
+            <a:fillRef idx="1">
+              <a:schemeClr val="accent1"/>
+            </a:fillRef>
+            <a:effectRef idx="0">
+              <a:schemeClr val="accent1"/>
+            </a:effectRef>
+            <a:fontRef idx="minor">
+              <a:schemeClr val="lt1"/>
+            </a:fontRef>
+          </p:style>
+          <p:txBody>
+            <a:bodyPr rtlCol="0" anchor="ctr"/>
+            <a:lstStyle/>
+            <a:p>
+              <a:pPr algn="ctr"/>
+              <a:endParaRPr lang="en-US"/>
+            </a:p>
+          </p:txBody>
+        </p:sp>
+      </p:grpSp>
+      <p:sp>
+        <p:nvSpPr>
+          <p:cNvPr id="11" name="Textfeld 10"/>
+          <p:cNvSpPr txBox="1"/>
+          <p:nvPr/>
+        </p:nvSpPr>
+        <p:spPr>
+          <a:xfrm>
+            <a:off x="6044809" y="5529978"/>
+            <a:ext cx="5916223" cy="263149"/>
+          </a:xfrm>
+          <a:prstGeom prst="rect">
+            <a:avLst/>
+          </a:prstGeom>
+          <a:noFill/>
+        </p:spPr>
+        <p:txBody>
+          <a:bodyPr wrap="square" rtlCol="0">
+            <a:spAutoFit/>
+          </a:bodyPr>
+          <a:lstStyle/>
+          <a:p>
+            <a:pPr algn="ctr">
+              <a:lnSpc>
+                <a:spcPts val="1500"/>
+              </a:lnSpc>
+            </a:pPr>
+            <a:r>
+              <a:rPr lang="en-US" sz="900" dirty="0" smtClean="0">
+                <a:latin typeface="Helvetica" pitchFamily="2" charset="0"/>
+              </a:rPr>
+              <a:t>0	   2    	      4	         6	            8</a:t>
+            </a:r>
+            <a:endParaRPr lang="en-US" sz="900" dirty="0">
+              <a:latin typeface="Helvetica" pitchFamily="2" charset="0"/>
+            </a:endParaRPr>
+          </a:p>
+        </p:txBody>
+      </p:sp>
+      <p:sp>
+        <p:nvSpPr>
+          <p:cNvPr id="13" name="Textfeld 12"/>
+          <p:cNvSpPr txBox="1"/>
+          <p:nvPr/>
+        </p:nvSpPr>
+        <p:spPr>
+          <a:xfrm>
+            <a:off x="6411498" y="5801507"/>
+            <a:ext cx="5504253" cy="284693"/>
+          </a:xfrm>
+          <a:prstGeom prst="rect">
+            <a:avLst/>
+          </a:prstGeom>
+          <a:noFill/>
+        </p:spPr>
+        <p:txBody>
+          <a:bodyPr wrap="square" rtlCol="0">
+            <a:spAutoFit/>
+          </a:bodyPr>
+          <a:lstStyle/>
+          <a:p>
+            <a:pPr algn="ctr">
+              <a:lnSpc>
+                <a:spcPts val="1500"/>
+              </a:lnSpc>
+            </a:pPr>
+            <a:r>
+              <a:rPr lang="en-US" sz="1200" dirty="0" smtClean="0">
+                <a:latin typeface="Helvetica" pitchFamily="2" charset="0"/>
+              </a:rPr>
+              <a:t>Odds ratio</a:t>
+            </a:r>
+            <a:endParaRPr lang="en-US" sz="1200" dirty="0">
+              <a:latin typeface="Helvetica" pitchFamily="2" charset="0"/>
+            </a:endParaRPr>
+          </a:p>
+        </p:txBody>
+      </p:sp>
+      <p:sp>
+        <p:nvSpPr>
+          <p:cNvPr id="17" name="Rechteck 16"/>
+          <p:cNvSpPr/>
+          <p:nvPr/>
+        </p:nvSpPr>
+        <p:spPr>
+          <a:xfrm>
+            <a:off x="657225" y="827767"/>
+            <a:ext cx="1085252" cy="4870374"/>
+          </a:xfrm>
+          <a:prstGeom prst="rect">
+            <a:avLst/>
+          </a:prstGeom>
+          <a:solidFill>
+            <a:schemeClr val="bg1"/>
+          </a:solidFill>
+          <a:ln>
+            <a:noFill/>
+          </a:ln>
+        </p:spPr>
+        <p:style>
+          <a:lnRef idx="2">
+            <a:schemeClr val="accent1">
+              <a:shade val="50000"/>
+            </a:schemeClr>
+          </a:lnRef>
+          <a:fillRef idx="1">
+            <a:schemeClr val="accent1"/>
+          </a:fillRef>
+          <a:effectRef idx="0">
+            <a:schemeClr val="accent1"/>
+          </a:effectRef>
+          <a:fontRef idx="minor">
+            <a:schemeClr val="lt1"/>
+          </a:fontRef>
+        </p:style>
+        <p:txBody>
+          <a:bodyPr rtlCol="0" anchor="ctr"/>
+          <a:lstStyle/>
+          <a:p>
+            <a:pPr algn="ctr"/>
+            <a:endParaRPr lang="en-US"/>
+          </a:p>
+        </p:txBody>
+      </p:sp>
+      <p:sp>
+        <p:nvSpPr>
+          <p:cNvPr id="14" name="Textfeld 13"/>
+          <p:cNvSpPr txBox="1"/>
+          <p:nvPr/>
+        </p:nvSpPr>
+        <p:spPr>
+          <a:xfrm>
+            <a:off x="160741" y="930947"/>
+            <a:ext cx="1595414" cy="4342664"/>
+          </a:xfrm>
+          <a:prstGeom prst="rect">
+            <a:avLst/>
+          </a:prstGeom>
+          <a:noFill/>
+        </p:spPr>
+        <p:txBody>
+          <a:bodyPr wrap="square" rtlCol="0">
+            <a:spAutoFit/>
+          </a:bodyPr>
+          <a:lstStyle/>
+          <a:p>
+            <a:pPr algn="r">
+              <a:lnSpc>
+                <a:spcPct val="110000"/>
+              </a:lnSpc>
+            </a:pPr>
+            <a:r>
+              <a:rPr lang="en-US" sz="1200" dirty="0" smtClean="0">
+                <a:latin typeface="Helvetica" pitchFamily="2" charset="0"/>
+              </a:rPr>
+              <a:t>Education</a:t>
+            </a:r>
+          </a:p>
+          <a:p>
+            <a:pPr algn="r">
+              <a:lnSpc>
+                <a:spcPct val="110000"/>
+              </a:lnSpc>
+            </a:pPr>
+            <a:endParaRPr lang="en-US" sz="1200" dirty="0" smtClean="0">
+              <a:latin typeface="Helvetica" pitchFamily="2" charset="0"/>
+            </a:endParaRPr>
+          </a:p>
+          <a:p>
+            <a:pPr algn="r">
+              <a:lnSpc>
+                <a:spcPct val="110000"/>
+              </a:lnSpc>
+            </a:pPr>
+            <a:endParaRPr lang="en-US" sz="1200" dirty="0" smtClean="0">
+              <a:latin typeface="Helvetica" pitchFamily="2" charset="0"/>
+            </a:endParaRPr>
+          </a:p>
+          <a:p>
+            <a:pPr algn="r">
+              <a:lnSpc>
+                <a:spcPct val="110000"/>
+              </a:lnSpc>
+            </a:pPr>
+            <a:endParaRPr lang="en-US" sz="1200" dirty="0">
+              <a:latin typeface="Helvetica" pitchFamily="2" charset="0"/>
+            </a:endParaRPr>
+          </a:p>
+          <a:p>
+            <a:pPr algn="r">
+              <a:lnSpc>
+                <a:spcPct val="110000"/>
+              </a:lnSpc>
+            </a:pPr>
+            <a:r>
+              <a:rPr lang="en-US" sz="1200" dirty="0" smtClean="0">
+                <a:latin typeface="Helvetica" pitchFamily="2" charset="0"/>
+              </a:rPr>
+              <a:t>PET-BPAD</a:t>
+            </a:r>
+          </a:p>
+          <a:p>
+            <a:pPr algn="r">
+              <a:lnSpc>
+                <a:spcPct val="110000"/>
+              </a:lnSpc>
+            </a:pPr>
+            <a:endParaRPr lang="en-US" sz="1200" dirty="0" smtClean="0">
+              <a:latin typeface="Helvetica" pitchFamily="2" charset="0"/>
+            </a:endParaRPr>
+          </a:p>
+          <a:p>
+            <a:pPr algn="r">
+              <a:lnSpc>
+                <a:spcPct val="110000"/>
+              </a:lnSpc>
+            </a:pPr>
+            <a:endParaRPr lang="en-US" sz="1200" dirty="0">
+              <a:latin typeface="Helvetica" pitchFamily="2" charset="0"/>
+            </a:endParaRPr>
+          </a:p>
+          <a:p>
+            <a:pPr algn="r">
+              <a:lnSpc>
+                <a:spcPct val="110000"/>
+              </a:lnSpc>
+            </a:pPr>
+            <a:endParaRPr lang="en-US" sz="1200" dirty="0">
+              <a:latin typeface="Helvetica" pitchFamily="2" charset="0"/>
+            </a:endParaRPr>
+          </a:p>
+          <a:p>
+            <a:pPr algn="r">
+              <a:lnSpc>
+                <a:spcPct val="110000"/>
+              </a:lnSpc>
+            </a:pPr>
+            <a:r>
+              <a:rPr lang="en-US" sz="1200" dirty="0" smtClean="0">
+                <a:latin typeface="Helvetica" pitchFamily="2" charset="0"/>
+              </a:rPr>
+              <a:t>MRI-BPAD</a:t>
+            </a:r>
+          </a:p>
+          <a:p>
+            <a:pPr algn="r">
+              <a:lnSpc>
+                <a:spcPct val="110000"/>
+              </a:lnSpc>
+            </a:pPr>
+            <a:endParaRPr lang="en-US" sz="1200" dirty="0" smtClean="0">
+              <a:latin typeface="Helvetica" pitchFamily="2" charset="0"/>
+            </a:endParaRPr>
+          </a:p>
+          <a:p>
+            <a:pPr algn="r">
+              <a:lnSpc>
+                <a:spcPct val="110000"/>
+              </a:lnSpc>
+            </a:pPr>
+            <a:endParaRPr lang="en-US" sz="1200" dirty="0">
+              <a:latin typeface="Helvetica" pitchFamily="2" charset="0"/>
+            </a:endParaRPr>
+          </a:p>
+          <a:p>
+            <a:pPr algn="r">
+              <a:lnSpc>
+                <a:spcPct val="110000"/>
+              </a:lnSpc>
+            </a:pPr>
+            <a:endParaRPr lang="en-US" sz="1200" dirty="0">
+              <a:latin typeface="Helvetica" pitchFamily="2" charset="0"/>
+            </a:endParaRPr>
+          </a:p>
+          <a:p>
+            <a:pPr algn="r">
+              <a:lnSpc>
+                <a:spcPct val="110000"/>
+              </a:lnSpc>
+            </a:pPr>
+            <a:r>
+              <a:rPr lang="en-US" sz="1200" dirty="0" smtClean="0">
+                <a:latin typeface="Helvetica" pitchFamily="2" charset="0"/>
+              </a:rPr>
+              <a:t>APOE-e4 carrier</a:t>
+            </a:r>
+          </a:p>
+          <a:p>
+            <a:pPr algn="r">
+              <a:lnSpc>
+                <a:spcPct val="110000"/>
+              </a:lnSpc>
+            </a:pPr>
+            <a:endParaRPr lang="en-US" sz="1200" dirty="0" smtClean="0">
+              <a:latin typeface="Helvetica" pitchFamily="2" charset="0"/>
+            </a:endParaRPr>
+          </a:p>
+          <a:p>
+            <a:pPr algn="r">
+              <a:lnSpc>
+                <a:spcPct val="110000"/>
+              </a:lnSpc>
+            </a:pPr>
+            <a:endParaRPr lang="en-US" sz="1200" dirty="0">
+              <a:latin typeface="Helvetica" pitchFamily="2" charset="0"/>
+            </a:endParaRPr>
+          </a:p>
+          <a:p>
+            <a:pPr algn="r">
+              <a:lnSpc>
+                <a:spcPct val="110000"/>
+              </a:lnSpc>
+            </a:pPr>
+            <a:endParaRPr lang="en-US" sz="1200" dirty="0">
+              <a:latin typeface="Helvetica" pitchFamily="2" charset="0"/>
+            </a:endParaRPr>
+          </a:p>
+          <a:p>
+            <a:pPr algn="r">
+              <a:lnSpc>
+                <a:spcPct val="110000"/>
+              </a:lnSpc>
+            </a:pPr>
+            <a:r>
+              <a:rPr lang="en-US" sz="1200" dirty="0" smtClean="0">
+                <a:latin typeface="Helvetica" pitchFamily="2" charset="0"/>
+              </a:rPr>
+              <a:t>A</a:t>
+            </a:r>
+            <a:r>
+              <a:rPr lang="el-GR" sz="1200" dirty="0" smtClean="0">
+                <a:latin typeface="Helvetica" pitchFamily="2" charset="0"/>
+              </a:rPr>
+              <a:t>β</a:t>
+            </a:r>
+            <a:r>
+              <a:rPr lang="de-DE" sz="1200" dirty="0" smtClean="0">
+                <a:latin typeface="Helvetica" pitchFamily="2" charset="0"/>
+              </a:rPr>
+              <a:t>+</a:t>
+            </a:r>
+          </a:p>
+          <a:p>
+            <a:pPr algn="r">
+              <a:lnSpc>
+                <a:spcPct val="110000"/>
+              </a:lnSpc>
+            </a:pPr>
+            <a:endParaRPr lang="de-DE" sz="1200" dirty="0" smtClean="0">
+              <a:latin typeface="Helvetica" pitchFamily="2" charset="0"/>
+            </a:endParaRPr>
+          </a:p>
+          <a:p>
+            <a:pPr algn="r">
+              <a:lnSpc>
+                <a:spcPct val="110000"/>
+              </a:lnSpc>
+            </a:pPr>
+            <a:endParaRPr lang="de-DE" sz="1200" dirty="0">
+              <a:latin typeface="Helvetica" pitchFamily="2" charset="0"/>
+            </a:endParaRPr>
+          </a:p>
+          <a:p>
+            <a:pPr algn="r">
+              <a:lnSpc>
+                <a:spcPct val="110000"/>
+              </a:lnSpc>
+            </a:pPr>
+            <a:endParaRPr lang="de-DE" sz="1200" dirty="0">
+              <a:latin typeface="Helvetica" pitchFamily="2" charset="0"/>
+            </a:endParaRPr>
+          </a:p>
+          <a:p>
+            <a:pPr algn="r">
+              <a:lnSpc>
+                <a:spcPct val="110000"/>
+              </a:lnSpc>
+            </a:pPr>
+            <a:r>
+              <a:rPr lang="de-DE" sz="1200" dirty="0" smtClean="0">
+                <a:latin typeface="Helvetica" pitchFamily="2" charset="0"/>
+              </a:rPr>
+              <a:t>A</a:t>
+            </a:r>
+            <a:r>
+              <a:rPr lang="el-GR" sz="1200" dirty="0" smtClean="0">
+                <a:latin typeface="Helvetica" pitchFamily="2" charset="0"/>
+              </a:rPr>
+              <a:t>β</a:t>
+            </a:r>
+            <a:r>
+              <a:rPr lang="de-DE" sz="1200" dirty="0" smtClean="0">
+                <a:latin typeface="Helvetica" pitchFamily="2" charset="0"/>
+              </a:rPr>
+              <a:t> NA</a:t>
+            </a:r>
+            <a:endParaRPr lang="en-US" sz="1200" dirty="0">
+              <a:latin typeface="Helvetica" pitchFamily="2" charset="0"/>
+            </a:endParaRPr>
+          </a:p>
+        </p:txBody>
+      </p:sp>
+      <p:sp>
+        <p:nvSpPr>
+          <p:cNvPr id="20" name="Textfeld 19"/>
+          <p:cNvSpPr txBox="1"/>
+          <p:nvPr/>
+        </p:nvSpPr>
+        <p:spPr>
+          <a:xfrm>
+            <a:off x="9729271" y="700114"/>
+            <a:ext cx="1632857" cy="461665"/>
+          </a:xfrm>
+          <a:prstGeom prst="rect">
+            <a:avLst/>
+          </a:prstGeom>
+          <a:noFill/>
+        </p:spPr>
+        <p:txBody>
+          <a:bodyPr wrap="square" rtlCol="0">
+            <a:spAutoFit/>
+          </a:bodyPr>
+          <a:lstStyle/>
+          <a:p>
+            <a:r>
+              <a:rPr lang="en-US" sz="2400" b="1" dirty="0" smtClean="0">
+                <a:solidFill>
+                  <a:srgbClr val="E0E0E0"/>
+                </a:solidFill>
+              </a:rPr>
+              <a:t>Sample 2</a:t>
+            </a:r>
+            <a:endParaRPr lang="en-US" sz="2400" b="1" dirty="0">
+              <a:solidFill>
+                <a:srgbClr val="E0E0E0"/>
+              </a:solidFill>
+            </a:endParaRPr>
+          </a:p>
+        </p:txBody>
+      </p:sp>
+      <p:sp>
+        <p:nvSpPr>
+          <p:cNvPr id="21" name="Textfeld 20"/>
+          <p:cNvSpPr txBox="1"/>
+          <p:nvPr/>
+        </p:nvSpPr>
+        <p:spPr>
+          <a:xfrm>
+            <a:off x="4875087" y="699843"/>
+            <a:ext cx="1632857" cy="461665"/>
+          </a:xfrm>
+          <a:prstGeom prst="rect">
+            <a:avLst/>
+          </a:prstGeom>
+          <a:noFill/>
+        </p:spPr>
+        <p:txBody>
+          <a:bodyPr wrap="square" rtlCol="0">
+            <a:spAutoFit/>
+          </a:bodyPr>
+          <a:lstStyle/>
+          <a:p>
+            <a:r>
+              <a:rPr lang="en-US" sz="2400" b="1" dirty="0" smtClean="0">
+                <a:solidFill>
+                  <a:srgbClr val="E0E0E0"/>
+                </a:solidFill>
+              </a:rPr>
+              <a:t>Sample </a:t>
+            </a:r>
+            <a:r>
+              <a:rPr lang="en-US" sz="2400" b="1" dirty="0" smtClean="0">
+                <a:solidFill>
+                  <a:srgbClr val="E0E0E0"/>
+                </a:solidFill>
+              </a:rPr>
+              <a:t>1</a:t>
+            </a:r>
+            <a:endParaRPr lang="en-US" sz="2400" b="1" dirty="0">
+              <a:solidFill>
+                <a:srgbClr val="E0E0E0"/>
+              </a:solidFill>
+            </a:endParaRPr>
+          </a:p>
+        </p:txBody>
+      </p:sp>
+    </p:spTree>
+    <p:extLst>
+      <p:ext uri="{BB962C8B-B14F-4D97-AF65-F5344CB8AC3E}">
+        <p14:creationId xmlns:p14="http://schemas.microsoft.com/office/powerpoint/2010/main" val="3949193150"/>
+      </p:ext>
+    </p:extLst>
+  </p:cSld>
+  <p:clrMapOvr>
+    <a:masterClrMapping/>
+  </p:clrMapOvr>
+</p:sld>
+</file>
+
 <file path=ppt/slides/slide2.xml><?xml version="1.0" encoding="utf-8"?>
 <p:sld xmlns:a="http://schemas.openxmlformats.org/drawingml/2006/main" xmlns:r="http://schemas.openxmlformats.org/officeDocument/2006/relationships" xmlns:p="http://schemas.openxmlformats.org/presentationml/2006/main">
   <p:cSld>
@@ -3549,9 +7104,6 @@
               </a:rPr>
               <a:t>FDG-PET</a:t>
             </a:r>
-            <a:endParaRPr lang="en-US" sz="1200" dirty="0" smtClean="0">
-              <a:latin typeface="Helvetica" pitchFamily="2" charset="0"/>
-            </a:endParaRPr>
           </a:p>
           <a:p>
             <a:pPr>
@@ -4214,9 +7766,6 @@
               </a:rPr>
               <a:t>FDG-PET</a:t>
             </a:r>
-            <a:endParaRPr lang="en-US" sz="1200" dirty="0" smtClean="0">
-              <a:latin typeface="Helvetica" pitchFamily="2" charset="0"/>
-            </a:endParaRPr>
           </a:p>
           <a:p>
             <a:pPr>
@@ -5415,7 +8964,11 @@
           <a:bodyPr/>
           <a:lstStyle/>
           <a:p>
-            <a:endParaRPr lang="en-US"/>
+            <a:r>
+              <a:rPr lang="en-US" dirty="0" smtClean="0"/>
+              <a:t>Cognitive Decline</a:t>
+            </a:r>
+            <a:endParaRPr lang="en-US" dirty="0"/>
           </a:p>
         </p:txBody>
       </p:sp>
@@ -5470,56 +9023,483 @@
       </p:grpSpPr>
       <p:pic>
         <p:nvPicPr>
-          <p:cNvPr id="18" name="Grafik 17"/>
+          <p:cNvPr id="43" name="Grafik 42"/>
           <p:cNvPicPr>
             <a:picLocks noChangeAspect="1"/>
           </p:cNvPicPr>
           <p:nvPr/>
         </p:nvPicPr>
         <p:blipFill rotWithShape="1">
-          <a:blip r:embed="rId2" cstate="print">
+          <a:blip r:embed="rId3" cstate="print">
             <a:extLst>
               <a:ext uri="{28A0092B-C50C-407E-A947-70E740481C1C}">
                 <a14:useLocalDpi xmlns:a14="http://schemas.microsoft.com/office/drawing/2010/main" val="0"/>
               </a:ext>
             </a:extLst>
           </a:blip>
-          <a:srcRect r="15460"/>
+          <a:srcRect l="2361" r="15278"/>
           <a:stretch/>
         </p:blipFill>
         <p:spPr>
           <a:xfrm>
-            <a:off x="2967980" y="88901"/>
-            <a:ext cx="4858849" cy="5747395"/>
+            <a:off x="3850136" y="364276"/>
+            <a:ext cx="4531864" cy="5502431"/>
           </a:xfrm>
           <a:prstGeom prst="rect">
             <a:avLst/>
           </a:prstGeom>
         </p:spPr>
       </p:pic>
+      <p:sp>
+        <p:nvSpPr>
+          <p:cNvPr id="22" name="Textfeld 21"/>
+          <p:cNvSpPr txBox="1"/>
+          <p:nvPr/>
+        </p:nvSpPr>
+        <p:spPr>
+          <a:xfrm>
+            <a:off x="4226100" y="5713565"/>
+            <a:ext cx="4295519" cy="284693"/>
+          </a:xfrm>
+          <a:prstGeom prst="rect">
+            <a:avLst/>
+          </a:prstGeom>
+          <a:solidFill>
+            <a:schemeClr val="bg1"/>
+          </a:solidFill>
+        </p:spPr>
+        <p:txBody>
+          <a:bodyPr wrap="square" rtlCol="0">
+            <a:spAutoFit/>
+          </a:bodyPr>
+          <a:lstStyle/>
+          <a:p>
+            <a:pPr algn="ctr">
+              <a:lnSpc>
+                <a:spcPts val="1500"/>
+              </a:lnSpc>
+            </a:pPr>
+            <a:r>
+              <a:rPr lang="en-US" sz="1200" dirty="0" smtClean="0">
+                <a:latin typeface="Helvetica" pitchFamily="2" charset="0"/>
+              </a:rPr>
+              <a:t>BPAD [years]</a:t>
+            </a:r>
+            <a:endParaRPr lang="en-US" sz="1200" dirty="0">
+              <a:latin typeface="Helvetica" pitchFamily="2" charset="0"/>
+            </a:endParaRPr>
+          </a:p>
+        </p:txBody>
+      </p:sp>
       <p:grpSp>
         <p:nvGrpSpPr>
-          <p:cNvPr id="10" name="Gruppieren 9"/>
+          <p:cNvPr id="23" name="Gruppieren 22"/>
           <p:cNvGrpSpPr/>
           <p:nvPr/>
         </p:nvGrpSpPr>
         <p:grpSpPr>
           <a:xfrm>
-            <a:off x="3070860" y="6010489"/>
-            <a:ext cx="2379620" cy="669414"/>
-            <a:chOff x="3103141" y="6113591"/>
-            <a:chExt cx="2379620" cy="669414"/>
+            <a:off x="4226100" y="6042411"/>
+            <a:ext cx="4548969" cy="710674"/>
+            <a:chOff x="3830958" y="6078343"/>
+            <a:chExt cx="4548969" cy="710674"/>
           </a:xfrm>
         </p:grpSpPr>
+        <p:grpSp>
+          <p:nvGrpSpPr>
+            <p:cNvPr id="25" name="Gruppieren 24"/>
+            <p:cNvGrpSpPr/>
+            <p:nvPr/>
+          </p:nvGrpSpPr>
+          <p:grpSpPr>
+            <a:xfrm>
+              <a:off x="3830958" y="6119603"/>
+              <a:ext cx="2379620" cy="669414"/>
+              <a:chOff x="3103141" y="6113591"/>
+              <a:chExt cx="2379620" cy="669414"/>
+            </a:xfrm>
+          </p:grpSpPr>
+          <p:sp>
+            <p:nvSpPr>
+              <p:cNvPr id="35" name="Textfeld 34"/>
+              <p:cNvSpPr txBox="1"/>
+              <p:nvPr/>
+            </p:nvSpPr>
+            <p:spPr>
+              <a:xfrm>
+                <a:off x="4587582" y="6113591"/>
+                <a:ext cx="895179" cy="669414"/>
+              </a:xfrm>
+              <a:prstGeom prst="rect">
+                <a:avLst/>
+              </a:prstGeom>
+              <a:solidFill>
+                <a:schemeClr val="bg1"/>
+              </a:solidFill>
+            </p:spPr>
+            <p:txBody>
+              <a:bodyPr wrap="square" rtlCol="0">
+                <a:spAutoFit/>
+              </a:bodyPr>
+              <a:lstStyle/>
+              <a:p>
+                <a:pPr>
+                  <a:lnSpc>
+                    <a:spcPts val="1500"/>
+                  </a:lnSpc>
+                </a:pPr>
+                <a:r>
+                  <a:rPr lang="en-US" sz="1200" dirty="0" smtClean="0">
+                    <a:latin typeface="Helvetica" pitchFamily="2" charset="0"/>
+                  </a:rPr>
+                  <a:t>CN</a:t>
+                </a:r>
+              </a:p>
+              <a:p>
+                <a:pPr>
+                  <a:lnSpc>
+                    <a:spcPts val="1500"/>
+                  </a:lnSpc>
+                </a:pPr>
+                <a:r>
+                  <a:rPr lang="en-US" sz="1200" dirty="0" smtClean="0">
+                    <a:latin typeface="Helvetica" pitchFamily="2" charset="0"/>
+                  </a:rPr>
+                  <a:t>MCI</a:t>
+                </a:r>
+              </a:p>
+              <a:p>
+                <a:pPr>
+                  <a:lnSpc>
+                    <a:spcPts val="1500"/>
+                  </a:lnSpc>
+                </a:pPr>
+                <a:r>
+                  <a:rPr lang="en-US" sz="1200" dirty="0" smtClean="0">
+                    <a:latin typeface="Helvetica" pitchFamily="2" charset="0"/>
+                  </a:rPr>
+                  <a:t>AD</a:t>
+                </a:r>
+              </a:p>
+            </p:txBody>
+          </p:sp>
+          <p:sp>
+            <p:nvSpPr>
+              <p:cNvPr id="36" name="Textfeld 35"/>
+              <p:cNvSpPr txBox="1"/>
+              <p:nvPr/>
+            </p:nvSpPr>
+            <p:spPr>
+              <a:xfrm>
+                <a:off x="3103141" y="6311563"/>
+                <a:ext cx="1370579" cy="297517"/>
+              </a:xfrm>
+              <a:prstGeom prst="rect">
+                <a:avLst/>
+              </a:prstGeom>
+              <a:solidFill>
+                <a:schemeClr val="bg1"/>
+              </a:solidFill>
+            </p:spPr>
+            <p:txBody>
+              <a:bodyPr wrap="square" rtlCol="0">
+                <a:spAutoFit/>
+              </a:bodyPr>
+              <a:lstStyle/>
+              <a:p>
+                <a:pPr algn="r">
+                  <a:lnSpc>
+                    <a:spcPts val="1600"/>
+                  </a:lnSpc>
+                </a:pPr>
+                <a:r>
+                  <a:rPr lang="en-US" sz="1200" dirty="0" smtClean="0">
+                    <a:latin typeface="Helvetica" pitchFamily="2" charset="0"/>
+                  </a:rPr>
+                  <a:t>DX after 2 years</a:t>
+                </a:r>
+                <a:endParaRPr lang="en-US" sz="1200" dirty="0">
+                  <a:latin typeface="Helvetica" pitchFamily="2" charset="0"/>
+                </a:endParaRPr>
+              </a:p>
+            </p:txBody>
+          </p:sp>
+        </p:grpSp>
+        <p:pic>
+          <p:nvPicPr>
+            <p:cNvPr id="26" name="Grafik 25"/>
+            <p:cNvPicPr>
+              <a:picLocks noChangeAspect="1"/>
+            </p:cNvPicPr>
+            <p:nvPr/>
+          </p:nvPicPr>
+          <p:blipFill rotWithShape="1">
+            <a:blip r:embed="rId4" cstate="print">
+              <a:extLst>
+                <a:ext uri="{28A0092B-C50C-407E-A947-70E740481C1C}">
+                  <a14:useLocalDpi xmlns:a14="http://schemas.microsoft.com/office/drawing/2010/main" val="0"/>
+                </a:ext>
+              </a:extLst>
+            </a:blip>
+            <a:srcRect l="83389" t="44538" r="14734" b="52697"/>
+            <a:stretch/>
+          </p:blipFill>
+          <p:spPr>
+            <a:xfrm>
+              <a:off x="5188165" y="6078343"/>
+              <a:ext cx="165704" cy="244090"/>
+            </a:xfrm>
+            <a:prstGeom prst="rect">
+              <a:avLst/>
+            </a:prstGeom>
+          </p:spPr>
+        </p:pic>
         <p:sp>
           <p:nvSpPr>
-            <p:cNvPr id="11" name="Textfeld 10"/>
+            <p:cNvPr id="27" name="Rechteck 26"/>
+            <p:cNvSpPr/>
+            <p:nvPr/>
+          </p:nvSpPr>
+          <p:spPr>
+            <a:xfrm>
+              <a:off x="5223309" y="6388141"/>
+              <a:ext cx="93983" cy="88455"/>
+            </a:xfrm>
+            <a:prstGeom prst="rect">
+              <a:avLst/>
+            </a:prstGeom>
+            <a:solidFill>
+              <a:srgbClr val="CCD3CC"/>
+            </a:solidFill>
+            <a:ln>
+              <a:noFill/>
+            </a:ln>
+          </p:spPr>
+          <p:style>
+            <a:lnRef idx="2">
+              <a:schemeClr val="accent1">
+                <a:shade val="50000"/>
+              </a:schemeClr>
+            </a:lnRef>
+            <a:fillRef idx="1">
+              <a:schemeClr val="accent1"/>
+            </a:fillRef>
+            <a:effectRef idx="0">
+              <a:schemeClr val="accent1"/>
+            </a:effectRef>
+            <a:fontRef idx="minor">
+              <a:schemeClr val="lt1"/>
+            </a:fontRef>
+          </p:style>
+          <p:txBody>
+            <a:bodyPr rtlCol="0" anchor="ctr"/>
+            <a:lstStyle/>
+            <a:p>
+              <a:pPr algn="ctr"/>
+              <a:endParaRPr lang="en-US"/>
+            </a:p>
+          </p:txBody>
+        </p:sp>
+        <p:sp>
+          <p:nvSpPr>
+            <p:cNvPr id="28" name="Ellipse 27"/>
+            <p:cNvSpPr/>
+            <p:nvPr/>
+          </p:nvSpPr>
+          <p:spPr>
+            <a:xfrm>
+              <a:off x="7402202" y="6201973"/>
+              <a:ext cx="82550" cy="82550"/>
+            </a:xfrm>
+            <a:prstGeom prst="ellipse">
+              <a:avLst/>
+            </a:prstGeom>
+            <a:solidFill>
+              <a:srgbClr val="87CEFA"/>
+            </a:solidFill>
+            <a:ln>
+              <a:noFill/>
+            </a:ln>
+          </p:spPr>
+          <p:style>
+            <a:lnRef idx="2">
+              <a:schemeClr val="accent1">
+                <a:shade val="50000"/>
+              </a:schemeClr>
+            </a:lnRef>
+            <a:fillRef idx="1">
+              <a:schemeClr val="accent1"/>
+            </a:fillRef>
+            <a:effectRef idx="0">
+              <a:schemeClr val="accent1"/>
+            </a:effectRef>
+            <a:fontRef idx="minor">
+              <a:schemeClr val="lt1"/>
+            </a:fontRef>
+          </p:style>
+          <p:txBody>
+            <a:bodyPr rtlCol="0" anchor="ctr"/>
+            <a:lstStyle/>
+            <a:p>
+              <a:pPr algn="ctr"/>
+              <a:endParaRPr lang="en-US"/>
+            </a:p>
+          </p:txBody>
+        </p:sp>
+        <p:sp>
+          <p:nvSpPr>
+            <p:cNvPr id="29" name="Ellipse 28"/>
+            <p:cNvSpPr/>
+            <p:nvPr/>
+          </p:nvSpPr>
+          <p:spPr>
+            <a:xfrm>
+              <a:off x="7402198" y="6385597"/>
+              <a:ext cx="82550" cy="82550"/>
+            </a:xfrm>
+            <a:prstGeom prst="ellipse">
+              <a:avLst/>
+            </a:prstGeom>
+            <a:solidFill>
+              <a:srgbClr val="C4C4C4"/>
+            </a:solidFill>
+            <a:ln>
+              <a:noFill/>
+            </a:ln>
+          </p:spPr>
+          <p:style>
+            <a:lnRef idx="2">
+              <a:schemeClr val="accent1">
+                <a:shade val="50000"/>
+              </a:schemeClr>
+            </a:lnRef>
+            <a:fillRef idx="1">
+              <a:schemeClr val="accent1"/>
+            </a:fillRef>
+            <a:effectRef idx="0">
+              <a:schemeClr val="accent1"/>
+            </a:effectRef>
+            <a:fontRef idx="minor">
+              <a:schemeClr val="lt1"/>
+            </a:fontRef>
+          </p:style>
+          <p:txBody>
+            <a:bodyPr rtlCol="0" anchor="ctr"/>
+            <a:lstStyle/>
+            <a:p>
+              <a:pPr algn="ctr"/>
+              <a:endParaRPr lang="en-US"/>
+            </a:p>
+          </p:txBody>
+        </p:sp>
+        <p:sp>
+          <p:nvSpPr>
+            <p:cNvPr id="30" name="Ellipse 29"/>
+            <p:cNvSpPr/>
+            <p:nvPr/>
+          </p:nvSpPr>
+          <p:spPr>
+            <a:xfrm>
+              <a:off x="7402198" y="6569221"/>
+              <a:ext cx="82550" cy="82550"/>
+            </a:xfrm>
+            <a:prstGeom prst="ellipse">
+              <a:avLst/>
+            </a:prstGeom>
+            <a:solidFill>
+              <a:srgbClr val="FFAE60"/>
+            </a:solidFill>
+            <a:ln>
+              <a:noFill/>
+            </a:ln>
+          </p:spPr>
+          <p:style>
+            <a:lnRef idx="2">
+              <a:schemeClr val="accent1">
+                <a:shade val="50000"/>
+              </a:schemeClr>
+            </a:lnRef>
+            <a:fillRef idx="1">
+              <a:schemeClr val="accent1"/>
+            </a:fillRef>
+            <a:effectRef idx="0">
+              <a:schemeClr val="accent1"/>
+            </a:effectRef>
+            <a:fontRef idx="minor">
+              <a:schemeClr val="lt1"/>
+            </a:fontRef>
+          </p:style>
+          <p:txBody>
+            <a:bodyPr rtlCol="0" anchor="ctr"/>
+            <a:lstStyle/>
+            <a:p>
+              <a:pPr algn="ctr"/>
+              <a:endParaRPr lang="en-US"/>
+            </a:p>
+          </p:txBody>
+        </p:sp>
+        <p:sp>
+          <p:nvSpPr>
+            <p:cNvPr id="33" name="Textfeld 32"/>
             <p:cNvSpPr txBox="1"/>
             <p:nvPr/>
           </p:nvSpPr>
           <p:spPr>
             <a:xfrm>
-              <a:off x="4587582" y="6113591"/>
+              <a:off x="5916485" y="6323018"/>
+              <a:ext cx="1370579" cy="281552"/>
+            </a:xfrm>
+            <a:prstGeom prst="rect">
+              <a:avLst/>
+            </a:prstGeom>
+            <a:solidFill>
+              <a:schemeClr val="bg1"/>
+            </a:solidFill>
+          </p:spPr>
+          <p:txBody>
+            <a:bodyPr wrap="square" rtlCol="0">
+              <a:spAutoFit/>
+            </a:bodyPr>
+            <a:lstStyle/>
+            <a:p>
+              <a:pPr algn="r">
+                <a:lnSpc>
+                  <a:spcPts val="1600"/>
+                </a:lnSpc>
+              </a:pPr>
+              <a:r>
+                <a:rPr lang="de-DE" sz="1200" dirty="0" smtClean="0">
+                  <a:latin typeface="Helvetica" pitchFamily="2" charset="0"/>
+                </a:rPr>
+                <a:t>A</a:t>
+              </a:r>
+              <a:r>
+                <a:rPr lang="el-GR" sz="1200" dirty="0" smtClean="0">
+                  <a:latin typeface="Helvetica" pitchFamily="2" charset="0"/>
+                </a:rPr>
+                <a:t>β</a:t>
+              </a:r>
+              <a:r>
+                <a:rPr lang="de-DE" sz="1200" dirty="0" smtClean="0">
+                  <a:latin typeface="Helvetica" pitchFamily="2" charset="0"/>
+                </a:rPr>
+                <a:t> Status</a:t>
+              </a:r>
+              <a:endParaRPr lang="en-US" sz="1200" dirty="0">
+                <a:latin typeface="Helvetica" pitchFamily="2" charset="0"/>
+              </a:endParaRPr>
+            </a:p>
+          </p:txBody>
+        </p:sp>
+        <p:sp>
+          <p:nvSpPr>
+            <p:cNvPr id="34" name="Textfeld 33"/>
+            <p:cNvSpPr txBox="1"/>
+            <p:nvPr/>
+          </p:nvSpPr>
+          <p:spPr>
+            <a:xfrm>
+              <a:off x="7484748" y="6085064"/>
               <a:ext cx="895179" cy="669414"/>
             </a:xfrm>
             <a:prstGeom prst="rect">
@@ -5541,10 +9521,10 @@
                 </a:lnSpc>
               </a:pPr>
               <a:r>
-                <a:rPr lang="en-US" sz="1200" dirty="0" smtClean="0">
+                <a:rPr lang="en-US" sz="1200" dirty="0">
                   <a:latin typeface="Helvetica" pitchFamily="2" charset="0"/>
                 </a:rPr>
-                <a:t>CN</a:t>
+                <a:t>-</a:t>
               </a:r>
               <a:endParaRPr lang="en-US" sz="1200" dirty="0" smtClean="0">
                 <a:latin typeface="Helvetica" pitchFamily="2" charset="0"/>
@@ -5560,8 +9540,11 @@
                 <a:rPr lang="en-US" sz="1200" dirty="0" smtClean="0">
                   <a:latin typeface="Helvetica" pitchFamily="2" charset="0"/>
                 </a:rPr>
-                <a:t>MCI</a:t>
+                <a:t>NA</a:t>
               </a:r>
+              <a:endParaRPr lang="en-US" sz="1200" dirty="0" smtClean="0">
+                <a:latin typeface="Helvetica" pitchFamily="2" charset="0"/>
+              </a:endParaRPr>
             </a:p>
             <a:p>
               <a:pPr>
@@ -5570,124 +9553,220 @@
                 </a:lnSpc>
               </a:pPr>
               <a:r>
-                <a:rPr lang="en-US" sz="1200" dirty="0" smtClean="0">
+                <a:rPr lang="en-US" sz="1200" dirty="0">
                   <a:latin typeface="Helvetica" pitchFamily="2" charset="0"/>
                 </a:rPr>
-                <a:t>AD</a:t>
+                <a:t>+</a:t>
               </a:r>
-            </a:p>
-          </p:txBody>
-        </p:sp>
-        <p:sp>
-          <p:nvSpPr>
-            <p:cNvPr id="12" name="Textfeld 11"/>
-            <p:cNvSpPr txBox="1"/>
-            <p:nvPr/>
-          </p:nvSpPr>
-          <p:spPr>
-            <a:xfrm>
-              <a:off x="3103141" y="6311563"/>
-              <a:ext cx="1370579" cy="297517"/>
-            </a:xfrm>
-            <a:prstGeom prst="rect">
-              <a:avLst/>
-            </a:prstGeom>
-            <a:solidFill>
-              <a:schemeClr val="bg1"/>
-            </a:solidFill>
-          </p:spPr>
-          <p:txBody>
-            <a:bodyPr wrap="square" rtlCol="0">
-              <a:spAutoFit/>
-            </a:bodyPr>
-            <a:lstStyle/>
-            <a:p>
-              <a:pPr algn="r">
-                <a:lnSpc>
-                  <a:spcPts val="1600"/>
-                </a:lnSpc>
-              </a:pPr>
-              <a:r>
-                <a:rPr lang="en-US" sz="1200" dirty="0" smtClean="0">
-                  <a:latin typeface="Helvetica" pitchFamily="2" charset="0"/>
-                </a:rPr>
-                <a:t>DX after 2 years</a:t>
-              </a:r>
-              <a:endParaRPr lang="en-US" sz="1200" dirty="0">
+              <a:endParaRPr lang="en-US" sz="1200" dirty="0" smtClean="0">
                 <a:latin typeface="Helvetica" pitchFamily="2" charset="0"/>
               </a:endParaRPr>
             </a:p>
           </p:txBody>
         </p:sp>
       </p:grpSp>
-      <p:pic>
-        <p:nvPicPr>
-          <p:cNvPr id="13" name="Grafik 12"/>
-          <p:cNvPicPr>
-            <a:picLocks noChangeAspect="1"/>
-          </p:cNvPicPr>
+      <p:sp>
+        <p:nvSpPr>
+          <p:cNvPr id="37" name="Textfeld 36"/>
+          <p:cNvSpPr txBox="1"/>
           <p:nvPr/>
-        </p:nvPicPr>
-        <p:blipFill rotWithShape="1">
-          <a:blip r:embed="rId3" cstate="print">
-            <a:extLst>
-              <a:ext uri="{28A0092B-C50C-407E-A947-70E740481C1C}">
-                <a14:useLocalDpi xmlns:a14="http://schemas.microsoft.com/office/drawing/2010/main" val="0"/>
-              </a:ext>
-            </a:extLst>
-          </a:blip>
-          <a:srcRect l="83389" t="44538" r="14734" b="52697"/>
-          <a:stretch/>
-        </p:blipFill>
+        </p:nvSpPr>
         <p:spPr>
-          <a:xfrm>
-            <a:off x="4428067" y="5969229"/>
-            <a:ext cx="165704" cy="244090"/>
+          <a:xfrm rot="16200000">
+            <a:off x="973259" y="2808809"/>
+            <a:ext cx="5469060" cy="284693"/>
           </a:xfrm>
           <a:prstGeom prst="rect">
             <a:avLst/>
           </a:prstGeom>
+          <a:solidFill>
+            <a:schemeClr val="bg1"/>
+          </a:solidFill>
         </p:spPr>
-      </p:pic>
-      <p:pic>
-        <p:nvPicPr>
-          <p:cNvPr id="14" name="Grafik 13"/>
-          <p:cNvPicPr>
-            <a:picLocks noChangeAspect="1"/>
-          </p:cNvPicPr>
+        <p:txBody>
+          <a:bodyPr wrap="square" rtlCol="0">
+            <a:spAutoFit/>
+          </a:bodyPr>
+          <a:lstStyle/>
+          <a:p>
+            <a:pPr algn="ctr">
+              <a:lnSpc>
+                <a:spcPts val="1500"/>
+              </a:lnSpc>
+            </a:pPr>
+            <a:r>
+              <a:rPr lang="de-DE" sz="1200" dirty="0" err="1" smtClean="0">
+                <a:latin typeface="Helvetica" pitchFamily="2" charset="0"/>
+              </a:rPr>
+              <a:t>Probability</a:t>
+            </a:r>
+            <a:r>
+              <a:rPr lang="de-DE" sz="1200" dirty="0" smtClean="0">
+                <a:latin typeface="Helvetica" pitchFamily="2" charset="0"/>
+              </a:rPr>
+              <a:t> </a:t>
+            </a:r>
+            <a:r>
+              <a:rPr lang="de-DE" sz="1200" dirty="0" err="1" smtClean="0">
+                <a:latin typeface="Helvetica" pitchFamily="2" charset="0"/>
+              </a:rPr>
+              <a:t>of</a:t>
+            </a:r>
+            <a:r>
+              <a:rPr lang="de-DE" sz="1200" dirty="0" smtClean="0">
+                <a:latin typeface="Helvetica" pitchFamily="2" charset="0"/>
+              </a:rPr>
+              <a:t> </a:t>
+            </a:r>
+            <a:r>
+              <a:rPr lang="de-DE" sz="1200" dirty="0" err="1" smtClean="0">
+                <a:latin typeface="Helvetica" pitchFamily="2" charset="0"/>
+              </a:rPr>
+              <a:t>Disease</a:t>
+            </a:r>
+            <a:r>
+              <a:rPr lang="de-DE" sz="1200" dirty="0" smtClean="0">
+                <a:latin typeface="Helvetica" pitchFamily="2" charset="0"/>
+              </a:rPr>
+              <a:t> Progression </a:t>
+            </a:r>
+            <a:r>
+              <a:rPr lang="de-DE" sz="1200" dirty="0" smtClean="0">
+                <a:latin typeface="Helvetica" pitchFamily="2" charset="0"/>
+              </a:rPr>
+              <a:t>[%]</a:t>
+            </a:r>
+            <a:endParaRPr lang="en-US" sz="1200" baseline="-25000" dirty="0">
+              <a:latin typeface="Helvetica" pitchFamily="2" charset="0"/>
+            </a:endParaRPr>
+          </a:p>
+        </p:txBody>
+      </p:sp>
+      <p:cxnSp>
+        <p:nvCxnSpPr>
+          <p:cNvPr id="38" name="Gerader Verbinder 37"/>
+          <p:cNvCxnSpPr/>
           <p:nvPr/>
-        </p:nvPicPr>
-        <p:blipFill rotWithShape="1">
-          <a:blip r:embed="rId3" cstate="print">
-            <a:extLst>
-              <a:ext uri="{28A0092B-C50C-407E-A947-70E740481C1C}">
-                <a14:useLocalDpi xmlns:a14="http://schemas.microsoft.com/office/drawing/2010/main" val="0"/>
-              </a:ext>
-            </a:extLst>
-          </a:blip>
-          <a:srcRect l="83417" t="47674" r="14837" b="48174"/>
-          <a:stretch/>
-        </p:blipFill>
+        </p:nvCxnSpPr>
         <p:spPr>
           <a:xfrm>
-            <a:off x="4430486" y="6418332"/>
-            <a:ext cx="154214" cy="366486"/>
+            <a:off x="4145492" y="2924851"/>
+            <a:ext cx="2274358" cy="2499"/>
+          </a:xfrm>
+          <a:prstGeom prst="line">
+            <a:avLst/>
+          </a:prstGeom>
+          <a:ln w="19050">
+            <a:solidFill>
+              <a:schemeClr val="tx1"/>
+            </a:solidFill>
+            <a:prstDash val="sysDot"/>
+          </a:ln>
+        </p:spPr>
+        <p:style>
+          <a:lnRef idx="1">
+            <a:schemeClr val="accent1"/>
+          </a:lnRef>
+          <a:fillRef idx="0">
+            <a:schemeClr val="accent1"/>
+          </a:fillRef>
+          <a:effectRef idx="0">
+            <a:schemeClr val="accent1"/>
+          </a:effectRef>
+          <a:fontRef idx="minor">
+            <a:schemeClr val="tx1"/>
+          </a:fontRef>
+        </p:style>
+      </p:cxnSp>
+      <p:cxnSp>
+        <p:nvCxnSpPr>
+          <p:cNvPr id="39" name="Gerader Verbinder 38"/>
+          <p:cNvCxnSpPr/>
+          <p:nvPr/>
+        </p:nvCxnSpPr>
+        <p:spPr>
+          <a:xfrm flipH="1">
+            <a:off x="6419850" y="2924851"/>
+            <a:ext cx="1" cy="2657163"/>
+          </a:xfrm>
+          <a:prstGeom prst="line">
+            <a:avLst/>
+          </a:prstGeom>
+          <a:ln w="19050">
+            <a:prstDash val="sysDot"/>
+          </a:ln>
+        </p:spPr>
+        <p:style>
+          <a:lnRef idx="1">
+            <a:schemeClr val="dk1"/>
+          </a:lnRef>
+          <a:fillRef idx="0">
+            <a:schemeClr val="dk1"/>
+          </a:fillRef>
+          <a:effectRef idx="0">
+            <a:schemeClr val="dk1"/>
+          </a:effectRef>
+          <a:fontRef idx="minor">
+            <a:schemeClr val="tx1"/>
+          </a:fontRef>
+        </p:style>
+      </p:cxnSp>
+      <p:sp>
+        <p:nvSpPr>
+          <p:cNvPr id="42" name="Textfeld 41"/>
+          <p:cNvSpPr txBox="1"/>
+          <p:nvPr/>
+        </p:nvSpPr>
+        <p:spPr>
+          <a:xfrm>
+            <a:off x="4397829" y="555171"/>
+            <a:ext cx="1632857" cy="461665"/>
           </a:xfrm>
           <a:prstGeom prst="rect">
             <a:avLst/>
           </a:prstGeom>
+          <a:noFill/>
         </p:spPr>
-      </p:pic>
-      <p:sp>
-        <p:nvSpPr>
-          <p:cNvPr id="15" name="Rechteck 14"/>
+        <p:txBody>
+          <a:bodyPr wrap="square" rtlCol="0">
+            <a:spAutoFit/>
+          </a:bodyPr>
+          <a:lstStyle/>
+          <a:p>
+            <a:r>
+              <a:rPr lang="en-US" sz="2400" b="1" dirty="0" smtClean="0">
+                <a:solidFill>
+                  <a:srgbClr val="E0E0E0"/>
+                </a:solidFill>
+              </a:rPr>
+              <a:t>Sample </a:t>
+            </a:r>
+            <a:r>
+              <a:rPr lang="en-US" sz="2400" b="1" dirty="0" smtClean="0">
+                <a:solidFill>
+                  <a:srgbClr val="E0E0E0"/>
+                </a:solidFill>
+              </a:rPr>
+              <a:t>1</a:t>
+            </a:r>
+            <a:endParaRPr lang="en-US" sz="2400" b="1" dirty="0">
+              <a:solidFill>
+                <a:srgbClr val="E0E0E0"/>
+              </a:solidFill>
+            </a:endParaRPr>
+          </a:p>
+        </p:txBody>
+      </p:sp>
+      <p:sp>
+        <p:nvSpPr>
+          <p:cNvPr id="50" name="Rechteck 49"/>
           <p:cNvSpPr/>
           <p:nvPr/>
         </p:nvSpPr>
         <p:spPr>
-          <a:xfrm>
-            <a:off x="4463211" y="6279027"/>
-            <a:ext cx="93983" cy="88455"/>
+          <a:xfrm rot="18900000">
+            <a:off x="5623234" y="6555614"/>
+            <a:ext cx="82522" cy="82522"/>
           </a:xfrm>
           <a:prstGeom prst="rect">
             <a:avLst/>
@@ -5724,534 +9803,10 @@
           </a:p>
         </p:txBody>
       </p:sp>
-      <p:sp>
-        <p:nvSpPr>
-          <p:cNvPr id="16" name="Textfeld 15"/>
-          <p:cNvSpPr txBox="1"/>
-          <p:nvPr/>
-        </p:nvSpPr>
-        <p:spPr>
-          <a:xfrm>
-            <a:off x="3453771" y="5692514"/>
-            <a:ext cx="4397071" cy="271934"/>
-          </a:xfrm>
-          <a:prstGeom prst="rect">
-            <a:avLst/>
-          </a:prstGeom>
-          <a:solidFill>
-            <a:schemeClr val="bg1"/>
-          </a:solidFill>
-        </p:spPr>
-        <p:txBody>
-          <a:bodyPr wrap="square" rtlCol="0">
-            <a:spAutoFit/>
-          </a:bodyPr>
-          <a:lstStyle/>
-          <a:p>
-            <a:pPr algn="ctr">
-              <a:lnSpc>
-                <a:spcPts val="1500"/>
-              </a:lnSpc>
-            </a:pPr>
-            <a:r>
-              <a:rPr lang="en-US" sz="1200" dirty="0" smtClean="0">
-                <a:latin typeface="Helvetica" pitchFamily="2" charset="0"/>
-              </a:rPr>
-              <a:t>BPAD [years]</a:t>
-            </a:r>
-            <a:endParaRPr lang="en-US" sz="1200" dirty="0">
-              <a:latin typeface="Helvetica" pitchFamily="2" charset="0"/>
-            </a:endParaRPr>
-          </a:p>
-        </p:txBody>
-      </p:sp>
-      <p:sp>
-        <p:nvSpPr>
-          <p:cNvPr id="19" name="Textfeld 18"/>
-          <p:cNvSpPr txBox="1"/>
-          <p:nvPr/>
-        </p:nvSpPr>
-        <p:spPr>
-          <a:xfrm rot="16200000">
-            <a:off x="350368" y="2687464"/>
-            <a:ext cx="5469060" cy="271934"/>
-          </a:xfrm>
-          <a:prstGeom prst="rect">
-            <a:avLst/>
-          </a:prstGeom>
-          <a:solidFill>
-            <a:schemeClr val="bg1"/>
-          </a:solidFill>
-        </p:spPr>
-        <p:txBody>
-          <a:bodyPr wrap="square" rtlCol="0">
-            <a:spAutoFit/>
-          </a:bodyPr>
-          <a:lstStyle/>
-          <a:p>
-            <a:pPr algn="ctr">
-              <a:lnSpc>
-                <a:spcPts val="1500"/>
-              </a:lnSpc>
-            </a:pPr>
-            <a:r>
-              <a:rPr lang="de-DE" sz="1200" dirty="0" err="1" smtClean="0">
-                <a:latin typeface="Helvetica" pitchFamily="2" charset="0"/>
-              </a:rPr>
-              <a:t>Probability</a:t>
-            </a:r>
-            <a:r>
-              <a:rPr lang="de-DE" sz="1200" dirty="0" smtClean="0">
-                <a:latin typeface="Helvetica" pitchFamily="2" charset="0"/>
-              </a:rPr>
-              <a:t> </a:t>
-            </a:r>
-            <a:r>
-              <a:rPr lang="de-DE" sz="1200" dirty="0" err="1" smtClean="0">
-                <a:latin typeface="Helvetica" pitchFamily="2" charset="0"/>
-              </a:rPr>
-              <a:t>of</a:t>
-            </a:r>
-            <a:r>
-              <a:rPr lang="de-DE" sz="1200" dirty="0" smtClean="0">
-                <a:latin typeface="Helvetica" pitchFamily="2" charset="0"/>
-              </a:rPr>
-              <a:t> </a:t>
-            </a:r>
-            <a:r>
-              <a:rPr lang="de-DE" sz="1200" dirty="0" err="1" smtClean="0">
-                <a:latin typeface="Helvetica" pitchFamily="2" charset="0"/>
-              </a:rPr>
-              <a:t>Disease</a:t>
-            </a:r>
-            <a:r>
-              <a:rPr lang="de-DE" sz="1200" dirty="0" smtClean="0">
-                <a:latin typeface="Helvetica" pitchFamily="2" charset="0"/>
-              </a:rPr>
-              <a:t> Progression [%]</a:t>
-            </a:r>
-            <a:endParaRPr lang="en-US" sz="1200" baseline="-25000" dirty="0">
-              <a:latin typeface="Helvetica" pitchFamily="2" charset="0"/>
-            </a:endParaRPr>
-          </a:p>
-        </p:txBody>
-      </p:sp>
-      <p:sp>
-        <p:nvSpPr>
-          <p:cNvPr id="21" name="Ellipse 20"/>
-          <p:cNvSpPr/>
-          <p:nvPr/>
-        </p:nvSpPr>
-        <p:spPr>
-          <a:xfrm>
-            <a:off x="6642100" y="6105559"/>
-            <a:ext cx="82550" cy="82550"/>
-          </a:xfrm>
-          <a:prstGeom prst="ellipse">
-            <a:avLst/>
-          </a:prstGeom>
-          <a:solidFill>
-            <a:srgbClr val="87CEFA"/>
-          </a:solidFill>
-          <a:ln>
-            <a:noFill/>
-          </a:ln>
-        </p:spPr>
-        <p:style>
-          <a:lnRef idx="2">
-            <a:schemeClr val="accent1">
-              <a:shade val="50000"/>
-            </a:schemeClr>
-          </a:lnRef>
-          <a:fillRef idx="1">
-            <a:schemeClr val="accent1"/>
-          </a:fillRef>
-          <a:effectRef idx="0">
-            <a:schemeClr val="accent1"/>
-          </a:effectRef>
-          <a:fontRef idx="minor">
-            <a:schemeClr val="lt1"/>
-          </a:fontRef>
-        </p:style>
-        <p:txBody>
-          <a:bodyPr rtlCol="0" anchor="ctr"/>
-          <a:lstStyle/>
-          <a:p>
-            <a:pPr algn="ctr"/>
-            <a:endParaRPr lang="en-US"/>
-          </a:p>
-        </p:txBody>
-      </p:sp>
-      <p:sp>
-        <p:nvSpPr>
-          <p:cNvPr id="23" name="Ellipse 22"/>
-          <p:cNvSpPr/>
-          <p:nvPr/>
-        </p:nvSpPr>
-        <p:spPr>
-          <a:xfrm>
-            <a:off x="6642100" y="6276483"/>
-            <a:ext cx="82550" cy="82550"/>
-          </a:xfrm>
-          <a:prstGeom prst="ellipse">
-            <a:avLst/>
-          </a:prstGeom>
-          <a:solidFill>
-            <a:srgbClr val="FFAE60"/>
-          </a:solidFill>
-          <a:ln>
-            <a:noFill/>
-          </a:ln>
-        </p:spPr>
-        <p:style>
-          <a:lnRef idx="2">
-            <a:schemeClr val="accent1">
-              <a:shade val="50000"/>
-            </a:schemeClr>
-          </a:lnRef>
-          <a:fillRef idx="1">
-            <a:schemeClr val="accent1"/>
-          </a:fillRef>
-          <a:effectRef idx="0">
-            <a:schemeClr val="accent1"/>
-          </a:effectRef>
-          <a:fontRef idx="minor">
-            <a:schemeClr val="lt1"/>
-          </a:fontRef>
-        </p:style>
-        <p:txBody>
-          <a:bodyPr rtlCol="0" anchor="ctr"/>
-          <a:lstStyle/>
-          <a:p>
-            <a:pPr algn="ctr"/>
-            <a:endParaRPr lang="en-US"/>
-          </a:p>
-        </p:txBody>
-      </p:sp>
-      <p:sp>
-        <p:nvSpPr>
-          <p:cNvPr id="24" name="Ellipse 23"/>
-          <p:cNvSpPr/>
-          <p:nvPr/>
-        </p:nvSpPr>
-        <p:spPr>
-          <a:xfrm>
-            <a:off x="6642100" y="6447407"/>
-            <a:ext cx="82550" cy="82550"/>
-          </a:xfrm>
-          <a:prstGeom prst="ellipse">
-            <a:avLst/>
-          </a:prstGeom>
-          <a:solidFill>
-            <a:srgbClr val="945517"/>
-          </a:solidFill>
-          <a:ln>
-            <a:noFill/>
-          </a:ln>
-        </p:spPr>
-        <p:style>
-          <a:lnRef idx="2">
-            <a:schemeClr val="accent1">
-              <a:shade val="50000"/>
-            </a:schemeClr>
-          </a:lnRef>
-          <a:fillRef idx="1">
-            <a:schemeClr val="accent1"/>
-          </a:fillRef>
-          <a:effectRef idx="0">
-            <a:schemeClr val="accent1"/>
-          </a:effectRef>
-          <a:fontRef idx="minor">
-            <a:schemeClr val="lt1"/>
-          </a:fontRef>
-        </p:style>
-        <p:txBody>
-          <a:bodyPr rtlCol="0" anchor="ctr"/>
-          <a:lstStyle/>
-          <a:p>
-            <a:pPr algn="ctr"/>
-            <a:endParaRPr lang="en-US"/>
-          </a:p>
-        </p:txBody>
-      </p:sp>
-      <p:sp>
-        <p:nvSpPr>
-          <p:cNvPr id="25" name="Textfeld 24"/>
-          <p:cNvSpPr txBox="1"/>
-          <p:nvPr/>
-        </p:nvSpPr>
-        <p:spPr>
-          <a:xfrm>
-            <a:off x="5156387" y="6213904"/>
-            <a:ext cx="1370579" cy="281552"/>
-          </a:xfrm>
-          <a:prstGeom prst="rect">
-            <a:avLst/>
-          </a:prstGeom>
-          <a:solidFill>
-            <a:schemeClr val="bg1"/>
-          </a:solidFill>
-        </p:spPr>
-        <p:txBody>
-          <a:bodyPr wrap="square" rtlCol="0">
-            <a:spAutoFit/>
-          </a:bodyPr>
-          <a:lstStyle/>
-          <a:p>
-            <a:pPr algn="r">
-              <a:lnSpc>
-                <a:spcPts val="1600"/>
-              </a:lnSpc>
-            </a:pPr>
-            <a:r>
-              <a:rPr lang="en-US" sz="1200" dirty="0" smtClean="0">
-                <a:latin typeface="Helvetica" pitchFamily="2" charset="0"/>
-              </a:rPr>
-              <a:t>APOE-</a:t>
-            </a:r>
-            <a:r>
-              <a:rPr lang="el-GR" sz="1200" dirty="0" smtClean="0">
-                <a:latin typeface="Helvetica" pitchFamily="2" charset="0"/>
-              </a:rPr>
-              <a:t>ε</a:t>
-            </a:r>
-            <a:r>
-              <a:rPr lang="de-DE" sz="1200" dirty="0" smtClean="0">
-                <a:latin typeface="Helvetica" pitchFamily="2" charset="0"/>
-              </a:rPr>
-              <a:t>4 alleles</a:t>
-            </a:r>
-            <a:endParaRPr lang="en-US" sz="1200" dirty="0">
-              <a:latin typeface="Helvetica" pitchFamily="2" charset="0"/>
-            </a:endParaRPr>
-          </a:p>
-        </p:txBody>
-      </p:sp>
-      <p:sp>
-        <p:nvSpPr>
-          <p:cNvPr id="26" name="Textfeld 25"/>
-          <p:cNvSpPr txBox="1"/>
-          <p:nvPr/>
-        </p:nvSpPr>
-        <p:spPr>
-          <a:xfrm>
-            <a:off x="6724650" y="6010489"/>
-            <a:ext cx="895179" cy="669414"/>
-          </a:xfrm>
-          <a:prstGeom prst="rect">
-            <a:avLst/>
-          </a:prstGeom>
-          <a:solidFill>
-            <a:schemeClr val="bg1"/>
-          </a:solidFill>
-        </p:spPr>
-        <p:txBody>
-          <a:bodyPr wrap="square" rtlCol="0">
-            <a:spAutoFit/>
-          </a:bodyPr>
-          <a:lstStyle/>
-          <a:p>
-            <a:pPr>
-              <a:lnSpc>
-                <a:spcPts val="1500"/>
-              </a:lnSpc>
-            </a:pPr>
-            <a:r>
-              <a:rPr lang="en-US" sz="1200" dirty="0" smtClean="0">
-                <a:latin typeface="Helvetica" pitchFamily="2" charset="0"/>
-              </a:rPr>
-              <a:t>0</a:t>
-            </a:r>
-            <a:endParaRPr lang="en-US" sz="1200" dirty="0" smtClean="0">
-              <a:latin typeface="Helvetica" pitchFamily="2" charset="0"/>
-            </a:endParaRPr>
-          </a:p>
-          <a:p>
-            <a:pPr>
-              <a:lnSpc>
-                <a:spcPts val="1500"/>
-              </a:lnSpc>
-            </a:pPr>
-            <a:r>
-              <a:rPr lang="en-US" sz="1200" dirty="0" smtClean="0">
-                <a:latin typeface="Helvetica" pitchFamily="2" charset="0"/>
-              </a:rPr>
-              <a:t>1</a:t>
-            </a:r>
-          </a:p>
-          <a:p>
-            <a:pPr>
-              <a:lnSpc>
-                <a:spcPts val="1500"/>
-              </a:lnSpc>
-            </a:pPr>
-            <a:r>
-              <a:rPr lang="en-US" sz="1200" dirty="0" smtClean="0">
-                <a:latin typeface="Helvetica" pitchFamily="2" charset="0"/>
-              </a:rPr>
-              <a:t>2</a:t>
-            </a:r>
-          </a:p>
-        </p:txBody>
-      </p:sp>
-      <p:cxnSp>
-        <p:nvCxnSpPr>
-          <p:cNvPr id="33" name="Gerader Verbinder 32"/>
-          <p:cNvCxnSpPr/>
-          <p:nvPr/>
-        </p:nvCxnSpPr>
-        <p:spPr>
-          <a:xfrm>
-            <a:off x="3453771" y="2895600"/>
-            <a:ext cx="2387905" cy="0"/>
-          </a:xfrm>
-          <a:prstGeom prst="line">
-            <a:avLst/>
-          </a:prstGeom>
-          <a:ln w="25400">
-            <a:solidFill>
-              <a:schemeClr val="tx1"/>
-            </a:solidFill>
-            <a:prstDash val="sysDot"/>
-          </a:ln>
-        </p:spPr>
-        <p:style>
-          <a:lnRef idx="1">
-            <a:schemeClr val="accent1"/>
-          </a:lnRef>
-          <a:fillRef idx="0">
-            <a:schemeClr val="accent1"/>
-          </a:fillRef>
-          <a:effectRef idx="0">
-            <a:schemeClr val="accent1"/>
-          </a:effectRef>
-          <a:fontRef idx="minor">
-            <a:schemeClr val="tx1"/>
-          </a:fontRef>
-        </p:style>
-      </p:cxnSp>
-      <p:cxnSp>
-        <p:nvCxnSpPr>
-          <p:cNvPr id="40" name="Gerader Verbinder 39"/>
-          <p:cNvCxnSpPr/>
-          <p:nvPr/>
-        </p:nvCxnSpPr>
-        <p:spPr>
-          <a:xfrm>
-            <a:off x="5841676" y="2895600"/>
-            <a:ext cx="0" cy="2628000"/>
-          </a:xfrm>
-          <a:prstGeom prst="line">
-            <a:avLst/>
-          </a:prstGeom>
-          <a:ln w="25400">
-            <a:solidFill>
-              <a:schemeClr val="tx1"/>
-            </a:solidFill>
-            <a:prstDash val="sysDot"/>
-          </a:ln>
-        </p:spPr>
-        <p:style>
-          <a:lnRef idx="1">
-            <a:schemeClr val="accent1"/>
-          </a:lnRef>
-          <a:fillRef idx="0">
-            <a:schemeClr val="accent1"/>
-          </a:fillRef>
-          <a:effectRef idx="0">
-            <a:schemeClr val="accent1"/>
-          </a:effectRef>
-          <a:fontRef idx="minor">
-            <a:schemeClr val="tx1"/>
-          </a:fontRef>
-        </p:style>
-      </p:cxnSp>
-      <p:sp>
-        <p:nvSpPr>
-          <p:cNvPr id="41" name="Textfeld 40"/>
-          <p:cNvSpPr txBox="1"/>
-          <p:nvPr/>
-        </p:nvSpPr>
-        <p:spPr>
-          <a:xfrm>
-            <a:off x="9521493" y="5038910"/>
-            <a:ext cx="2670507" cy="1600438"/>
-          </a:xfrm>
-          <a:prstGeom prst="rect">
-            <a:avLst/>
-          </a:prstGeom>
-          <a:noFill/>
-        </p:spPr>
-        <p:txBody>
-          <a:bodyPr wrap="square" rtlCol="0">
-            <a:spAutoFit/>
-          </a:bodyPr>
-          <a:lstStyle/>
-          <a:p>
-            <a:r>
-              <a:rPr lang="en-US" sz="1400" dirty="0" smtClean="0"/>
-              <a:t>CN</a:t>
-            </a:r>
-          </a:p>
-          <a:p>
-            <a:r>
-              <a:rPr lang="en-US" sz="1400" dirty="0" smtClean="0"/>
-              <a:t>FDG</a:t>
-            </a:r>
-          </a:p>
-          <a:p>
-            <a:r>
-              <a:rPr lang="en-US" sz="1400" dirty="0" smtClean="0"/>
-              <a:t>Full dataset</a:t>
-            </a:r>
-          </a:p>
-          <a:p>
-            <a:r>
-              <a:rPr lang="en-US" sz="1400" dirty="0" smtClean="0"/>
-              <a:t>P &lt; 0.05</a:t>
-            </a:r>
-          </a:p>
-          <a:p>
-            <a:r>
-              <a:rPr lang="en-US" sz="1400" dirty="0" smtClean="0"/>
-              <a:t>ROC = 73%</a:t>
-            </a:r>
-          </a:p>
-          <a:p>
-            <a:r>
-              <a:rPr lang="en-US" sz="1400" dirty="0" smtClean="0"/>
-              <a:t>OR</a:t>
-            </a:r>
-            <a:r>
-              <a:rPr lang="en-US" sz="1400" baseline="-25000" dirty="0" smtClean="0"/>
-              <a:t>FDG</a:t>
-            </a:r>
-            <a:r>
-              <a:rPr lang="en-US" sz="1400" dirty="0" smtClean="0"/>
-              <a:t>= 0.758 [0.567 – 0.876]</a:t>
-            </a:r>
-          </a:p>
-          <a:p>
-            <a:r>
-              <a:rPr lang="en-US" sz="1400" dirty="0" err="1" smtClean="0"/>
-              <a:t>OR</a:t>
-            </a:r>
-            <a:r>
-              <a:rPr lang="en-US" sz="1400" baseline="-25000" dirty="0" err="1" smtClean="0"/>
-              <a:t>APOEc</a:t>
-            </a:r>
-            <a:r>
-              <a:rPr lang="en-US" sz="1400" dirty="0" smtClean="0"/>
-              <a:t> = 0.07 [0.003 – 0.538]</a:t>
-            </a:r>
-            <a:endParaRPr lang="en-US" sz="1400" dirty="0"/>
-          </a:p>
-        </p:txBody>
-      </p:sp>
     </p:spTree>
     <p:extLst>
       <p:ext uri="{BB962C8B-B14F-4D97-AF65-F5344CB8AC3E}">
-        <p14:creationId xmlns:p14="http://schemas.microsoft.com/office/powerpoint/2010/main" val="3742494804"/>
+        <p14:creationId xmlns:p14="http://schemas.microsoft.com/office/powerpoint/2010/main" val="3321381770"/>
       </p:ext>
     </p:extLst>
   </p:cSld>
@@ -6278,16 +9833,620 @@
           <a:chExt cx="0" cy="0"/>
         </a:xfrm>
       </p:grpSpPr>
-      <p:sp>
-        <p:nvSpPr>
-          <p:cNvPr id="2" name="Textfeld 1"/>
+      <p:pic>
+        <p:nvPicPr>
+          <p:cNvPr id="25" name="Grafik 24"/>
+          <p:cNvPicPr>
+            <a:picLocks noChangeAspect="1"/>
+          </p:cNvPicPr>
+          <p:nvPr/>
+        </p:nvPicPr>
+        <p:blipFill rotWithShape="1">
+          <a:blip r:embed="rId3" cstate="print">
+            <a:extLst>
+              <a:ext uri="{28A0092B-C50C-407E-A947-70E740481C1C}">
+                <a14:useLocalDpi xmlns:a14="http://schemas.microsoft.com/office/drawing/2010/main" val="0"/>
+              </a:ext>
+            </a:extLst>
+          </a:blip>
+          <a:srcRect l="2222" r="15278"/>
+          <a:stretch/>
+        </p:blipFill>
+        <p:spPr>
+          <a:xfrm>
+            <a:off x="3850136" y="369454"/>
+            <a:ext cx="4547309" cy="5511889"/>
+          </a:xfrm>
+          <a:prstGeom prst="rect">
+            <a:avLst/>
+          </a:prstGeom>
+        </p:spPr>
+      </p:pic>
+      <p:cxnSp>
+        <p:nvCxnSpPr>
+          <p:cNvPr id="3" name="Gerader Verbinder 2"/>
+          <p:cNvCxnSpPr/>
+          <p:nvPr/>
+        </p:nvCxnSpPr>
+        <p:spPr>
+          <a:xfrm>
+            <a:off x="4125528" y="2943901"/>
+            <a:ext cx="2370522" cy="0"/>
+          </a:xfrm>
+          <a:prstGeom prst="line">
+            <a:avLst/>
+          </a:prstGeom>
+          <a:ln w="19050">
+            <a:solidFill>
+              <a:schemeClr val="tx1"/>
+            </a:solidFill>
+            <a:prstDash val="sysDot"/>
+          </a:ln>
+        </p:spPr>
+        <p:style>
+          <a:lnRef idx="1">
+            <a:schemeClr val="accent1"/>
+          </a:lnRef>
+          <a:fillRef idx="0">
+            <a:schemeClr val="accent1"/>
+          </a:fillRef>
+          <a:effectRef idx="0">
+            <a:schemeClr val="accent1"/>
+          </a:effectRef>
+          <a:fontRef idx="minor">
+            <a:schemeClr val="tx1"/>
+          </a:fontRef>
+        </p:style>
+      </p:cxnSp>
+      <p:cxnSp>
+        <p:nvCxnSpPr>
+          <p:cNvPr id="4" name="Gerader Verbinder 3"/>
+          <p:cNvCxnSpPr/>
+          <p:nvPr/>
+        </p:nvCxnSpPr>
+        <p:spPr>
+          <a:xfrm>
+            <a:off x="6496050" y="2943901"/>
+            <a:ext cx="0" cy="2637749"/>
+          </a:xfrm>
+          <a:prstGeom prst="line">
+            <a:avLst/>
+          </a:prstGeom>
+          <a:ln w="19050">
+            <a:prstDash val="sysDot"/>
+          </a:ln>
+        </p:spPr>
+        <p:style>
+          <a:lnRef idx="1">
+            <a:schemeClr val="dk1"/>
+          </a:lnRef>
+          <a:fillRef idx="0">
+            <a:schemeClr val="dk1"/>
+          </a:fillRef>
+          <a:effectRef idx="0">
+            <a:schemeClr val="dk1"/>
+          </a:effectRef>
+          <a:fontRef idx="minor">
+            <a:schemeClr val="tx1"/>
+          </a:fontRef>
+        </p:style>
+      </p:cxnSp>
+      <p:sp>
+        <p:nvSpPr>
+          <p:cNvPr id="5" name="Textfeld 4"/>
           <p:cNvSpPr txBox="1"/>
           <p:nvPr/>
         </p:nvSpPr>
         <p:spPr>
           <a:xfrm>
-            <a:off x="9521493" y="5038910"/>
-            <a:ext cx="2670507" cy="1600438"/>
+            <a:off x="4226100" y="5713565"/>
+            <a:ext cx="4295519" cy="284693"/>
+          </a:xfrm>
+          <a:prstGeom prst="rect">
+            <a:avLst/>
+          </a:prstGeom>
+          <a:solidFill>
+            <a:schemeClr val="bg1"/>
+          </a:solidFill>
+        </p:spPr>
+        <p:txBody>
+          <a:bodyPr wrap="square" rtlCol="0">
+            <a:spAutoFit/>
+          </a:bodyPr>
+          <a:lstStyle/>
+          <a:p>
+            <a:pPr algn="ctr">
+              <a:lnSpc>
+                <a:spcPts val="1500"/>
+              </a:lnSpc>
+            </a:pPr>
+            <a:r>
+              <a:rPr lang="en-US" sz="1200" dirty="0" smtClean="0">
+                <a:latin typeface="Helvetica" pitchFamily="2" charset="0"/>
+              </a:rPr>
+              <a:t>BPAD [years]</a:t>
+            </a:r>
+            <a:endParaRPr lang="en-US" sz="1200" dirty="0">
+              <a:latin typeface="Helvetica" pitchFamily="2" charset="0"/>
+            </a:endParaRPr>
+          </a:p>
+        </p:txBody>
+      </p:sp>
+      <p:grpSp>
+        <p:nvGrpSpPr>
+          <p:cNvPr id="6" name="Gruppieren 5"/>
+          <p:cNvGrpSpPr/>
+          <p:nvPr/>
+        </p:nvGrpSpPr>
+        <p:grpSpPr>
+          <a:xfrm>
+            <a:off x="4226100" y="6042411"/>
+            <a:ext cx="4548969" cy="710674"/>
+            <a:chOff x="3830958" y="6078343"/>
+            <a:chExt cx="4548969" cy="710674"/>
+          </a:xfrm>
+        </p:grpSpPr>
+        <p:grpSp>
+          <p:nvGrpSpPr>
+            <p:cNvPr id="7" name="Gruppieren 6"/>
+            <p:cNvGrpSpPr/>
+            <p:nvPr/>
+          </p:nvGrpSpPr>
+          <p:grpSpPr>
+            <a:xfrm>
+              <a:off x="3830958" y="6119603"/>
+              <a:ext cx="2379620" cy="669414"/>
+              <a:chOff x="3103141" y="6113591"/>
+              <a:chExt cx="2379620" cy="669414"/>
+            </a:xfrm>
+          </p:grpSpPr>
+          <p:sp>
+            <p:nvSpPr>
+              <p:cNvPr id="16" name="Textfeld 15"/>
+              <p:cNvSpPr txBox="1"/>
+              <p:nvPr/>
+            </p:nvSpPr>
+            <p:spPr>
+              <a:xfrm>
+                <a:off x="4587582" y="6113591"/>
+                <a:ext cx="895179" cy="669414"/>
+              </a:xfrm>
+              <a:prstGeom prst="rect">
+                <a:avLst/>
+              </a:prstGeom>
+              <a:solidFill>
+                <a:schemeClr val="bg1"/>
+              </a:solidFill>
+            </p:spPr>
+            <p:txBody>
+              <a:bodyPr wrap="square" rtlCol="0">
+                <a:spAutoFit/>
+              </a:bodyPr>
+              <a:lstStyle/>
+              <a:p>
+                <a:pPr>
+                  <a:lnSpc>
+                    <a:spcPts val="1500"/>
+                  </a:lnSpc>
+                </a:pPr>
+                <a:r>
+                  <a:rPr lang="en-US" sz="1200" dirty="0" smtClean="0">
+                    <a:latin typeface="Helvetica" pitchFamily="2" charset="0"/>
+                  </a:rPr>
+                  <a:t>CN</a:t>
+                </a:r>
+              </a:p>
+              <a:p>
+                <a:pPr>
+                  <a:lnSpc>
+                    <a:spcPts val="1500"/>
+                  </a:lnSpc>
+                </a:pPr>
+                <a:r>
+                  <a:rPr lang="en-US" sz="1200" dirty="0" smtClean="0">
+                    <a:latin typeface="Helvetica" pitchFamily="2" charset="0"/>
+                  </a:rPr>
+                  <a:t>MCI</a:t>
+                </a:r>
+              </a:p>
+              <a:p>
+                <a:pPr>
+                  <a:lnSpc>
+                    <a:spcPts val="1500"/>
+                  </a:lnSpc>
+                </a:pPr>
+                <a:r>
+                  <a:rPr lang="en-US" sz="1200" dirty="0" smtClean="0">
+                    <a:latin typeface="Helvetica" pitchFamily="2" charset="0"/>
+                  </a:rPr>
+                  <a:t>AD</a:t>
+                </a:r>
+              </a:p>
+            </p:txBody>
+          </p:sp>
+          <p:sp>
+            <p:nvSpPr>
+              <p:cNvPr id="17" name="Textfeld 16"/>
+              <p:cNvSpPr txBox="1"/>
+              <p:nvPr/>
+            </p:nvSpPr>
+            <p:spPr>
+              <a:xfrm>
+                <a:off x="3103141" y="6311563"/>
+                <a:ext cx="1370579" cy="297517"/>
+              </a:xfrm>
+              <a:prstGeom prst="rect">
+                <a:avLst/>
+              </a:prstGeom>
+              <a:solidFill>
+                <a:schemeClr val="bg1"/>
+              </a:solidFill>
+            </p:spPr>
+            <p:txBody>
+              <a:bodyPr wrap="square" rtlCol="0">
+                <a:spAutoFit/>
+              </a:bodyPr>
+              <a:lstStyle/>
+              <a:p>
+                <a:pPr algn="r">
+                  <a:lnSpc>
+                    <a:spcPts val="1600"/>
+                  </a:lnSpc>
+                </a:pPr>
+                <a:r>
+                  <a:rPr lang="en-US" sz="1200" dirty="0" smtClean="0">
+                    <a:latin typeface="Helvetica" pitchFamily="2" charset="0"/>
+                  </a:rPr>
+                  <a:t>DX after 2 years</a:t>
+                </a:r>
+                <a:endParaRPr lang="en-US" sz="1200" dirty="0">
+                  <a:latin typeface="Helvetica" pitchFamily="2" charset="0"/>
+                </a:endParaRPr>
+              </a:p>
+            </p:txBody>
+          </p:sp>
+        </p:grpSp>
+        <p:pic>
+          <p:nvPicPr>
+            <p:cNvPr id="8" name="Grafik 7"/>
+            <p:cNvPicPr>
+              <a:picLocks noChangeAspect="1"/>
+            </p:cNvPicPr>
+            <p:nvPr/>
+          </p:nvPicPr>
+          <p:blipFill rotWithShape="1">
+            <a:blip r:embed="rId4" cstate="print">
+              <a:extLst>
+                <a:ext uri="{28A0092B-C50C-407E-A947-70E740481C1C}">
+                  <a14:useLocalDpi xmlns:a14="http://schemas.microsoft.com/office/drawing/2010/main" val="0"/>
+                </a:ext>
+              </a:extLst>
+            </a:blip>
+            <a:srcRect l="83389" t="44538" r="14734" b="52697"/>
+            <a:stretch/>
+          </p:blipFill>
+          <p:spPr>
+            <a:xfrm>
+              <a:off x="5188165" y="6078343"/>
+              <a:ext cx="165704" cy="244090"/>
+            </a:xfrm>
+            <a:prstGeom prst="rect">
+              <a:avLst/>
+            </a:prstGeom>
+          </p:spPr>
+        </p:pic>
+        <p:sp>
+          <p:nvSpPr>
+            <p:cNvPr id="10" name="Rechteck 9"/>
+            <p:cNvSpPr/>
+            <p:nvPr/>
+          </p:nvSpPr>
+          <p:spPr>
+            <a:xfrm>
+              <a:off x="5223309" y="6388141"/>
+              <a:ext cx="93983" cy="88455"/>
+            </a:xfrm>
+            <a:prstGeom prst="rect">
+              <a:avLst/>
+            </a:prstGeom>
+            <a:solidFill>
+              <a:srgbClr val="CCD3CC"/>
+            </a:solidFill>
+            <a:ln>
+              <a:noFill/>
+            </a:ln>
+          </p:spPr>
+          <p:style>
+            <a:lnRef idx="2">
+              <a:schemeClr val="accent1">
+                <a:shade val="50000"/>
+              </a:schemeClr>
+            </a:lnRef>
+            <a:fillRef idx="1">
+              <a:schemeClr val="accent1"/>
+            </a:fillRef>
+            <a:effectRef idx="0">
+              <a:schemeClr val="accent1"/>
+            </a:effectRef>
+            <a:fontRef idx="minor">
+              <a:schemeClr val="lt1"/>
+            </a:fontRef>
+          </p:style>
+          <p:txBody>
+            <a:bodyPr rtlCol="0" anchor="ctr"/>
+            <a:lstStyle/>
+            <a:p>
+              <a:pPr algn="ctr"/>
+              <a:endParaRPr lang="en-US"/>
+            </a:p>
+          </p:txBody>
+        </p:sp>
+        <p:sp>
+          <p:nvSpPr>
+            <p:cNvPr id="11" name="Ellipse 10"/>
+            <p:cNvSpPr/>
+            <p:nvPr/>
+          </p:nvSpPr>
+          <p:spPr>
+            <a:xfrm>
+              <a:off x="7402202" y="6214673"/>
+              <a:ext cx="82550" cy="82550"/>
+            </a:xfrm>
+            <a:prstGeom prst="ellipse">
+              <a:avLst/>
+            </a:prstGeom>
+            <a:solidFill>
+              <a:srgbClr val="87CEFA"/>
+            </a:solidFill>
+            <a:ln>
+              <a:noFill/>
+            </a:ln>
+          </p:spPr>
+          <p:style>
+            <a:lnRef idx="2">
+              <a:schemeClr val="accent1">
+                <a:shade val="50000"/>
+              </a:schemeClr>
+            </a:lnRef>
+            <a:fillRef idx="1">
+              <a:schemeClr val="accent1"/>
+            </a:fillRef>
+            <a:effectRef idx="0">
+              <a:schemeClr val="accent1"/>
+            </a:effectRef>
+            <a:fontRef idx="minor">
+              <a:schemeClr val="lt1"/>
+            </a:fontRef>
+          </p:style>
+          <p:txBody>
+            <a:bodyPr rtlCol="0" anchor="ctr"/>
+            <a:lstStyle/>
+            <a:p>
+              <a:pPr algn="ctr"/>
+              <a:endParaRPr lang="en-US"/>
+            </a:p>
+          </p:txBody>
+        </p:sp>
+        <p:sp>
+          <p:nvSpPr>
+            <p:cNvPr id="12" name="Ellipse 11"/>
+            <p:cNvSpPr/>
+            <p:nvPr/>
+          </p:nvSpPr>
+          <p:spPr>
+            <a:xfrm>
+              <a:off x="7402198" y="6385597"/>
+              <a:ext cx="82550" cy="82550"/>
+            </a:xfrm>
+            <a:prstGeom prst="ellipse">
+              <a:avLst/>
+            </a:prstGeom>
+            <a:solidFill>
+              <a:srgbClr val="FFAE60"/>
+            </a:solidFill>
+            <a:ln>
+              <a:noFill/>
+            </a:ln>
+          </p:spPr>
+          <p:style>
+            <a:lnRef idx="2">
+              <a:schemeClr val="accent1">
+                <a:shade val="50000"/>
+              </a:schemeClr>
+            </a:lnRef>
+            <a:fillRef idx="1">
+              <a:schemeClr val="accent1"/>
+            </a:fillRef>
+            <a:effectRef idx="0">
+              <a:schemeClr val="accent1"/>
+            </a:effectRef>
+            <a:fontRef idx="minor">
+              <a:schemeClr val="lt1"/>
+            </a:fontRef>
+          </p:style>
+          <p:txBody>
+            <a:bodyPr rtlCol="0" anchor="ctr"/>
+            <a:lstStyle/>
+            <a:p>
+              <a:pPr algn="ctr"/>
+              <a:endParaRPr lang="en-US"/>
+            </a:p>
+          </p:txBody>
+        </p:sp>
+        <p:sp>
+          <p:nvSpPr>
+            <p:cNvPr id="13" name="Ellipse 12"/>
+            <p:cNvSpPr/>
+            <p:nvPr/>
+          </p:nvSpPr>
+          <p:spPr>
+            <a:xfrm>
+              <a:off x="7402198" y="6556521"/>
+              <a:ext cx="82550" cy="82550"/>
+            </a:xfrm>
+            <a:prstGeom prst="ellipse">
+              <a:avLst/>
+            </a:prstGeom>
+            <a:solidFill>
+              <a:srgbClr val="945517"/>
+            </a:solidFill>
+            <a:ln>
+              <a:noFill/>
+            </a:ln>
+          </p:spPr>
+          <p:style>
+            <a:lnRef idx="2">
+              <a:schemeClr val="accent1">
+                <a:shade val="50000"/>
+              </a:schemeClr>
+            </a:lnRef>
+            <a:fillRef idx="1">
+              <a:schemeClr val="accent1"/>
+            </a:fillRef>
+            <a:effectRef idx="0">
+              <a:schemeClr val="accent1"/>
+            </a:effectRef>
+            <a:fontRef idx="minor">
+              <a:schemeClr val="lt1"/>
+            </a:fontRef>
+          </p:style>
+          <p:txBody>
+            <a:bodyPr rtlCol="0" anchor="ctr"/>
+            <a:lstStyle/>
+            <a:p>
+              <a:pPr algn="ctr"/>
+              <a:endParaRPr lang="en-US"/>
+            </a:p>
+          </p:txBody>
+        </p:sp>
+        <p:sp>
+          <p:nvSpPr>
+            <p:cNvPr id="14" name="Textfeld 13"/>
+            <p:cNvSpPr txBox="1"/>
+            <p:nvPr/>
+          </p:nvSpPr>
+          <p:spPr>
+            <a:xfrm>
+              <a:off x="5916485" y="6323018"/>
+              <a:ext cx="1370579" cy="281552"/>
+            </a:xfrm>
+            <a:prstGeom prst="rect">
+              <a:avLst/>
+            </a:prstGeom>
+            <a:solidFill>
+              <a:schemeClr val="bg1"/>
+            </a:solidFill>
+          </p:spPr>
+          <p:txBody>
+            <a:bodyPr wrap="square" rtlCol="0">
+              <a:spAutoFit/>
+            </a:bodyPr>
+            <a:lstStyle/>
+            <a:p>
+              <a:pPr algn="r">
+                <a:lnSpc>
+                  <a:spcPts val="1600"/>
+                </a:lnSpc>
+              </a:pPr>
+              <a:r>
+                <a:rPr lang="en-US" sz="1200" dirty="0" smtClean="0">
+                  <a:latin typeface="Helvetica" pitchFamily="2" charset="0"/>
+                </a:rPr>
+                <a:t>APOE-</a:t>
+              </a:r>
+              <a:r>
+                <a:rPr lang="el-GR" sz="1200" dirty="0" smtClean="0">
+                  <a:latin typeface="Helvetica" pitchFamily="2" charset="0"/>
+                </a:rPr>
+                <a:t>ε</a:t>
+              </a:r>
+              <a:r>
+                <a:rPr lang="de-DE" sz="1200" dirty="0" smtClean="0">
+                  <a:latin typeface="Helvetica" pitchFamily="2" charset="0"/>
+                </a:rPr>
+                <a:t>4 alleles</a:t>
+              </a:r>
+              <a:endParaRPr lang="en-US" sz="1200" dirty="0">
+                <a:latin typeface="Helvetica" pitchFamily="2" charset="0"/>
+              </a:endParaRPr>
+            </a:p>
+          </p:txBody>
+        </p:sp>
+        <p:sp>
+          <p:nvSpPr>
+            <p:cNvPr id="15" name="Textfeld 14"/>
+            <p:cNvSpPr txBox="1"/>
+            <p:nvPr/>
+          </p:nvSpPr>
+          <p:spPr>
+            <a:xfrm>
+              <a:off x="7484748" y="6119603"/>
+              <a:ext cx="895179" cy="669414"/>
+            </a:xfrm>
+            <a:prstGeom prst="rect">
+              <a:avLst/>
+            </a:prstGeom>
+            <a:solidFill>
+              <a:schemeClr val="bg1"/>
+            </a:solidFill>
+          </p:spPr>
+          <p:txBody>
+            <a:bodyPr wrap="square" rtlCol="0">
+              <a:spAutoFit/>
+            </a:bodyPr>
+            <a:lstStyle/>
+            <a:p>
+              <a:pPr>
+                <a:lnSpc>
+                  <a:spcPts val="1500"/>
+                </a:lnSpc>
+              </a:pPr>
+              <a:r>
+                <a:rPr lang="en-US" sz="1200" dirty="0" smtClean="0">
+                  <a:latin typeface="Helvetica" pitchFamily="2" charset="0"/>
+                </a:rPr>
+                <a:t>0</a:t>
+              </a:r>
+            </a:p>
+            <a:p>
+              <a:pPr>
+                <a:lnSpc>
+                  <a:spcPts val="1500"/>
+                </a:lnSpc>
+              </a:pPr>
+              <a:r>
+                <a:rPr lang="en-US" sz="1200" dirty="0" smtClean="0">
+                  <a:latin typeface="Helvetica" pitchFamily="2" charset="0"/>
+                </a:rPr>
+                <a:t>1</a:t>
+              </a:r>
+            </a:p>
+            <a:p>
+              <a:pPr>
+                <a:lnSpc>
+                  <a:spcPts val="1500"/>
+                </a:lnSpc>
+              </a:pPr>
+              <a:r>
+                <a:rPr lang="en-US" sz="1200" dirty="0" smtClean="0">
+                  <a:latin typeface="Helvetica" pitchFamily="2" charset="0"/>
+                </a:rPr>
+                <a:t>2</a:t>
+              </a:r>
+            </a:p>
+          </p:txBody>
+        </p:sp>
+      </p:grpSp>
+      <p:sp>
+        <p:nvSpPr>
+          <p:cNvPr id="18" name="Textfeld 17"/>
+          <p:cNvSpPr txBox="1"/>
+          <p:nvPr/>
+        </p:nvSpPr>
+        <p:spPr>
+          <a:xfrm>
+            <a:off x="4397829" y="555171"/>
+            <a:ext cx="1632857" cy="461665"/>
           </a:xfrm>
           <a:prstGeom prst="rect">
             <a:avLst/>
@@ -6301,99 +10460,1334 @@
           <a:lstStyle/>
           <a:p>
             <a:r>
-              <a:rPr lang="en-US" sz="1400" dirty="0" smtClean="0"/>
-              <a:t>CN</a:t>
-            </a:r>
-          </a:p>
-          <a:p>
-            <a:r>
-              <a:rPr lang="en-US" sz="1400" dirty="0" smtClean="0"/>
-              <a:t>FDG</a:t>
-            </a:r>
-          </a:p>
-          <a:p>
-            <a:r>
-              <a:rPr lang="en-US" sz="1400" dirty="0" smtClean="0"/>
-              <a:t>Full dataset</a:t>
-            </a:r>
-          </a:p>
-          <a:p>
-            <a:r>
-              <a:rPr lang="en-US" sz="1400" dirty="0" smtClean="0"/>
-              <a:t>P = 0.07g</a:t>
-            </a:r>
-          </a:p>
-          <a:p>
-            <a:r>
-              <a:rPr lang="en-US" sz="1400" dirty="0" smtClean="0"/>
-              <a:t>ROC = 57%</a:t>
-            </a:r>
-          </a:p>
-          <a:p>
-            <a:r>
-              <a:rPr lang="en-US" sz="1400" dirty="0" smtClean="0"/>
-              <a:t>OR</a:t>
-            </a:r>
-            <a:r>
-              <a:rPr lang="en-US" sz="1400" baseline="-25000" dirty="0" smtClean="0"/>
-              <a:t>FDG</a:t>
-            </a:r>
-            <a:r>
-              <a:rPr lang="en-US" sz="1400" dirty="0" smtClean="0"/>
-              <a:t>= 0.785 [0.59 – 1.003]</a:t>
-            </a:r>
-          </a:p>
-          <a:p>
-            <a:r>
-              <a:rPr lang="en-US" sz="1400" dirty="0" err="1" smtClean="0"/>
-              <a:t>OR</a:t>
-            </a:r>
-            <a:r>
-              <a:rPr lang="en-US" sz="1400" baseline="-25000" dirty="0" err="1" smtClean="0"/>
-              <a:t>APOEc</a:t>
-            </a:r>
-            <a:r>
-              <a:rPr lang="en-US" sz="1400" dirty="0" smtClean="0"/>
-              <a:t> = ns</a:t>
-            </a:r>
-            <a:endParaRPr lang="en-US" sz="1400" dirty="0"/>
-          </a:p>
-        </p:txBody>
-      </p:sp>
-      <p:pic>
-        <p:nvPicPr>
-          <p:cNvPr id="3" name="Grafik 2"/>
-          <p:cNvPicPr>
-            <a:picLocks noChangeAspect="1"/>
-          </p:cNvPicPr>
+              <a:rPr lang="en-US" sz="2400" b="1" dirty="0" smtClean="0">
+                <a:solidFill>
+                  <a:srgbClr val="E0E0E0"/>
+                </a:solidFill>
+              </a:rPr>
+              <a:t>Sample 2</a:t>
+            </a:r>
+            <a:endParaRPr lang="en-US" sz="2400" b="1" dirty="0">
+              <a:solidFill>
+                <a:srgbClr val="E0E0E0"/>
+              </a:solidFill>
+            </a:endParaRPr>
+          </a:p>
+        </p:txBody>
+      </p:sp>
+      <p:sp>
+        <p:nvSpPr>
+          <p:cNvPr id="20" name="Textfeld 19"/>
+          <p:cNvSpPr txBox="1"/>
           <p:nvPr/>
-        </p:nvPicPr>
-        <p:blipFill>
-          <a:blip r:embed="rId2" cstate="print">
-            <a:extLst>
-              <a:ext uri="{28A0092B-C50C-407E-A947-70E740481C1C}">
-                <a14:useLocalDpi xmlns:a14="http://schemas.microsoft.com/office/drawing/2010/main" val="0"/>
-              </a:ext>
-            </a:extLst>
-          </a:blip>
-          <a:stretch>
-            <a:fillRect/>
-          </a:stretch>
-        </p:blipFill>
+        </p:nvSpPr>
         <p:spPr>
-          <a:xfrm>
-            <a:off x="3309257" y="957941"/>
-            <a:ext cx="5464629" cy="5464629"/>
+          <a:xfrm rot="16200000">
+            <a:off x="973259" y="2808809"/>
+            <a:ext cx="5469060" cy="284693"/>
           </a:xfrm>
           <a:prstGeom prst="rect">
             <a:avLst/>
           </a:prstGeom>
+          <a:solidFill>
+            <a:schemeClr val="bg1"/>
+          </a:solidFill>
         </p:spPr>
-      </p:pic>
+        <p:txBody>
+          <a:bodyPr wrap="square" rtlCol="0">
+            <a:spAutoFit/>
+          </a:bodyPr>
+          <a:lstStyle/>
+          <a:p>
+            <a:pPr algn="ctr">
+              <a:lnSpc>
+                <a:spcPts val="1500"/>
+              </a:lnSpc>
+            </a:pPr>
+            <a:r>
+              <a:rPr lang="de-DE" sz="1200" dirty="0" err="1" smtClean="0">
+                <a:latin typeface="Helvetica" pitchFamily="2" charset="0"/>
+              </a:rPr>
+              <a:t>Probability</a:t>
+            </a:r>
+            <a:r>
+              <a:rPr lang="de-DE" sz="1200" dirty="0" smtClean="0">
+                <a:latin typeface="Helvetica" pitchFamily="2" charset="0"/>
+              </a:rPr>
+              <a:t> </a:t>
+            </a:r>
+            <a:r>
+              <a:rPr lang="de-DE" sz="1200" dirty="0" err="1" smtClean="0">
+                <a:latin typeface="Helvetica" pitchFamily="2" charset="0"/>
+              </a:rPr>
+              <a:t>of</a:t>
+            </a:r>
+            <a:r>
+              <a:rPr lang="de-DE" sz="1200" dirty="0" smtClean="0">
+                <a:latin typeface="Helvetica" pitchFamily="2" charset="0"/>
+              </a:rPr>
+              <a:t> </a:t>
+            </a:r>
+            <a:r>
+              <a:rPr lang="de-DE" sz="1200" dirty="0" err="1" smtClean="0">
+                <a:latin typeface="Helvetica" pitchFamily="2" charset="0"/>
+              </a:rPr>
+              <a:t>Disease</a:t>
+            </a:r>
+            <a:r>
+              <a:rPr lang="de-DE" sz="1200" dirty="0" smtClean="0">
+                <a:latin typeface="Helvetica" pitchFamily="2" charset="0"/>
+              </a:rPr>
+              <a:t> Progression </a:t>
+            </a:r>
+            <a:r>
+              <a:rPr lang="de-DE" sz="1200" dirty="0" smtClean="0">
+                <a:latin typeface="Helvetica" pitchFamily="2" charset="0"/>
+              </a:rPr>
+              <a:t>[%]</a:t>
+            </a:r>
+            <a:endParaRPr lang="en-US" sz="1200" baseline="-25000" dirty="0">
+              <a:latin typeface="Helvetica" pitchFamily="2" charset="0"/>
+            </a:endParaRPr>
+          </a:p>
+        </p:txBody>
+      </p:sp>
+      <p:sp>
+        <p:nvSpPr>
+          <p:cNvPr id="21" name="Rechteck 20"/>
+          <p:cNvSpPr/>
+          <p:nvPr/>
+        </p:nvSpPr>
+        <p:spPr>
+          <a:xfrm rot="18900000">
+            <a:off x="5623234" y="6555614"/>
+            <a:ext cx="82522" cy="82522"/>
+          </a:xfrm>
+          <a:prstGeom prst="rect">
+            <a:avLst/>
+          </a:prstGeom>
+          <a:solidFill>
+            <a:srgbClr val="CCD3CC"/>
+          </a:solidFill>
+          <a:ln>
+            <a:noFill/>
+          </a:ln>
+        </p:spPr>
+        <p:style>
+          <a:lnRef idx="2">
+            <a:schemeClr val="accent1">
+              <a:shade val="50000"/>
+            </a:schemeClr>
+          </a:lnRef>
+          <a:fillRef idx="1">
+            <a:schemeClr val="accent1"/>
+          </a:fillRef>
+          <a:effectRef idx="0">
+            <a:schemeClr val="accent1"/>
+          </a:effectRef>
+          <a:fontRef idx="minor">
+            <a:schemeClr val="lt1"/>
+          </a:fontRef>
+        </p:style>
+        <p:txBody>
+          <a:bodyPr rtlCol="0" anchor="ctr"/>
+          <a:lstStyle/>
+          <a:p>
+            <a:pPr algn="ctr"/>
+            <a:endParaRPr lang="en-US"/>
+          </a:p>
+        </p:txBody>
+      </p:sp>
     </p:spTree>
     <p:extLst>
       <p:ext uri="{BB962C8B-B14F-4D97-AF65-F5344CB8AC3E}">
-        <p14:creationId xmlns:p14="http://schemas.microsoft.com/office/powerpoint/2010/main" val="385354487"/>
+        <p14:creationId xmlns:p14="http://schemas.microsoft.com/office/powerpoint/2010/main" val="2785877852"/>
+      </p:ext>
+    </p:extLst>
+  </p:cSld>
+  <p:clrMapOvr>
+    <a:masterClrMapping/>
+  </p:clrMapOvr>
+</p:sld>
+</file>
+
+<file path=ppt/slides/slide9.xml><?xml version="1.0" encoding="utf-8"?>
+<p:sld xmlns:a="http://schemas.openxmlformats.org/drawingml/2006/main" xmlns:r="http://schemas.openxmlformats.org/officeDocument/2006/relationships" xmlns:p="http://schemas.openxmlformats.org/presentationml/2006/main">
+  <p:cSld>
+    <p:spTree>
+      <p:nvGrpSpPr>
+        <p:cNvPr id="1" name=""/>
+        <p:cNvGrpSpPr/>
+        <p:nvPr/>
+      </p:nvGrpSpPr>
+      <p:grpSpPr>
+        <a:xfrm>
+          <a:off x="0" y="0"/>
+          <a:ext cx="0" cy="0"/>
+          <a:chOff x="0" y="0"/>
+          <a:chExt cx="0" cy="0"/>
+        </a:xfrm>
+      </p:grpSpPr>
+      <p:grpSp>
+        <p:nvGrpSpPr>
+          <p:cNvPr id="4" name="Gruppieren 3"/>
+          <p:cNvGrpSpPr/>
+          <p:nvPr/>
+        </p:nvGrpSpPr>
+        <p:grpSpPr>
+          <a:xfrm>
+            <a:off x="4082718" y="6004621"/>
+            <a:ext cx="4548969" cy="710674"/>
+            <a:chOff x="3830958" y="6078343"/>
+            <a:chExt cx="4548969" cy="710674"/>
+          </a:xfrm>
+        </p:grpSpPr>
+        <p:grpSp>
+          <p:nvGrpSpPr>
+            <p:cNvPr id="5" name="Gruppieren 4"/>
+            <p:cNvGrpSpPr/>
+            <p:nvPr/>
+          </p:nvGrpSpPr>
+          <p:grpSpPr>
+            <a:xfrm>
+              <a:off x="3830958" y="6119603"/>
+              <a:ext cx="2379620" cy="669414"/>
+              <a:chOff x="3103141" y="6113591"/>
+              <a:chExt cx="2379620" cy="669414"/>
+            </a:xfrm>
+          </p:grpSpPr>
+          <p:sp>
+            <p:nvSpPr>
+              <p:cNvPr id="13" name="Textfeld 12"/>
+              <p:cNvSpPr txBox="1"/>
+              <p:nvPr/>
+            </p:nvSpPr>
+            <p:spPr>
+              <a:xfrm>
+                <a:off x="4587582" y="6113591"/>
+                <a:ext cx="895179" cy="669414"/>
+              </a:xfrm>
+              <a:prstGeom prst="rect">
+                <a:avLst/>
+              </a:prstGeom>
+              <a:solidFill>
+                <a:schemeClr val="bg1"/>
+              </a:solidFill>
+            </p:spPr>
+            <p:txBody>
+              <a:bodyPr wrap="square" rtlCol="0">
+                <a:spAutoFit/>
+              </a:bodyPr>
+              <a:lstStyle/>
+              <a:p>
+                <a:pPr>
+                  <a:lnSpc>
+                    <a:spcPts val="1500"/>
+                  </a:lnSpc>
+                </a:pPr>
+                <a:r>
+                  <a:rPr lang="en-US" sz="1200" dirty="0" smtClean="0">
+                    <a:latin typeface="Helvetica" pitchFamily="2" charset="0"/>
+                  </a:rPr>
+                  <a:t>CN</a:t>
+                </a:r>
+              </a:p>
+              <a:p>
+                <a:pPr>
+                  <a:lnSpc>
+                    <a:spcPts val="1500"/>
+                  </a:lnSpc>
+                </a:pPr>
+                <a:r>
+                  <a:rPr lang="en-US" sz="1200" dirty="0" smtClean="0">
+                    <a:latin typeface="Helvetica" pitchFamily="2" charset="0"/>
+                  </a:rPr>
+                  <a:t>MCI</a:t>
+                </a:r>
+              </a:p>
+              <a:p>
+                <a:pPr>
+                  <a:lnSpc>
+                    <a:spcPts val="1500"/>
+                  </a:lnSpc>
+                </a:pPr>
+                <a:r>
+                  <a:rPr lang="en-US" sz="1200" dirty="0" smtClean="0">
+                    <a:latin typeface="Helvetica" pitchFamily="2" charset="0"/>
+                  </a:rPr>
+                  <a:t>AD</a:t>
+                </a:r>
+              </a:p>
+            </p:txBody>
+          </p:sp>
+          <p:sp>
+            <p:nvSpPr>
+              <p:cNvPr id="14" name="Textfeld 13"/>
+              <p:cNvSpPr txBox="1"/>
+              <p:nvPr/>
+            </p:nvSpPr>
+            <p:spPr>
+              <a:xfrm>
+                <a:off x="3103141" y="6311563"/>
+                <a:ext cx="1370579" cy="297517"/>
+              </a:xfrm>
+              <a:prstGeom prst="rect">
+                <a:avLst/>
+              </a:prstGeom>
+              <a:solidFill>
+                <a:schemeClr val="bg1"/>
+              </a:solidFill>
+            </p:spPr>
+            <p:txBody>
+              <a:bodyPr wrap="square" rtlCol="0">
+                <a:spAutoFit/>
+              </a:bodyPr>
+              <a:lstStyle/>
+              <a:p>
+                <a:pPr algn="r">
+                  <a:lnSpc>
+                    <a:spcPts val="1600"/>
+                  </a:lnSpc>
+                </a:pPr>
+                <a:r>
+                  <a:rPr lang="en-US" sz="1200" dirty="0" smtClean="0">
+                    <a:latin typeface="Helvetica" pitchFamily="2" charset="0"/>
+                  </a:rPr>
+                  <a:t>DX after 2 years</a:t>
+                </a:r>
+                <a:endParaRPr lang="en-US" sz="1200" dirty="0">
+                  <a:latin typeface="Helvetica" pitchFamily="2" charset="0"/>
+                </a:endParaRPr>
+              </a:p>
+            </p:txBody>
+          </p:sp>
+        </p:grpSp>
+        <p:pic>
+          <p:nvPicPr>
+            <p:cNvPr id="6" name="Grafik 5"/>
+            <p:cNvPicPr>
+              <a:picLocks noChangeAspect="1"/>
+            </p:cNvPicPr>
+            <p:nvPr/>
+          </p:nvPicPr>
+          <p:blipFill rotWithShape="1">
+            <a:blip r:embed="rId3" cstate="print">
+              <a:extLst>
+                <a:ext uri="{28A0092B-C50C-407E-A947-70E740481C1C}">
+                  <a14:useLocalDpi xmlns:a14="http://schemas.microsoft.com/office/drawing/2010/main" val="0"/>
+                </a:ext>
+              </a:extLst>
+            </a:blip>
+            <a:srcRect l="83389" t="44538" r="14734" b="52697"/>
+            <a:stretch/>
+          </p:blipFill>
+          <p:spPr>
+            <a:xfrm>
+              <a:off x="5188165" y="6078343"/>
+              <a:ext cx="165704" cy="244090"/>
+            </a:xfrm>
+            <a:prstGeom prst="rect">
+              <a:avLst/>
+            </a:prstGeom>
+          </p:spPr>
+        </p:pic>
+        <p:sp>
+          <p:nvSpPr>
+            <p:cNvPr id="7" name="Rechteck 6"/>
+            <p:cNvSpPr/>
+            <p:nvPr/>
+          </p:nvSpPr>
+          <p:spPr>
+            <a:xfrm>
+              <a:off x="5223309" y="6388141"/>
+              <a:ext cx="93983" cy="88455"/>
+            </a:xfrm>
+            <a:prstGeom prst="rect">
+              <a:avLst/>
+            </a:prstGeom>
+            <a:solidFill>
+              <a:srgbClr val="CCD3CC"/>
+            </a:solidFill>
+            <a:ln>
+              <a:noFill/>
+            </a:ln>
+          </p:spPr>
+          <p:style>
+            <a:lnRef idx="2">
+              <a:schemeClr val="accent1">
+                <a:shade val="50000"/>
+              </a:schemeClr>
+            </a:lnRef>
+            <a:fillRef idx="1">
+              <a:schemeClr val="accent1"/>
+            </a:fillRef>
+            <a:effectRef idx="0">
+              <a:schemeClr val="accent1"/>
+            </a:effectRef>
+            <a:fontRef idx="minor">
+              <a:schemeClr val="lt1"/>
+            </a:fontRef>
+          </p:style>
+          <p:txBody>
+            <a:bodyPr rtlCol="0" anchor="ctr"/>
+            <a:lstStyle/>
+            <a:p>
+              <a:pPr algn="ctr"/>
+              <a:endParaRPr lang="en-US"/>
+            </a:p>
+          </p:txBody>
+        </p:sp>
+        <p:sp>
+          <p:nvSpPr>
+            <p:cNvPr id="8" name="Ellipse 7"/>
+            <p:cNvSpPr/>
+            <p:nvPr/>
+          </p:nvSpPr>
+          <p:spPr>
+            <a:xfrm>
+              <a:off x="7402202" y="6214673"/>
+              <a:ext cx="82550" cy="82550"/>
+            </a:xfrm>
+            <a:prstGeom prst="ellipse">
+              <a:avLst/>
+            </a:prstGeom>
+            <a:solidFill>
+              <a:srgbClr val="87CEFA"/>
+            </a:solidFill>
+            <a:ln>
+              <a:noFill/>
+            </a:ln>
+          </p:spPr>
+          <p:style>
+            <a:lnRef idx="2">
+              <a:schemeClr val="accent1">
+                <a:shade val="50000"/>
+              </a:schemeClr>
+            </a:lnRef>
+            <a:fillRef idx="1">
+              <a:schemeClr val="accent1"/>
+            </a:fillRef>
+            <a:effectRef idx="0">
+              <a:schemeClr val="accent1"/>
+            </a:effectRef>
+            <a:fontRef idx="minor">
+              <a:schemeClr val="lt1"/>
+            </a:fontRef>
+          </p:style>
+          <p:txBody>
+            <a:bodyPr rtlCol="0" anchor="ctr"/>
+            <a:lstStyle/>
+            <a:p>
+              <a:pPr algn="ctr"/>
+              <a:endParaRPr lang="en-US"/>
+            </a:p>
+          </p:txBody>
+        </p:sp>
+        <p:sp>
+          <p:nvSpPr>
+            <p:cNvPr id="9" name="Ellipse 8"/>
+            <p:cNvSpPr/>
+            <p:nvPr/>
+          </p:nvSpPr>
+          <p:spPr>
+            <a:xfrm>
+              <a:off x="7402198" y="6385597"/>
+              <a:ext cx="82550" cy="82550"/>
+            </a:xfrm>
+            <a:prstGeom prst="ellipse">
+              <a:avLst/>
+            </a:prstGeom>
+            <a:solidFill>
+              <a:srgbClr val="C4C4C4"/>
+            </a:solidFill>
+            <a:ln>
+              <a:noFill/>
+            </a:ln>
+          </p:spPr>
+          <p:style>
+            <a:lnRef idx="2">
+              <a:schemeClr val="accent1">
+                <a:shade val="50000"/>
+              </a:schemeClr>
+            </a:lnRef>
+            <a:fillRef idx="1">
+              <a:schemeClr val="accent1"/>
+            </a:fillRef>
+            <a:effectRef idx="0">
+              <a:schemeClr val="accent1"/>
+            </a:effectRef>
+            <a:fontRef idx="minor">
+              <a:schemeClr val="lt1"/>
+            </a:fontRef>
+          </p:style>
+          <p:txBody>
+            <a:bodyPr rtlCol="0" anchor="ctr"/>
+            <a:lstStyle/>
+            <a:p>
+              <a:pPr algn="ctr"/>
+              <a:endParaRPr lang="en-US"/>
+            </a:p>
+          </p:txBody>
+        </p:sp>
+        <p:sp>
+          <p:nvSpPr>
+            <p:cNvPr id="10" name="Ellipse 9"/>
+            <p:cNvSpPr/>
+            <p:nvPr/>
+          </p:nvSpPr>
+          <p:spPr>
+            <a:xfrm>
+              <a:off x="7402198" y="6556521"/>
+              <a:ext cx="82550" cy="82550"/>
+            </a:xfrm>
+            <a:prstGeom prst="ellipse">
+              <a:avLst/>
+            </a:prstGeom>
+            <a:solidFill>
+              <a:srgbClr val="FFC000"/>
+            </a:solidFill>
+            <a:ln>
+              <a:noFill/>
+            </a:ln>
+          </p:spPr>
+          <p:style>
+            <a:lnRef idx="2">
+              <a:schemeClr val="accent1">
+                <a:shade val="50000"/>
+              </a:schemeClr>
+            </a:lnRef>
+            <a:fillRef idx="1">
+              <a:schemeClr val="accent1"/>
+            </a:fillRef>
+            <a:effectRef idx="0">
+              <a:schemeClr val="accent1"/>
+            </a:effectRef>
+            <a:fontRef idx="minor">
+              <a:schemeClr val="lt1"/>
+            </a:fontRef>
+          </p:style>
+          <p:txBody>
+            <a:bodyPr rtlCol="0" anchor="ctr"/>
+            <a:lstStyle/>
+            <a:p>
+              <a:pPr algn="ctr"/>
+              <a:endParaRPr lang="en-US"/>
+            </a:p>
+          </p:txBody>
+        </p:sp>
+        <p:sp>
+          <p:nvSpPr>
+            <p:cNvPr id="11" name="Textfeld 10"/>
+            <p:cNvSpPr txBox="1"/>
+            <p:nvPr/>
+          </p:nvSpPr>
+          <p:spPr>
+            <a:xfrm>
+              <a:off x="5916485" y="6323018"/>
+              <a:ext cx="1370579" cy="281552"/>
+            </a:xfrm>
+            <a:prstGeom prst="rect">
+              <a:avLst/>
+            </a:prstGeom>
+            <a:solidFill>
+              <a:schemeClr val="bg1"/>
+            </a:solidFill>
+          </p:spPr>
+          <p:txBody>
+            <a:bodyPr wrap="square" rtlCol="0">
+              <a:spAutoFit/>
+            </a:bodyPr>
+            <a:lstStyle/>
+            <a:p>
+              <a:pPr algn="r">
+                <a:lnSpc>
+                  <a:spcPts val="1600"/>
+                </a:lnSpc>
+              </a:pPr>
+              <a:r>
+                <a:rPr lang="de-DE" sz="1200" dirty="0" smtClean="0">
+                  <a:latin typeface="Helvetica" pitchFamily="2" charset="0"/>
+                </a:rPr>
+                <a:t>A</a:t>
+              </a:r>
+              <a:r>
+                <a:rPr lang="el-GR" sz="1200" dirty="0" smtClean="0">
+                  <a:latin typeface="Helvetica" pitchFamily="2" charset="0"/>
+                </a:rPr>
+                <a:t>β</a:t>
+              </a:r>
+              <a:r>
+                <a:rPr lang="de-DE" sz="1200" dirty="0" smtClean="0">
+                  <a:latin typeface="Helvetica" pitchFamily="2" charset="0"/>
+                </a:rPr>
+                <a:t> </a:t>
+              </a:r>
+              <a:r>
+                <a:rPr lang="de-DE" sz="1200" dirty="0" err="1" smtClean="0">
+                  <a:latin typeface="Helvetica" pitchFamily="2" charset="0"/>
+                </a:rPr>
+                <a:t>status</a:t>
+              </a:r>
+              <a:endParaRPr lang="en-US" sz="1200" dirty="0">
+                <a:latin typeface="Helvetica" pitchFamily="2" charset="0"/>
+              </a:endParaRPr>
+            </a:p>
+          </p:txBody>
+        </p:sp>
+        <p:sp>
+          <p:nvSpPr>
+            <p:cNvPr id="12" name="Textfeld 11"/>
+            <p:cNvSpPr txBox="1"/>
+            <p:nvPr/>
+          </p:nvSpPr>
+          <p:spPr>
+            <a:xfrm>
+              <a:off x="7484748" y="6119603"/>
+              <a:ext cx="895179" cy="669414"/>
+            </a:xfrm>
+            <a:prstGeom prst="rect">
+              <a:avLst/>
+            </a:prstGeom>
+            <a:solidFill>
+              <a:schemeClr val="bg1"/>
+            </a:solidFill>
+          </p:spPr>
+          <p:txBody>
+            <a:bodyPr wrap="square" rtlCol="0">
+              <a:spAutoFit/>
+            </a:bodyPr>
+            <a:lstStyle/>
+            <a:p>
+              <a:pPr>
+                <a:lnSpc>
+                  <a:spcPts val="1500"/>
+                </a:lnSpc>
+              </a:pPr>
+              <a:r>
+                <a:rPr lang="en-US" sz="1200" dirty="0">
+                  <a:latin typeface="Helvetica" pitchFamily="2" charset="0"/>
+                </a:rPr>
+                <a:t>-</a:t>
+              </a:r>
+              <a:endParaRPr lang="en-US" sz="1200" dirty="0" smtClean="0">
+                <a:latin typeface="Helvetica" pitchFamily="2" charset="0"/>
+              </a:endParaRPr>
+            </a:p>
+            <a:p>
+              <a:pPr>
+                <a:lnSpc>
+                  <a:spcPts val="1500"/>
+                </a:lnSpc>
+              </a:pPr>
+              <a:r>
+                <a:rPr lang="en-US" sz="1200" dirty="0" smtClean="0">
+                  <a:latin typeface="Helvetica" pitchFamily="2" charset="0"/>
+                </a:rPr>
+                <a:t>NA</a:t>
+              </a:r>
+              <a:endParaRPr lang="en-US" sz="1200" dirty="0" smtClean="0">
+                <a:latin typeface="Helvetica" pitchFamily="2" charset="0"/>
+              </a:endParaRPr>
+            </a:p>
+            <a:p>
+              <a:pPr>
+                <a:lnSpc>
+                  <a:spcPts val="1500"/>
+                </a:lnSpc>
+              </a:pPr>
+              <a:r>
+                <a:rPr lang="en-US" sz="1200" dirty="0">
+                  <a:latin typeface="Helvetica" pitchFamily="2" charset="0"/>
+                </a:rPr>
+                <a:t>+</a:t>
+              </a:r>
+              <a:endParaRPr lang="en-US" sz="1200" dirty="0" smtClean="0">
+                <a:latin typeface="Helvetica" pitchFamily="2" charset="0"/>
+              </a:endParaRPr>
+            </a:p>
+          </p:txBody>
+        </p:sp>
+      </p:grpSp>
+      <p:sp>
+        <p:nvSpPr>
+          <p:cNvPr id="27" name="Textfeld 26"/>
+          <p:cNvSpPr txBox="1"/>
+          <p:nvPr/>
+        </p:nvSpPr>
+        <p:spPr>
+          <a:xfrm>
+            <a:off x="-61886" y="5761856"/>
+            <a:ext cx="1437336" cy="284693"/>
+          </a:xfrm>
+          <a:prstGeom prst="rect">
+            <a:avLst/>
+          </a:prstGeom>
+          <a:noFill/>
+        </p:spPr>
+        <p:txBody>
+          <a:bodyPr wrap="square" rtlCol="0">
+            <a:spAutoFit/>
+          </a:bodyPr>
+          <a:lstStyle/>
+          <a:p>
+            <a:pPr algn="ctr">
+              <a:lnSpc>
+                <a:spcPts val="1500"/>
+              </a:lnSpc>
+            </a:pPr>
+            <a:r>
+              <a:rPr lang="en-US" dirty="0" smtClean="0">
+                <a:latin typeface="Helvetica" pitchFamily="2" charset="0"/>
+              </a:rPr>
+              <a:t>a)</a:t>
+            </a:r>
+            <a:endParaRPr lang="en-US" dirty="0">
+              <a:latin typeface="Helvetica" pitchFamily="2" charset="0"/>
+            </a:endParaRPr>
+          </a:p>
+        </p:txBody>
+      </p:sp>
+      <p:sp>
+        <p:nvSpPr>
+          <p:cNvPr id="28" name="Textfeld 27"/>
+          <p:cNvSpPr txBox="1"/>
+          <p:nvPr/>
+        </p:nvSpPr>
+        <p:spPr>
+          <a:xfrm>
+            <a:off x="5629815" y="5761856"/>
+            <a:ext cx="1183774" cy="284693"/>
+          </a:xfrm>
+          <a:prstGeom prst="rect">
+            <a:avLst/>
+          </a:prstGeom>
+          <a:noFill/>
+        </p:spPr>
+        <p:txBody>
+          <a:bodyPr wrap="square" rtlCol="0">
+            <a:spAutoFit/>
+          </a:bodyPr>
+          <a:lstStyle/>
+          <a:p>
+            <a:pPr algn="ctr">
+              <a:lnSpc>
+                <a:spcPts val="1500"/>
+              </a:lnSpc>
+            </a:pPr>
+            <a:r>
+              <a:rPr lang="en-US" dirty="0">
+                <a:latin typeface="Helvetica" pitchFamily="2" charset="0"/>
+              </a:rPr>
+              <a:t>b</a:t>
+            </a:r>
+            <a:r>
+              <a:rPr lang="en-US" dirty="0" smtClean="0">
+                <a:latin typeface="Helvetica" pitchFamily="2" charset="0"/>
+              </a:rPr>
+              <a:t>)</a:t>
+            </a:r>
+            <a:endParaRPr lang="en-US" dirty="0">
+              <a:latin typeface="Helvetica" pitchFamily="2" charset="0"/>
+            </a:endParaRPr>
+          </a:p>
+        </p:txBody>
+      </p:sp>
+      <p:sp>
+        <p:nvSpPr>
+          <p:cNvPr id="29" name="Rechteck 28"/>
+          <p:cNvSpPr/>
+          <p:nvPr/>
+        </p:nvSpPr>
+        <p:spPr>
+          <a:xfrm rot="18900000">
+            <a:off x="5482340" y="6502604"/>
+            <a:ext cx="82522" cy="82522"/>
+          </a:xfrm>
+          <a:prstGeom prst="rect">
+            <a:avLst/>
+          </a:prstGeom>
+          <a:solidFill>
+            <a:srgbClr val="CCD3CC"/>
+          </a:solidFill>
+          <a:ln>
+            <a:noFill/>
+          </a:ln>
+        </p:spPr>
+        <p:style>
+          <a:lnRef idx="2">
+            <a:schemeClr val="accent1">
+              <a:shade val="50000"/>
+            </a:schemeClr>
+          </a:lnRef>
+          <a:fillRef idx="1">
+            <a:schemeClr val="accent1"/>
+          </a:fillRef>
+          <a:effectRef idx="0">
+            <a:schemeClr val="accent1"/>
+          </a:effectRef>
+          <a:fontRef idx="minor">
+            <a:schemeClr val="lt1"/>
+          </a:fontRef>
+        </p:style>
+        <p:txBody>
+          <a:bodyPr rtlCol="0" anchor="ctr"/>
+          <a:lstStyle/>
+          <a:p>
+            <a:pPr algn="ctr"/>
+            <a:endParaRPr lang="en-US"/>
+          </a:p>
+        </p:txBody>
+      </p:sp>
+      <p:grpSp>
+        <p:nvGrpSpPr>
+          <p:cNvPr id="36" name="Gruppieren 35"/>
+          <p:cNvGrpSpPr/>
+          <p:nvPr/>
+        </p:nvGrpSpPr>
+        <p:grpSpPr>
+          <a:xfrm>
+            <a:off x="627593" y="334553"/>
+            <a:ext cx="4956177" cy="5781632"/>
+            <a:chOff x="765395" y="334554"/>
+            <a:chExt cx="4956177" cy="5781632"/>
+          </a:xfrm>
+        </p:grpSpPr>
+        <p:pic>
+          <p:nvPicPr>
+            <p:cNvPr id="30" name="Grafik 29"/>
+            <p:cNvPicPr>
+              <a:picLocks noChangeAspect="1"/>
+            </p:cNvPicPr>
+            <p:nvPr/>
+          </p:nvPicPr>
+          <p:blipFill rotWithShape="1">
+            <a:blip r:embed="rId4" cstate="print">
+              <a:extLst>
+                <a:ext uri="{28A0092B-C50C-407E-A947-70E740481C1C}">
+                  <a14:useLocalDpi xmlns:a14="http://schemas.microsoft.com/office/drawing/2010/main" val="0"/>
+                </a:ext>
+              </a:extLst>
+            </a:blip>
+            <a:srcRect l="2361" r="15278"/>
+            <a:stretch/>
+          </p:blipFill>
+          <p:spPr>
+            <a:xfrm>
+              <a:off x="1050089" y="482204"/>
+              <a:ext cx="4531864" cy="5502431"/>
+            </a:xfrm>
+            <a:prstGeom prst="rect">
+              <a:avLst/>
+            </a:prstGeom>
+          </p:spPr>
+        </p:pic>
+        <p:sp>
+          <p:nvSpPr>
+            <p:cNvPr id="31" name="Textfeld 30"/>
+            <p:cNvSpPr txBox="1"/>
+            <p:nvPr/>
+          </p:nvSpPr>
+          <p:spPr>
+            <a:xfrm>
+              <a:off x="1426053" y="5831493"/>
+              <a:ext cx="4295519" cy="284693"/>
+            </a:xfrm>
+            <a:prstGeom prst="rect">
+              <a:avLst/>
+            </a:prstGeom>
+            <a:solidFill>
+              <a:schemeClr val="bg1"/>
+            </a:solidFill>
+          </p:spPr>
+          <p:txBody>
+            <a:bodyPr wrap="square" rtlCol="0">
+              <a:spAutoFit/>
+            </a:bodyPr>
+            <a:lstStyle/>
+            <a:p>
+              <a:pPr algn="ctr">
+                <a:lnSpc>
+                  <a:spcPts val="1500"/>
+                </a:lnSpc>
+              </a:pPr>
+              <a:r>
+                <a:rPr lang="en-US" sz="1200" dirty="0" smtClean="0">
+                  <a:latin typeface="Helvetica" pitchFamily="2" charset="0"/>
+                </a:rPr>
+                <a:t>BPAD [years]</a:t>
+              </a:r>
+              <a:endParaRPr lang="en-US" sz="1200" dirty="0">
+                <a:latin typeface="Helvetica" pitchFamily="2" charset="0"/>
+              </a:endParaRPr>
+            </a:p>
+          </p:txBody>
+        </p:sp>
+        <p:sp>
+          <p:nvSpPr>
+            <p:cNvPr id="32" name="Textfeld 31"/>
+            <p:cNvSpPr txBox="1"/>
+            <p:nvPr/>
+          </p:nvSpPr>
+          <p:spPr>
+            <a:xfrm rot="16200000">
+              <a:off x="-1826788" y="2926737"/>
+              <a:ext cx="5469060" cy="284693"/>
+            </a:xfrm>
+            <a:prstGeom prst="rect">
+              <a:avLst/>
+            </a:prstGeom>
+            <a:solidFill>
+              <a:schemeClr val="bg1"/>
+            </a:solidFill>
+          </p:spPr>
+          <p:txBody>
+            <a:bodyPr wrap="square" rtlCol="0">
+              <a:spAutoFit/>
+            </a:bodyPr>
+            <a:lstStyle/>
+            <a:p>
+              <a:pPr algn="ctr">
+                <a:lnSpc>
+                  <a:spcPts val="1500"/>
+                </a:lnSpc>
+              </a:pPr>
+              <a:r>
+                <a:rPr lang="de-DE" sz="1200" dirty="0" err="1" smtClean="0">
+                  <a:latin typeface="Helvetica" pitchFamily="2" charset="0"/>
+                </a:rPr>
+                <a:t>Probability</a:t>
+              </a:r>
+              <a:r>
+                <a:rPr lang="de-DE" sz="1200" dirty="0" smtClean="0">
+                  <a:latin typeface="Helvetica" pitchFamily="2" charset="0"/>
+                </a:rPr>
+                <a:t> </a:t>
+              </a:r>
+              <a:r>
+                <a:rPr lang="de-DE" sz="1200" dirty="0" err="1" smtClean="0">
+                  <a:latin typeface="Helvetica" pitchFamily="2" charset="0"/>
+                </a:rPr>
+                <a:t>of</a:t>
+              </a:r>
+              <a:r>
+                <a:rPr lang="de-DE" sz="1200" dirty="0" smtClean="0">
+                  <a:latin typeface="Helvetica" pitchFamily="2" charset="0"/>
+                </a:rPr>
+                <a:t> </a:t>
+              </a:r>
+              <a:r>
+                <a:rPr lang="de-DE" sz="1200" dirty="0" err="1" smtClean="0">
+                  <a:latin typeface="Helvetica" pitchFamily="2" charset="0"/>
+                </a:rPr>
+                <a:t>Disease</a:t>
+              </a:r>
+              <a:r>
+                <a:rPr lang="de-DE" sz="1200" dirty="0" smtClean="0">
+                  <a:latin typeface="Helvetica" pitchFamily="2" charset="0"/>
+                </a:rPr>
+                <a:t> Progression </a:t>
+              </a:r>
+              <a:r>
+                <a:rPr lang="de-DE" sz="1200" dirty="0" smtClean="0">
+                  <a:latin typeface="Helvetica" pitchFamily="2" charset="0"/>
+                </a:rPr>
+                <a:t>[%]</a:t>
+              </a:r>
+              <a:endParaRPr lang="en-US" sz="1200" baseline="-25000" dirty="0">
+                <a:latin typeface="Helvetica" pitchFamily="2" charset="0"/>
+              </a:endParaRPr>
+            </a:p>
+          </p:txBody>
+        </p:sp>
+        <p:cxnSp>
+          <p:nvCxnSpPr>
+            <p:cNvPr id="33" name="Gerader Verbinder 32"/>
+            <p:cNvCxnSpPr/>
+            <p:nvPr/>
+          </p:nvCxnSpPr>
+          <p:spPr>
+            <a:xfrm>
+              <a:off x="1345445" y="3042779"/>
+              <a:ext cx="2274358" cy="2499"/>
+            </a:xfrm>
+            <a:prstGeom prst="line">
+              <a:avLst/>
+            </a:prstGeom>
+            <a:ln w="19050">
+              <a:solidFill>
+                <a:schemeClr val="tx1"/>
+              </a:solidFill>
+              <a:prstDash val="sysDot"/>
+            </a:ln>
+          </p:spPr>
+          <p:style>
+            <a:lnRef idx="1">
+              <a:schemeClr val="accent1"/>
+            </a:lnRef>
+            <a:fillRef idx="0">
+              <a:schemeClr val="accent1"/>
+            </a:fillRef>
+            <a:effectRef idx="0">
+              <a:schemeClr val="accent1"/>
+            </a:effectRef>
+            <a:fontRef idx="minor">
+              <a:schemeClr val="tx1"/>
+            </a:fontRef>
+          </p:style>
+        </p:cxnSp>
+        <p:cxnSp>
+          <p:nvCxnSpPr>
+            <p:cNvPr id="34" name="Gerader Verbinder 33"/>
+            <p:cNvCxnSpPr/>
+            <p:nvPr/>
+          </p:nvCxnSpPr>
+          <p:spPr>
+            <a:xfrm flipH="1">
+              <a:off x="3619803" y="3042779"/>
+              <a:ext cx="1" cy="2657163"/>
+            </a:xfrm>
+            <a:prstGeom prst="line">
+              <a:avLst/>
+            </a:prstGeom>
+            <a:ln w="19050">
+              <a:prstDash val="sysDot"/>
+            </a:ln>
+          </p:spPr>
+          <p:style>
+            <a:lnRef idx="1">
+              <a:schemeClr val="dk1"/>
+            </a:lnRef>
+            <a:fillRef idx="0">
+              <a:schemeClr val="dk1"/>
+            </a:fillRef>
+            <a:effectRef idx="0">
+              <a:schemeClr val="dk1"/>
+            </a:effectRef>
+            <a:fontRef idx="minor">
+              <a:schemeClr val="tx1"/>
+            </a:fontRef>
+          </p:style>
+        </p:cxnSp>
+        <p:sp>
+          <p:nvSpPr>
+            <p:cNvPr id="35" name="Textfeld 34"/>
+            <p:cNvSpPr txBox="1"/>
+            <p:nvPr/>
+          </p:nvSpPr>
+          <p:spPr>
+            <a:xfrm>
+              <a:off x="1597782" y="673099"/>
+              <a:ext cx="1632857" cy="461665"/>
+            </a:xfrm>
+            <a:prstGeom prst="rect">
+              <a:avLst/>
+            </a:prstGeom>
+            <a:noFill/>
+          </p:spPr>
+          <p:txBody>
+            <a:bodyPr wrap="square" rtlCol="0">
+              <a:spAutoFit/>
+            </a:bodyPr>
+            <a:lstStyle/>
+            <a:p>
+              <a:r>
+                <a:rPr lang="en-US" sz="2400" b="1" dirty="0" smtClean="0">
+                  <a:solidFill>
+                    <a:srgbClr val="E0E0E0"/>
+                  </a:solidFill>
+                </a:rPr>
+                <a:t>Sample </a:t>
+              </a:r>
+              <a:r>
+                <a:rPr lang="en-US" sz="2400" b="1" dirty="0" smtClean="0">
+                  <a:solidFill>
+                    <a:srgbClr val="E0E0E0"/>
+                  </a:solidFill>
+                </a:rPr>
+                <a:t>1</a:t>
+              </a:r>
+              <a:endParaRPr lang="en-US" sz="2400" b="1" dirty="0">
+                <a:solidFill>
+                  <a:srgbClr val="E0E0E0"/>
+                </a:solidFill>
+              </a:endParaRPr>
+            </a:p>
+          </p:txBody>
+        </p:sp>
+      </p:grpSp>
+      <p:grpSp>
+        <p:nvGrpSpPr>
+          <p:cNvPr id="43" name="Gruppieren 42"/>
+          <p:cNvGrpSpPr/>
+          <p:nvPr/>
+        </p:nvGrpSpPr>
+        <p:grpSpPr>
+          <a:xfrm>
+            <a:off x="6168245" y="334553"/>
+            <a:ext cx="4956177" cy="5781632"/>
+            <a:chOff x="3565442" y="216626"/>
+            <a:chExt cx="4956177" cy="5781632"/>
+          </a:xfrm>
+        </p:grpSpPr>
+        <p:pic>
+          <p:nvPicPr>
+            <p:cNvPr id="37" name="Grafik 36"/>
+            <p:cNvPicPr>
+              <a:picLocks noChangeAspect="1"/>
+            </p:cNvPicPr>
+            <p:nvPr/>
+          </p:nvPicPr>
+          <p:blipFill rotWithShape="1">
+            <a:blip r:embed="rId5" cstate="print">
+              <a:extLst>
+                <a:ext uri="{28A0092B-C50C-407E-A947-70E740481C1C}">
+                  <a14:useLocalDpi xmlns:a14="http://schemas.microsoft.com/office/drawing/2010/main" val="0"/>
+                </a:ext>
+              </a:extLst>
+            </a:blip>
+            <a:srcRect l="2222" r="15278"/>
+            <a:stretch/>
+          </p:blipFill>
+          <p:spPr>
+            <a:xfrm>
+              <a:off x="3850136" y="369454"/>
+              <a:ext cx="4547309" cy="5511889"/>
+            </a:xfrm>
+            <a:prstGeom prst="rect">
+              <a:avLst/>
+            </a:prstGeom>
+          </p:spPr>
+        </p:pic>
+        <p:cxnSp>
+          <p:nvCxnSpPr>
+            <p:cNvPr id="38" name="Gerader Verbinder 37"/>
+            <p:cNvCxnSpPr/>
+            <p:nvPr/>
+          </p:nvCxnSpPr>
+          <p:spPr>
+            <a:xfrm>
+              <a:off x="4125528" y="2943901"/>
+              <a:ext cx="2370522" cy="0"/>
+            </a:xfrm>
+            <a:prstGeom prst="line">
+              <a:avLst/>
+            </a:prstGeom>
+            <a:ln w="19050">
+              <a:solidFill>
+                <a:schemeClr val="tx1"/>
+              </a:solidFill>
+              <a:prstDash val="sysDot"/>
+            </a:ln>
+          </p:spPr>
+          <p:style>
+            <a:lnRef idx="1">
+              <a:schemeClr val="accent1"/>
+            </a:lnRef>
+            <a:fillRef idx="0">
+              <a:schemeClr val="accent1"/>
+            </a:fillRef>
+            <a:effectRef idx="0">
+              <a:schemeClr val="accent1"/>
+            </a:effectRef>
+            <a:fontRef idx="minor">
+              <a:schemeClr val="tx1"/>
+            </a:fontRef>
+          </p:style>
+        </p:cxnSp>
+        <p:cxnSp>
+          <p:nvCxnSpPr>
+            <p:cNvPr id="39" name="Gerader Verbinder 38"/>
+            <p:cNvCxnSpPr/>
+            <p:nvPr/>
+          </p:nvCxnSpPr>
+          <p:spPr>
+            <a:xfrm>
+              <a:off x="6496050" y="2943901"/>
+              <a:ext cx="0" cy="2637749"/>
+            </a:xfrm>
+            <a:prstGeom prst="line">
+              <a:avLst/>
+            </a:prstGeom>
+            <a:ln w="19050">
+              <a:prstDash val="sysDot"/>
+            </a:ln>
+          </p:spPr>
+          <p:style>
+            <a:lnRef idx="1">
+              <a:schemeClr val="dk1"/>
+            </a:lnRef>
+            <a:fillRef idx="0">
+              <a:schemeClr val="dk1"/>
+            </a:fillRef>
+            <a:effectRef idx="0">
+              <a:schemeClr val="dk1"/>
+            </a:effectRef>
+            <a:fontRef idx="minor">
+              <a:schemeClr val="tx1"/>
+            </a:fontRef>
+          </p:style>
+        </p:cxnSp>
+        <p:sp>
+          <p:nvSpPr>
+            <p:cNvPr id="40" name="Textfeld 39"/>
+            <p:cNvSpPr txBox="1"/>
+            <p:nvPr/>
+          </p:nvSpPr>
+          <p:spPr>
+            <a:xfrm>
+              <a:off x="4226100" y="5713565"/>
+              <a:ext cx="4295519" cy="284693"/>
+            </a:xfrm>
+            <a:prstGeom prst="rect">
+              <a:avLst/>
+            </a:prstGeom>
+            <a:solidFill>
+              <a:schemeClr val="bg1"/>
+            </a:solidFill>
+          </p:spPr>
+          <p:txBody>
+            <a:bodyPr wrap="square" rtlCol="0">
+              <a:spAutoFit/>
+            </a:bodyPr>
+            <a:lstStyle/>
+            <a:p>
+              <a:pPr algn="ctr">
+                <a:lnSpc>
+                  <a:spcPts val="1500"/>
+                </a:lnSpc>
+              </a:pPr>
+              <a:r>
+                <a:rPr lang="en-US" sz="1200" dirty="0" smtClean="0">
+                  <a:latin typeface="Helvetica" pitchFamily="2" charset="0"/>
+                </a:rPr>
+                <a:t>BPAD [years]</a:t>
+              </a:r>
+              <a:endParaRPr lang="en-US" sz="1200" dirty="0">
+                <a:latin typeface="Helvetica" pitchFamily="2" charset="0"/>
+              </a:endParaRPr>
+            </a:p>
+          </p:txBody>
+        </p:sp>
+        <p:sp>
+          <p:nvSpPr>
+            <p:cNvPr id="41" name="Textfeld 40"/>
+            <p:cNvSpPr txBox="1"/>
+            <p:nvPr/>
+          </p:nvSpPr>
+          <p:spPr>
+            <a:xfrm>
+              <a:off x="4397829" y="555171"/>
+              <a:ext cx="1632857" cy="461665"/>
+            </a:xfrm>
+            <a:prstGeom prst="rect">
+              <a:avLst/>
+            </a:prstGeom>
+            <a:noFill/>
+          </p:spPr>
+          <p:txBody>
+            <a:bodyPr wrap="square" rtlCol="0">
+              <a:spAutoFit/>
+            </a:bodyPr>
+            <a:lstStyle/>
+            <a:p>
+              <a:r>
+                <a:rPr lang="en-US" sz="2400" b="1" dirty="0" smtClean="0">
+                  <a:solidFill>
+                    <a:srgbClr val="E0E0E0"/>
+                  </a:solidFill>
+                </a:rPr>
+                <a:t>Sample 2</a:t>
+              </a:r>
+              <a:endParaRPr lang="en-US" sz="2400" b="1" dirty="0">
+                <a:solidFill>
+                  <a:srgbClr val="E0E0E0"/>
+                </a:solidFill>
+              </a:endParaRPr>
+            </a:p>
+          </p:txBody>
+        </p:sp>
+        <p:sp>
+          <p:nvSpPr>
+            <p:cNvPr id="42" name="Textfeld 41"/>
+            <p:cNvSpPr txBox="1"/>
+            <p:nvPr/>
+          </p:nvSpPr>
+          <p:spPr>
+            <a:xfrm rot="16200000">
+              <a:off x="973259" y="2808809"/>
+              <a:ext cx="5469060" cy="284693"/>
+            </a:xfrm>
+            <a:prstGeom prst="rect">
+              <a:avLst/>
+            </a:prstGeom>
+            <a:solidFill>
+              <a:schemeClr val="bg1"/>
+            </a:solidFill>
+          </p:spPr>
+          <p:txBody>
+            <a:bodyPr wrap="square" rtlCol="0">
+              <a:spAutoFit/>
+            </a:bodyPr>
+            <a:lstStyle/>
+            <a:p>
+              <a:pPr algn="ctr">
+                <a:lnSpc>
+                  <a:spcPts val="1500"/>
+                </a:lnSpc>
+              </a:pPr>
+              <a:r>
+                <a:rPr lang="de-DE" sz="1200" dirty="0" err="1" smtClean="0">
+                  <a:latin typeface="Helvetica" pitchFamily="2" charset="0"/>
+                </a:rPr>
+                <a:t>Probability</a:t>
+              </a:r>
+              <a:r>
+                <a:rPr lang="de-DE" sz="1200" dirty="0" smtClean="0">
+                  <a:latin typeface="Helvetica" pitchFamily="2" charset="0"/>
+                </a:rPr>
+                <a:t> </a:t>
+              </a:r>
+              <a:r>
+                <a:rPr lang="de-DE" sz="1200" dirty="0" err="1" smtClean="0">
+                  <a:latin typeface="Helvetica" pitchFamily="2" charset="0"/>
+                </a:rPr>
+                <a:t>of</a:t>
+              </a:r>
+              <a:r>
+                <a:rPr lang="de-DE" sz="1200" dirty="0" smtClean="0">
+                  <a:latin typeface="Helvetica" pitchFamily="2" charset="0"/>
+                </a:rPr>
+                <a:t> </a:t>
+              </a:r>
+              <a:r>
+                <a:rPr lang="de-DE" sz="1200" dirty="0" err="1" smtClean="0">
+                  <a:latin typeface="Helvetica" pitchFamily="2" charset="0"/>
+                </a:rPr>
+                <a:t>Disease</a:t>
+              </a:r>
+              <a:r>
+                <a:rPr lang="de-DE" sz="1200" dirty="0" smtClean="0">
+                  <a:latin typeface="Helvetica" pitchFamily="2" charset="0"/>
+                </a:rPr>
+                <a:t> Progression </a:t>
+              </a:r>
+              <a:r>
+                <a:rPr lang="de-DE" sz="1200" dirty="0" smtClean="0">
+                  <a:latin typeface="Helvetica" pitchFamily="2" charset="0"/>
+                </a:rPr>
+                <a:t>[%]</a:t>
+              </a:r>
+              <a:endParaRPr lang="en-US" sz="1200" baseline="-25000" dirty="0">
+                <a:latin typeface="Helvetica" pitchFamily="2" charset="0"/>
+              </a:endParaRPr>
+            </a:p>
+          </p:txBody>
+        </p:sp>
+      </p:grpSp>
+    </p:spTree>
+    <p:extLst>
+      <p:ext uri="{BB962C8B-B14F-4D97-AF65-F5344CB8AC3E}">
+        <p14:creationId xmlns:p14="http://schemas.microsoft.com/office/powerpoint/2010/main" val="1122671283"/>
       </p:ext>
     </p:extLst>
   </p:cSld>
